--- a/SWAT4HCLS_24_EDC.pptx
+++ b/SWAT4HCLS_24_EDC.pptx
@@ -110,12 +110,12 @@
   <p:extLst>
     <p:ext uri="{EFAFB233-063F-42B5-8137-9DF3F51BA10A}">
       <p15:sldGuideLst xmlns:p15="http://schemas.microsoft.com/office/powerpoint/2012/main">
-        <p15:guide id="1" orient="horz" pos="13482" userDrawn="1">
+        <p15:guide id="1" orient="horz" pos="12162" userDrawn="1">
           <p15:clr>
             <a:srgbClr val="A4A3A4"/>
           </p15:clr>
         </p15:guide>
-        <p15:guide id="2" pos="9536" userDrawn="1">
+        <p15:guide id="2" pos="176" userDrawn="1">
           <p15:clr>
             <a:srgbClr val="A4A3A4"/>
           </p15:clr>
@@ -269,7 +269,7 @@
             <a:fld id="{B473D934-A56A-4F23-9497-EA27FBBC7A46}" type="datetimeFigureOut">
               <a:rPr lang="en-US" smtClean="0"/>
               <a:pPr/>
-              <a:t>2/16/2024</a:t>
+              <a:t>19-Feb-24</a:t>
             </a:fld>
             <a:endParaRPr lang="en-US"/>
           </a:p>
@@ -775,7 +775,7 @@
             <a:fld id="{F2C97E4C-F265-4DE5-9B72-C7716F096577}" type="datetimeFigureOut">
               <a:rPr lang="en-US" smtClean="0"/>
               <a:pPr/>
-              <a:t>2/16/2024</a:t>
+              <a:t>19-Feb-24</a:t>
             </a:fld>
             <a:endParaRPr lang="en-US"/>
           </a:p>
@@ -975,7 +975,7 @@
             <a:fld id="{F2C97E4C-F265-4DE5-9B72-C7716F096577}" type="datetimeFigureOut">
               <a:rPr lang="en-US" smtClean="0"/>
               <a:pPr/>
-              <a:t>2/16/2024</a:t>
+              <a:t>19-Feb-24</a:t>
             </a:fld>
             <a:endParaRPr lang="en-US"/>
           </a:p>
@@ -1185,7 +1185,7 @@
             <a:fld id="{F2C97E4C-F265-4DE5-9B72-C7716F096577}" type="datetimeFigureOut">
               <a:rPr lang="en-US" smtClean="0"/>
               <a:pPr/>
-              <a:t>2/16/2024</a:t>
+              <a:t>19-Feb-24</a:t>
             </a:fld>
             <a:endParaRPr lang="en-US"/>
           </a:p>
@@ -1385,7 +1385,7 @@
             <a:fld id="{F2C97E4C-F265-4DE5-9B72-C7716F096577}" type="datetimeFigureOut">
               <a:rPr lang="en-US" smtClean="0"/>
               <a:pPr/>
-              <a:t>2/16/2024</a:t>
+              <a:t>19-Feb-24</a:t>
             </a:fld>
             <a:endParaRPr lang="en-US"/>
           </a:p>
@@ -1662,7 +1662,7 @@
             <a:fld id="{F2C97E4C-F265-4DE5-9B72-C7716F096577}" type="datetimeFigureOut">
               <a:rPr lang="en-US" smtClean="0"/>
               <a:pPr/>
-              <a:t>2/16/2024</a:t>
+              <a:t>19-Feb-24</a:t>
             </a:fld>
             <a:endParaRPr lang="en-US"/>
           </a:p>
@@ -1929,7 +1929,7 @@
             <a:fld id="{F2C97E4C-F265-4DE5-9B72-C7716F096577}" type="datetimeFigureOut">
               <a:rPr lang="en-US" smtClean="0"/>
               <a:pPr/>
-              <a:t>2/16/2024</a:t>
+              <a:t>19-Feb-24</a:t>
             </a:fld>
             <a:endParaRPr lang="en-US"/>
           </a:p>
@@ -2343,7 +2343,7 @@
             <a:fld id="{F2C97E4C-F265-4DE5-9B72-C7716F096577}" type="datetimeFigureOut">
               <a:rPr lang="en-US" smtClean="0"/>
               <a:pPr/>
-              <a:t>2/16/2024</a:t>
+              <a:t>19-Feb-24</a:t>
             </a:fld>
             <a:endParaRPr lang="en-US"/>
           </a:p>
@@ -2486,7 +2486,7 @@
             <a:fld id="{F2C97E4C-F265-4DE5-9B72-C7716F096577}" type="datetimeFigureOut">
               <a:rPr lang="en-US" smtClean="0"/>
               <a:pPr/>
-              <a:t>2/16/2024</a:t>
+              <a:t>19-Feb-24</a:t>
             </a:fld>
             <a:endParaRPr lang="en-US"/>
           </a:p>
@@ -2601,7 +2601,7 @@
             <a:fld id="{F2C97E4C-F265-4DE5-9B72-C7716F096577}" type="datetimeFigureOut">
               <a:rPr lang="en-US" smtClean="0"/>
               <a:pPr/>
-              <a:t>2/16/2024</a:t>
+              <a:t>19-Feb-24</a:t>
             </a:fld>
             <a:endParaRPr lang="en-US"/>
           </a:p>
@@ -2914,7 +2914,7 @@
             <a:fld id="{F2C97E4C-F265-4DE5-9B72-C7716F096577}" type="datetimeFigureOut">
               <a:rPr lang="en-US" smtClean="0"/>
               <a:pPr/>
-              <a:t>2/16/2024</a:t>
+              <a:t>19-Feb-24</a:t>
             </a:fld>
             <a:endParaRPr lang="en-US"/>
           </a:p>
@@ -3204,7 +3204,7 @@
             <a:fld id="{F2C97E4C-F265-4DE5-9B72-C7716F096577}" type="datetimeFigureOut">
               <a:rPr lang="en-US" smtClean="0"/>
               <a:pPr/>
-              <a:t>2/16/2024</a:t>
+              <a:t>19-Feb-24</a:t>
             </a:fld>
             <a:endParaRPr lang="en-US"/>
           </a:p>
@@ -3447,7 +3447,7 @@
             <a:fld id="{F2C97E4C-F265-4DE5-9B72-C7716F096577}" type="datetimeFigureOut">
               <a:rPr lang="en-US" smtClean="0"/>
               <a:pPr/>
-              <a:t>2/16/2024</a:t>
+              <a:t>19-Feb-24</a:t>
             </a:fld>
             <a:endParaRPr lang="en-US"/>
           </a:p>
@@ -3867,10 +3867,10 @@
       </p:grpSpPr>
       <p:sp>
         <p:nvSpPr>
-          <p:cNvPr id="479" name="Cylinder 478">
-            <a:extLst>
-              <a:ext uri="{FF2B5EF4-FFF2-40B4-BE49-F238E27FC236}">
-                <a16:creationId xmlns:a16="http://schemas.microsoft.com/office/drawing/2014/main" id="{6C63F1E1-1BC1-937E-5BD5-D22B059A8407}"/>
+          <p:cNvPr id="6" name="Rectangle: Diagonal Corners Rounded 5">
+            <a:extLst>
+              <a:ext uri="{FF2B5EF4-FFF2-40B4-BE49-F238E27FC236}">
+                <a16:creationId xmlns:a16="http://schemas.microsoft.com/office/drawing/2014/main" id="{122E4D69-73C3-A986-2FFA-E7B20CDE8EFD}"/>
               </a:ext>
             </a:extLst>
           </p:cNvPr>
@@ -3878,18 +3878,20 @@
           <p:nvPr/>
         </p:nvSpPr>
         <p:spPr>
-          <a:xfrm>
-            <a:off x="1060243" y="12959782"/>
-            <a:ext cx="826585" cy="807191"/>
-          </a:xfrm>
-          <a:prstGeom prst="can">
+          <a:xfrm rot="10800000" flipV="1">
+            <a:off x="20734546" y="20042249"/>
+            <a:ext cx="9177095" cy="15228753"/>
+          </a:xfrm>
+          <a:prstGeom prst="round2DiagRect">
             <a:avLst/>
           </a:prstGeom>
           <a:solidFill>
-            <a:srgbClr val="FF0000"/>
+            <a:srgbClr val="EBE5FF"/>
           </a:solidFill>
           <a:ln>
-            <a:noFill/>
+            <a:solidFill>
+              <a:srgbClr val="8356FF"/>
+            </a:solidFill>
           </a:ln>
         </p:spPr>
         <p:style>
@@ -3917,766 +3919,32 @@
           </a:p>
         </p:txBody>
       </p:sp>
-      <p:pic>
-        <p:nvPicPr>
-          <p:cNvPr id="14" name="Picture 13">
-            <a:extLst>
-              <a:ext uri="{FF2B5EF4-FFF2-40B4-BE49-F238E27FC236}">
-                <a16:creationId xmlns:a16="http://schemas.microsoft.com/office/drawing/2014/main" id="{93026C2E-D84B-CF9B-256A-EAE3EEE0E226}"/>
-              </a:ext>
-            </a:extLst>
-          </p:cNvPr>
-          <p:cNvPicPr>
-            <a:picLocks noChangeAspect="1"/>
-          </p:cNvPicPr>
-          <p:nvPr/>
-        </p:nvPicPr>
-        <p:blipFill>
-          <a:blip r:embed="rId3"/>
-          <a:stretch>
-            <a:fillRect/>
-          </a:stretch>
-        </p:blipFill>
-        <p:spPr>
-          <a:xfrm>
-            <a:off x="24717414" y="1711140"/>
-            <a:ext cx="4518550" cy="2360943"/>
-          </a:xfrm>
-          <a:prstGeom prst="rect">
-            <a:avLst/>
-          </a:prstGeom>
-        </p:spPr>
-      </p:pic>
-      <p:sp>
-        <p:nvSpPr>
-          <p:cNvPr id="2049" name="Rectangle 1"/>
-          <p:cNvSpPr>
-            <a:spLocks noChangeArrowheads="1"/>
-          </p:cNvSpPr>
-          <p:nvPr/>
-        </p:nvSpPr>
-        <p:spPr bwMode="auto">
-          <a:xfrm>
-            <a:off x="556627" y="427955"/>
-            <a:ext cx="21441635" cy="1137875"/>
-          </a:xfrm>
-          <a:prstGeom prst="rect">
-            <a:avLst/>
-          </a:prstGeom>
-          <a:noFill/>
-          <a:ln w="9525">
-            <a:noFill/>
-            <a:miter lim="800000"/>
-            <a:headEnd/>
-            <a:tailEnd/>
-          </a:ln>
-          <a:effectLst/>
-        </p:spPr>
-        <p:txBody>
-          <a:bodyPr vert="horz" wrap="square" lIns="60070" tIns="30035" rIns="60070" bIns="30035" numCol="1" anchor="ctr" anchorCtr="0" compatLnSpc="1">
-            <a:prstTxWarp prst="textNoShape">
-              <a:avLst/>
-            </a:prstTxWarp>
-            <a:spAutoFit/>
-          </a:bodyPr>
-          <a:lstStyle/>
-          <a:p>
-            <a:pPr defTabSz="600756">
-              <a:spcBef>
-                <a:spcPct val="0"/>
-              </a:spcBef>
-              <a:spcAft>
-                <a:spcPts val="414"/>
-              </a:spcAft>
-            </a:pPr>
-            <a:r>
-              <a:rPr lang="en-US" sz="7000" b="1" dirty="0">
-                <a:latin typeface="Cambria" panose="02040503050406030204" pitchFamily="18" charset="0"/>
-                <a:ea typeface="Cambria" panose="02040503050406030204" pitchFamily="18" charset="0"/>
-              </a:rPr>
-              <a:t>Personalized Medicine Through Personal Data Pods</a:t>
-            </a:r>
-          </a:p>
-        </p:txBody>
-      </p:sp>
-      <p:sp>
-        <p:nvSpPr>
-          <p:cNvPr id="477" name="TextBox 476">
-            <a:extLst>
-              <a:ext uri="{FF2B5EF4-FFF2-40B4-BE49-F238E27FC236}">
-                <a16:creationId xmlns:a16="http://schemas.microsoft.com/office/drawing/2014/main" id="{B5B38119-FD51-F64F-ACA4-6A2C602174C8}"/>
-              </a:ext>
-            </a:extLst>
-          </p:cNvPr>
-          <p:cNvSpPr txBox="1"/>
-          <p:nvPr/>
-        </p:nvSpPr>
-        <p:spPr>
-          <a:xfrm>
-            <a:off x="279363" y="41197435"/>
-            <a:ext cx="17982291" cy="1366015"/>
-          </a:xfrm>
-          <a:prstGeom prst="rect">
-            <a:avLst/>
-          </a:prstGeom>
-          <a:noFill/>
-        </p:spPr>
-        <p:txBody>
-          <a:bodyPr wrap="square" rtlCol="0" anchor="ctr">
-            <a:spAutoFit/>
-          </a:bodyPr>
-          <a:lstStyle/>
-          <a:p>
-            <a:r>
-              <a:rPr lang="en-US" sz="2069" dirty="0"/>
-              <a:t>[1] Y. K. Ko, J.-A. </a:t>
-            </a:r>
-            <a:r>
-              <a:rPr lang="en-US" sz="2069" dirty="0" err="1"/>
-              <a:t>Gim</a:t>
-            </a:r>
-            <a:r>
-              <a:rPr lang="en-US" sz="2069" dirty="0"/>
-              <a:t>, New drug development and clinical trial design by applying genomic information management, Pharmaceutics (2022).</a:t>
-            </a:r>
-          </a:p>
-          <a:p>
-            <a:r>
-              <a:rPr lang="en-US" sz="2069" dirty="0"/>
-              <a:t>[2] S. Mathur, J. Sutton, Personalized medicine could transform healthcare, Biomedical Reports (2017).</a:t>
-            </a:r>
-          </a:p>
-          <a:p>
-            <a:r>
-              <a:rPr lang="en-US" sz="2069" dirty="0"/>
-              <a:t>[3] T. </a:t>
-            </a:r>
-            <a:r>
-              <a:rPr lang="en-US" sz="2069" dirty="0" err="1"/>
-              <a:t>Tanjo</a:t>
-            </a:r>
-            <a:r>
-              <a:rPr lang="en-US" sz="2069" dirty="0"/>
-              <a:t>, Y. Kawai, K. Tokunaga, O. Ogasawara, M. Nagasaki, Practical guide for managing large-scale human genome data in research, J Hum Genet (2021).</a:t>
-            </a:r>
-          </a:p>
-          <a:p>
-            <a:r>
-              <a:rPr lang="en-US" sz="2069" dirty="0"/>
-              <a:t>[4] R. </a:t>
-            </a:r>
-            <a:r>
-              <a:rPr lang="en-US" sz="2069" dirty="0" err="1"/>
-              <a:t>Verborgh</a:t>
-            </a:r>
-            <a:r>
-              <a:rPr lang="en-US" sz="2069" dirty="0"/>
-              <a:t>, Re-decentralizing the Web, for good this time, in: Linking the World’s Information: Essays</a:t>
-            </a:r>
-          </a:p>
-        </p:txBody>
-      </p:sp>
-      <p:sp>
-        <p:nvSpPr>
-          <p:cNvPr id="129" name="TextBox 128">
-            <a:extLst>
-              <a:ext uri="{FF2B5EF4-FFF2-40B4-BE49-F238E27FC236}">
-                <a16:creationId xmlns:a16="http://schemas.microsoft.com/office/drawing/2014/main" id="{6518F4F5-D051-974A-B15A-FC8F5525BC4C}"/>
-              </a:ext>
-            </a:extLst>
-          </p:cNvPr>
-          <p:cNvSpPr txBox="1"/>
-          <p:nvPr/>
-        </p:nvSpPr>
-        <p:spPr>
-          <a:xfrm>
-            <a:off x="23390642" y="42133747"/>
-            <a:ext cx="6979988" cy="382110"/>
-          </a:xfrm>
-          <a:prstGeom prst="rect">
-            <a:avLst/>
-          </a:prstGeom>
-          <a:noFill/>
-        </p:spPr>
-        <p:txBody>
-          <a:bodyPr wrap="square" lIns="63073" tIns="31537" rIns="63073" bIns="31537" rtlCol="0" anchor="ctr">
-            <a:spAutoFit/>
-          </a:bodyPr>
-          <a:lstStyle/>
-          <a:p>
-            <a:r>
-              <a:rPr lang="en-US" sz="2069" dirty="0"/>
-              <a:t>Funding provided from VITO NV (UG_PhD_2303_contract)</a:t>
-            </a:r>
-            <a:endParaRPr lang="en-US" sz="2069" baseline="-25000" dirty="0"/>
-          </a:p>
-        </p:txBody>
-      </p:sp>
-      <p:sp>
-        <p:nvSpPr>
-          <p:cNvPr id="11" name="TextBox 10">
-            <a:extLst>
-              <a:ext uri="{FF2B5EF4-FFF2-40B4-BE49-F238E27FC236}">
-                <a16:creationId xmlns:a16="http://schemas.microsoft.com/office/drawing/2014/main" id="{AB90B7A7-3CC2-A047-A09D-4AB18EAF8048}"/>
-              </a:ext>
-            </a:extLst>
-          </p:cNvPr>
-          <p:cNvSpPr txBox="1"/>
-          <p:nvPr/>
-        </p:nvSpPr>
-        <p:spPr>
-          <a:xfrm>
-            <a:off x="196733" y="40508354"/>
-            <a:ext cx="2953496" cy="729302"/>
-          </a:xfrm>
-          <a:prstGeom prst="rect">
-            <a:avLst/>
-          </a:prstGeom>
-          <a:noFill/>
-        </p:spPr>
-        <p:txBody>
-          <a:bodyPr wrap="square" rtlCol="0">
-            <a:spAutoFit/>
-          </a:bodyPr>
-          <a:lstStyle/>
-          <a:p>
-            <a:r>
-              <a:rPr lang="en-US" sz="4139" dirty="0">
-                <a:latin typeface="Cambria" panose="02040503050406030204" pitchFamily="18" charset="0"/>
-                <a:ea typeface="Cambria" panose="02040503050406030204" pitchFamily="18" charset="0"/>
-              </a:rPr>
-              <a:t>References</a:t>
-            </a:r>
-          </a:p>
-        </p:txBody>
-      </p:sp>
-      <p:sp>
-        <p:nvSpPr>
-          <p:cNvPr id="133" name="TextBox 132">
-            <a:extLst>
-              <a:ext uri="{FF2B5EF4-FFF2-40B4-BE49-F238E27FC236}">
-                <a16:creationId xmlns:a16="http://schemas.microsoft.com/office/drawing/2014/main" id="{EFDAADD4-E3F4-8741-9908-0DB926C72F3F}"/>
-              </a:ext>
-            </a:extLst>
-          </p:cNvPr>
-          <p:cNvSpPr txBox="1"/>
-          <p:nvPr/>
-        </p:nvSpPr>
-        <p:spPr>
-          <a:xfrm>
-            <a:off x="25179128" y="40599200"/>
-            <a:ext cx="4749149" cy="729302"/>
-          </a:xfrm>
-          <a:prstGeom prst="rect">
-            <a:avLst/>
-          </a:prstGeom>
-          <a:noFill/>
-        </p:spPr>
-        <p:txBody>
-          <a:bodyPr wrap="square" rtlCol="0">
-            <a:spAutoFit/>
-          </a:bodyPr>
-          <a:lstStyle/>
-          <a:p>
-            <a:r>
-              <a:rPr lang="en-US" sz="4139" dirty="0">
-                <a:latin typeface="Georgia" panose="02040502050405020303" pitchFamily="18" charset="0"/>
-              </a:rPr>
-              <a:t>Acknowledgements</a:t>
-            </a:r>
-          </a:p>
-        </p:txBody>
-      </p:sp>
-      <p:sp>
-        <p:nvSpPr>
-          <p:cNvPr id="139" name="TextBox 138">
-            <a:extLst>
-              <a:ext uri="{FF2B5EF4-FFF2-40B4-BE49-F238E27FC236}">
-                <a16:creationId xmlns:a16="http://schemas.microsoft.com/office/drawing/2014/main" id="{3F6D5A33-96BC-474B-A8E8-4ACF69E78591}"/>
-              </a:ext>
-            </a:extLst>
-          </p:cNvPr>
-          <p:cNvSpPr txBox="1"/>
-          <p:nvPr/>
-        </p:nvSpPr>
-        <p:spPr>
-          <a:xfrm>
-            <a:off x="746970" y="4563264"/>
-            <a:ext cx="13221443" cy="954107"/>
-          </a:xfrm>
-          <a:prstGeom prst="rect">
-            <a:avLst/>
-          </a:prstGeom>
-          <a:noFill/>
-        </p:spPr>
-        <p:txBody>
-          <a:bodyPr wrap="square" rtlCol="0">
-            <a:spAutoFit/>
-          </a:bodyPr>
-          <a:lstStyle/>
-          <a:p>
-            <a:r>
-              <a:rPr lang="en-US" sz="5600" dirty="0">
-                <a:latin typeface="Cambria" panose="02040503050406030204" pitchFamily="18" charset="0"/>
-                <a:ea typeface="Cambria" panose="02040503050406030204" pitchFamily="18" charset="0"/>
-              </a:rPr>
-              <a:t>Why not more personalized medicine?</a:t>
-            </a:r>
-          </a:p>
-        </p:txBody>
-      </p:sp>
-      <p:pic>
-        <p:nvPicPr>
-          <p:cNvPr id="13" name="Picture 12" descr="A black and white logo&#10;&#10;Description automatically generated">
-            <a:extLst>
-              <a:ext uri="{FF2B5EF4-FFF2-40B4-BE49-F238E27FC236}">
-                <a16:creationId xmlns:a16="http://schemas.microsoft.com/office/drawing/2014/main" id="{99ECC670-7EA5-5F0A-314F-2F2F9FAA8C29}"/>
-              </a:ext>
-            </a:extLst>
-          </p:cNvPr>
-          <p:cNvPicPr>
-            <a:picLocks noChangeAspect="1"/>
-          </p:cNvPicPr>
-          <p:nvPr/>
-        </p:nvPicPr>
-        <p:blipFill>
-          <a:blip r:embed="rId4" cstate="print">
-            <a:extLst>
-              <a:ext uri="{28A0092B-C50C-407E-A947-70E740481C1C}">
-                <a14:useLocalDpi xmlns:a14="http://schemas.microsoft.com/office/drawing/2010/main" val="0"/>
-              </a:ext>
-            </a:extLst>
-          </a:blip>
-          <a:stretch>
-            <a:fillRect/>
-          </a:stretch>
-        </p:blipFill>
-        <p:spPr>
-          <a:xfrm>
-            <a:off x="24170066" y="367766"/>
-            <a:ext cx="2710570" cy="1258254"/>
-          </a:xfrm>
-          <a:prstGeom prst="rect">
-            <a:avLst/>
-          </a:prstGeom>
-        </p:spPr>
-      </p:pic>
-      <p:pic>
-        <p:nvPicPr>
-          <p:cNvPr id="12" name="Picture 11">
-            <a:extLst>
-              <a:ext uri="{FF2B5EF4-FFF2-40B4-BE49-F238E27FC236}">
-                <a16:creationId xmlns:a16="http://schemas.microsoft.com/office/drawing/2014/main" id="{2722A1E2-8CC6-6CF3-4D46-B4A499B17690}"/>
-              </a:ext>
-            </a:extLst>
-          </p:cNvPr>
-          <p:cNvPicPr>
-            <a:picLocks noChangeAspect="1"/>
-          </p:cNvPicPr>
-          <p:nvPr/>
-        </p:nvPicPr>
-        <p:blipFill>
-          <a:blip r:embed="rId5"/>
-          <a:stretch>
-            <a:fillRect/>
-          </a:stretch>
-        </p:blipFill>
-        <p:spPr>
-          <a:xfrm>
-            <a:off x="27200663" y="0"/>
-            <a:ext cx="3074550" cy="2460161"/>
-          </a:xfrm>
-          <a:prstGeom prst="rect">
-            <a:avLst/>
-          </a:prstGeom>
-        </p:spPr>
-      </p:pic>
-      <p:cxnSp>
-        <p:nvCxnSpPr>
-          <p:cNvPr id="16" name="Straight Connector 15">
-            <a:extLst>
-              <a:ext uri="{FF2B5EF4-FFF2-40B4-BE49-F238E27FC236}">
-                <a16:creationId xmlns:a16="http://schemas.microsoft.com/office/drawing/2014/main" id="{B7C61FE0-0E91-2E60-214E-6CF92D142629}"/>
-              </a:ext>
-            </a:extLst>
-          </p:cNvPr>
-          <p:cNvCxnSpPr/>
-          <p:nvPr/>
-        </p:nvCxnSpPr>
-        <p:spPr>
-          <a:xfrm>
-            <a:off x="209083" y="3991266"/>
-            <a:ext cx="29857045" cy="0"/>
-          </a:xfrm>
-          <a:prstGeom prst="line">
-            <a:avLst/>
-          </a:prstGeom>
+      <p:sp>
+        <p:nvSpPr>
+          <p:cNvPr id="248" name="Rectangle: Rounded Corners 247">
+            <a:extLst>
+              <a:ext uri="{FF2B5EF4-FFF2-40B4-BE49-F238E27FC236}">
+                <a16:creationId xmlns:a16="http://schemas.microsoft.com/office/drawing/2014/main" id="{D13A40BC-066D-2EEA-79D9-22FF5B4B3159}"/>
+              </a:ext>
+            </a:extLst>
+          </p:cNvPr>
+          <p:cNvSpPr/>
+          <p:nvPr/>
+        </p:nvSpPr>
+        <p:spPr>
+          <a:xfrm>
+            <a:off x="6650854" y="36578869"/>
+            <a:ext cx="17193109" cy="4356108"/>
+          </a:xfrm>
+          <a:prstGeom prst="roundRect">
+            <a:avLst/>
+          </a:prstGeom>
+          <a:solidFill>
+            <a:srgbClr val="DCEAF7"/>
+          </a:solidFill>
           <a:ln>
             <a:solidFill>
               <a:srgbClr val="0070C0"/>
-            </a:solidFill>
-          </a:ln>
-        </p:spPr>
-        <p:style>
-          <a:lnRef idx="2">
-            <a:schemeClr val="accent2"/>
-          </a:lnRef>
-          <a:fillRef idx="0">
-            <a:schemeClr val="accent2"/>
-          </a:fillRef>
-          <a:effectRef idx="1">
-            <a:schemeClr val="accent2"/>
-          </a:effectRef>
-          <a:fontRef idx="minor">
-            <a:schemeClr val="tx1"/>
-          </a:fontRef>
-        </p:style>
-      </p:cxnSp>
-      <p:sp>
-        <p:nvSpPr>
-          <p:cNvPr id="22" name="Rectangle 1">
-            <a:extLst>
-              <a:ext uri="{FF2B5EF4-FFF2-40B4-BE49-F238E27FC236}">
-                <a16:creationId xmlns:a16="http://schemas.microsoft.com/office/drawing/2014/main" id="{5745C853-ECCC-F976-AA9E-A5DAD866953F}"/>
-              </a:ext>
-            </a:extLst>
-          </p:cNvPr>
-          <p:cNvSpPr>
-            <a:spLocks noChangeArrowheads="1"/>
-          </p:cNvSpPr>
-          <p:nvPr/>
-        </p:nvSpPr>
-        <p:spPr bwMode="auto">
-          <a:xfrm>
-            <a:off x="632827" y="1661285"/>
-            <a:ext cx="21441635" cy="676210"/>
-          </a:xfrm>
-          <a:prstGeom prst="rect">
-            <a:avLst/>
-          </a:prstGeom>
-          <a:noFill/>
-          <a:ln w="9525">
-            <a:noFill/>
-            <a:miter lim="800000"/>
-            <a:headEnd/>
-            <a:tailEnd/>
-          </a:ln>
-          <a:effectLst/>
-        </p:spPr>
-        <p:txBody>
-          <a:bodyPr vert="horz" wrap="square" lIns="60070" tIns="30035" rIns="60070" bIns="30035" numCol="1" anchor="ctr" anchorCtr="0" compatLnSpc="1">
-            <a:prstTxWarp prst="textNoShape">
-              <a:avLst/>
-            </a:prstTxWarp>
-            <a:spAutoFit/>
-          </a:bodyPr>
-          <a:lstStyle/>
-          <a:p>
-            <a:pPr defTabSz="600756">
-              <a:spcBef>
-                <a:spcPts val="1200"/>
-              </a:spcBef>
-            </a:pPr>
-            <a:r>
-              <a:rPr lang="en-US" sz="4000" dirty="0">
-                <a:solidFill>
-                  <a:srgbClr val="0070C0"/>
-                </a:solidFill>
-                <a:latin typeface="Century" panose="02040604050505020304" pitchFamily="18" charset="0"/>
-                <a:cs typeface="Arial" pitchFamily="34" charset="0"/>
-              </a:rPr>
-              <a:t>Elias Crum</a:t>
-            </a:r>
-            <a:r>
-              <a:rPr lang="en-US" sz="4000" baseline="30000" dirty="0">
-                <a:solidFill>
-                  <a:srgbClr val="0070C0"/>
-                </a:solidFill>
-                <a:latin typeface="Century" panose="02040604050505020304" pitchFamily="18" charset="0"/>
-                <a:cs typeface="Arial" pitchFamily="34" charset="0"/>
-              </a:rPr>
-              <a:t>1,2</a:t>
-            </a:r>
-            <a:r>
-              <a:rPr lang="en-US" sz="4000" dirty="0">
-                <a:solidFill>
-                  <a:srgbClr val="0070C0"/>
-                </a:solidFill>
-                <a:latin typeface="Century" panose="02040604050505020304" pitchFamily="18" charset="0"/>
-                <a:cs typeface="Arial" pitchFamily="34" charset="0"/>
-              </a:rPr>
-              <a:t>, Ruben Taelman</a:t>
-            </a:r>
-            <a:r>
-              <a:rPr lang="en-US" sz="4000" baseline="30000" dirty="0">
-                <a:solidFill>
-                  <a:srgbClr val="0070C0"/>
-                </a:solidFill>
-                <a:latin typeface="Century" panose="02040604050505020304" pitchFamily="18" charset="0"/>
-                <a:cs typeface="Arial" pitchFamily="34" charset="0"/>
-              </a:rPr>
-              <a:t>1</a:t>
-            </a:r>
-            <a:r>
-              <a:rPr lang="en-US" sz="4000" dirty="0">
-                <a:solidFill>
-                  <a:srgbClr val="0070C0"/>
-                </a:solidFill>
-                <a:latin typeface="Century" panose="02040604050505020304" pitchFamily="18" charset="0"/>
-                <a:cs typeface="Arial" pitchFamily="34" charset="0"/>
-              </a:rPr>
-              <a:t>, Bart Buelens</a:t>
-            </a:r>
-            <a:r>
-              <a:rPr lang="en-US" sz="4000" baseline="30000" dirty="0">
-                <a:solidFill>
-                  <a:srgbClr val="0070C0"/>
-                </a:solidFill>
-                <a:latin typeface="Century" panose="02040604050505020304" pitchFamily="18" charset="0"/>
-                <a:cs typeface="Arial" pitchFamily="34" charset="0"/>
-              </a:rPr>
-              <a:t>2</a:t>
-            </a:r>
-            <a:r>
-              <a:rPr lang="en-US" sz="4000" dirty="0">
-                <a:solidFill>
-                  <a:srgbClr val="0070C0"/>
-                </a:solidFill>
-                <a:latin typeface="Century" panose="02040604050505020304" pitchFamily="18" charset="0"/>
-                <a:cs typeface="Arial" pitchFamily="34" charset="0"/>
-              </a:rPr>
-              <a:t>, Gökhan Ertaylan</a:t>
-            </a:r>
-            <a:r>
-              <a:rPr lang="en-US" sz="4000" baseline="30000" dirty="0">
-                <a:solidFill>
-                  <a:srgbClr val="0070C0"/>
-                </a:solidFill>
-                <a:latin typeface="Century" panose="02040604050505020304" pitchFamily="18" charset="0"/>
-                <a:cs typeface="Arial" pitchFamily="34" charset="0"/>
-              </a:rPr>
-              <a:t>2</a:t>
-            </a:r>
-            <a:r>
-              <a:rPr lang="en-US" sz="4000" dirty="0">
-                <a:solidFill>
-                  <a:srgbClr val="0070C0"/>
-                </a:solidFill>
-                <a:latin typeface="Century" panose="02040604050505020304" pitchFamily="18" charset="0"/>
-                <a:cs typeface="Arial" pitchFamily="34" charset="0"/>
-              </a:rPr>
-              <a:t> and Ruben Verborgh</a:t>
-            </a:r>
-            <a:r>
-              <a:rPr lang="en-US" sz="4000" baseline="30000" dirty="0">
-                <a:solidFill>
-                  <a:srgbClr val="0070C0"/>
-                </a:solidFill>
-                <a:latin typeface="Century" panose="02040604050505020304" pitchFamily="18" charset="0"/>
-                <a:cs typeface="Arial" pitchFamily="34" charset="0"/>
-              </a:rPr>
-              <a:t>1</a:t>
-            </a:r>
-            <a:endParaRPr lang="en-US" sz="3000" i="1" dirty="0">
-              <a:latin typeface="Century" panose="02040604050505020304" pitchFamily="18" charset="0"/>
-              <a:cs typeface="Arial" pitchFamily="34" charset="0"/>
-            </a:endParaRPr>
-          </a:p>
-        </p:txBody>
-      </p:sp>
-      <p:sp>
-        <p:nvSpPr>
-          <p:cNvPr id="23" name="Rectangle 1">
-            <a:extLst>
-              <a:ext uri="{FF2B5EF4-FFF2-40B4-BE49-F238E27FC236}">
-                <a16:creationId xmlns:a16="http://schemas.microsoft.com/office/drawing/2014/main" id="{7D495E8E-868A-4443-1561-8BCCFFE72030}"/>
-              </a:ext>
-            </a:extLst>
-          </p:cNvPr>
-          <p:cNvSpPr>
-            <a:spLocks noChangeArrowheads="1"/>
-          </p:cNvSpPr>
-          <p:nvPr/>
-        </p:nvSpPr>
-        <p:spPr bwMode="auto">
-          <a:xfrm>
-            <a:off x="556627" y="2536219"/>
-            <a:ext cx="21441635" cy="983986"/>
-          </a:xfrm>
-          <a:prstGeom prst="rect">
-            <a:avLst/>
-          </a:prstGeom>
-          <a:noFill/>
-          <a:ln w="9525">
-            <a:noFill/>
-            <a:miter lim="800000"/>
-            <a:headEnd/>
-            <a:tailEnd/>
-          </a:ln>
-          <a:effectLst/>
-        </p:spPr>
-        <p:txBody>
-          <a:bodyPr vert="horz" wrap="square" lIns="60070" tIns="30035" rIns="60070" bIns="30035" numCol="1" anchor="ctr" anchorCtr="0" compatLnSpc="1">
-            <a:prstTxWarp prst="textNoShape">
-              <a:avLst/>
-            </a:prstTxWarp>
-            <a:spAutoFit/>
-          </a:bodyPr>
-          <a:lstStyle/>
-          <a:p>
-            <a:pPr defTabSz="600756">
-              <a:spcBef>
-                <a:spcPts val="1200"/>
-              </a:spcBef>
-            </a:pPr>
-            <a:r>
-              <a:rPr lang="en-US" sz="3000" i="1" baseline="30000" dirty="0">
-                <a:latin typeface="Century" panose="02040604050505020304" pitchFamily="18" charset="0"/>
-              </a:rPr>
-              <a:t>1</a:t>
-            </a:r>
-            <a:r>
-              <a:rPr lang="en-US" sz="3000" i="1" dirty="0">
-                <a:latin typeface="Century" panose="02040604050505020304" pitchFamily="18" charset="0"/>
-              </a:rPr>
-              <a:t>IDLab, Department of Electronics and Information Systems, Ghent University – </a:t>
-            </a:r>
-            <a:r>
-              <a:rPr lang="en-US" sz="3000" i="1" dirty="0" err="1">
-                <a:latin typeface="Century" panose="02040604050505020304" pitchFamily="18" charset="0"/>
-              </a:rPr>
-              <a:t>imec</a:t>
-            </a:r>
-            <a:r>
-              <a:rPr lang="en-US" sz="3000" i="1" dirty="0">
-                <a:latin typeface="Century" panose="02040604050505020304" pitchFamily="18" charset="0"/>
-              </a:rPr>
-              <a:t>, Belgium</a:t>
-            </a:r>
-            <a:br>
-              <a:rPr lang="en-US" sz="3000" i="1" dirty="0">
-                <a:latin typeface="Century" panose="02040604050505020304" pitchFamily="18" charset="0"/>
-              </a:rPr>
-            </a:br>
-            <a:r>
-              <a:rPr lang="en-US" sz="3000" i="1" baseline="30000" dirty="0">
-                <a:latin typeface="Century" panose="02040604050505020304" pitchFamily="18" charset="0"/>
-              </a:rPr>
-              <a:t>2</a:t>
-            </a:r>
-            <a:r>
-              <a:rPr lang="en-US" sz="3000" i="1" dirty="0">
-                <a:latin typeface="Century" panose="02040604050505020304" pitchFamily="18" charset="0"/>
-              </a:rPr>
-              <a:t>Flemish institute for Technological Research (VITO) Mol, Belgium</a:t>
-            </a:r>
-            <a:endParaRPr lang="en-US" sz="3000" i="1" dirty="0">
-              <a:latin typeface="Century" panose="02040604050505020304" pitchFamily="18" charset="0"/>
-              <a:cs typeface="Arial" pitchFamily="34" charset="0"/>
-            </a:endParaRPr>
-          </a:p>
-        </p:txBody>
-      </p:sp>
-      <p:sp>
-        <p:nvSpPr>
-          <p:cNvPr id="29" name="TextBox 28">
-            <a:extLst>
-              <a:ext uri="{FF2B5EF4-FFF2-40B4-BE49-F238E27FC236}">
-                <a16:creationId xmlns:a16="http://schemas.microsoft.com/office/drawing/2014/main" id="{13960B5D-86C7-29B9-13B0-0BF8CA5FE22E}"/>
-              </a:ext>
-            </a:extLst>
-          </p:cNvPr>
-          <p:cNvSpPr txBox="1"/>
-          <p:nvPr/>
-        </p:nvSpPr>
-        <p:spPr>
-          <a:xfrm>
-            <a:off x="717719" y="17793099"/>
-            <a:ext cx="8474127" cy="954107"/>
-          </a:xfrm>
-          <a:prstGeom prst="rect">
-            <a:avLst/>
-          </a:prstGeom>
-          <a:noFill/>
-        </p:spPr>
-        <p:txBody>
-          <a:bodyPr wrap="square" rtlCol="0">
-            <a:spAutoFit/>
-          </a:bodyPr>
-          <a:lstStyle/>
-          <a:p>
-            <a:r>
-              <a:rPr lang="en-US" sz="5600" dirty="0">
-                <a:latin typeface="Cambria" panose="02040503050406030204" pitchFamily="18" charset="0"/>
-                <a:ea typeface="Cambria" panose="02040503050406030204" pitchFamily="18" charset="0"/>
-              </a:rPr>
-              <a:t>A Patient-centric Approach</a:t>
-            </a:r>
-          </a:p>
-        </p:txBody>
-      </p:sp>
-      <p:sp>
-        <p:nvSpPr>
-          <p:cNvPr id="30" name="TextBox 29">
-            <a:extLst>
-              <a:ext uri="{FF2B5EF4-FFF2-40B4-BE49-F238E27FC236}">
-                <a16:creationId xmlns:a16="http://schemas.microsoft.com/office/drawing/2014/main" id="{BBB80D0D-6B4C-9899-E20C-C71B667F77A6}"/>
-              </a:ext>
-            </a:extLst>
-          </p:cNvPr>
-          <p:cNvSpPr txBox="1"/>
-          <p:nvPr/>
-        </p:nvSpPr>
-        <p:spPr>
-          <a:xfrm>
-            <a:off x="696922" y="35691865"/>
-            <a:ext cx="6568073" cy="954107"/>
-          </a:xfrm>
-          <a:prstGeom prst="rect">
-            <a:avLst/>
-          </a:prstGeom>
-          <a:noFill/>
-        </p:spPr>
-        <p:txBody>
-          <a:bodyPr wrap="square" rtlCol="0">
-            <a:spAutoFit/>
-          </a:bodyPr>
-          <a:lstStyle/>
-          <a:p>
-            <a:r>
-              <a:rPr lang="en-US" sz="5600" dirty="0">
-                <a:latin typeface="Cambria" panose="02040503050406030204" pitchFamily="18" charset="0"/>
-                <a:ea typeface="Cambria" panose="02040503050406030204" pitchFamily="18" charset="0"/>
-              </a:rPr>
-              <a:t>Future Directions</a:t>
-            </a:r>
-          </a:p>
-        </p:txBody>
-      </p:sp>
-      <p:sp>
-        <p:nvSpPr>
-          <p:cNvPr id="33" name="Rectangle: Rounded Corners 32">
-            <a:extLst>
-              <a:ext uri="{FF2B5EF4-FFF2-40B4-BE49-F238E27FC236}">
-                <a16:creationId xmlns:a16="http://schemas.microsoft.com/office/drawing/2014/main" id="{913B910E-BA6A-3810-987A-FA42F759B032}"/>
-              </a:ext>
-            </a:extLst>
-          </p:cNvPr>
-          <p:cNvSpPr/>
-          <p:nvPr/>
-        </p:nvSpPr>
-        <p:spPr>
-          <a:xfrm>
-            <a:off x="1739574" y="20873334"/>
-            <a:ext cx="7164109" cy="6443113"/>
-          </a:xfrm>
-          <a:prstGeom prst="roundRect">
-            <a:avLst/>
-          </a:prstGeom>
-          <a:noFill/>
-          <a:ln>
-            <a:solidFill>
-              <a:srgbClr val="8356FF"/>
             </a:solidFill>
           </a:ln>
         </p:spPr>
@@ -4701,57 +3969,20 @@
           <a:lstStyle/>
           <a:p>
             <a:pPr algn="ctr"/>
-            <a:endParaRPr lang="en-BE"/>
-          </a:p>
-        </p:txBody>
-      </p:sp>
-      <p:cxnSp>
-        <p:nvCxnSpPr>
-          <p:cNvPr id="35" name="Straight Connector 34">
-            <a:extLst>
-              <a:ext uri="{FF2B5EF4-FFF2-40B4-BE49-F238E27FC236}">
-                <a16:creationId xmlns:a16="http://schemas.microsoft.com/office/drawing/2014/main" id="{17ECC32D-F76E-5C1A-D6D4-83E383A8E155}"/>
-              </a:ext>
-            </a:extLst>
-          </p:cNvPr>
-          <p:cNvCxnSpPr/>
-          <p:nvPr/>
-        </p:nvCxnSpPr>
-        <p:spPr>
-          <a:xfrm>
-            <a:off x="142611" y="40452858"/>
-            <a:ext cx="29857045" cy="0"/>
-          </a:xfrm>
-          <a:prstGeom prst="line">
-            <a:avLst/>
-          </a:prstGeom>
-          <a:ln>
-            <a:solidFill>
-              <a:srgbClr val="0070C0"/>
-            </a:solidFill>
-          </a:ln>
-        </p:spPr>
-        <p:style>
-          <a:lnRef idx="2">
-            <a:schemeClr val="accent2"/>
-          </a:lnRef>
-          <a:fillRef idx="0">
-            <a:schemeClr val="accent2"/>
-          </a:fillRef>
-          <a:effectRef idx="1">
-            <a:schemeClr val="accent2"/>
-          </a:effectRef>
-          <a:fontRef idx="minor">
-            <a:schemeClr val="tx1"/>
-          </a:fontRef>
-        </p:style>
-      </p:cxnSp>
+            <a:endParaRPr lang="en-BE" dirty="0">
+              <a:solidFill>
+                <a:srgbClr val="0070C0"/>
+              </a:solidFill>
+            </a:endParaRPr>
+          </a:p>
+        </p:txBody>
+      </p:sp>
       <p:pic>
         <p:nvPicPr>
-          <p:cNvPr id="39" name="Graphic 38" descr="Euro with solid fill">
-            <a:extLst>
-              <a:ext uri="{FF2B5EF4-FFF2-40B4-BE49-F238E27FC236}">
-                <a16:creationId xmlns:a16="http://schemas.microsoft.com/office/drawing/2014/main" id="{95368008-10DD-46A4-BEC9-B7C39B9220C6}"/>
+          <p:cNvPr id="14" name="Picture 13">
+            <a:extLst>
+              <a:ext uri="{FF2B5EF4-FFF2-40B4-BE49-F238E27FC236}">
+                <a16:creationId xmlns:a16="http://schemas.microsoft.com/office/drawing/2014/main" id="{93026C2E-D84B-CF9B-256A-EAE3EEE0E226}"/>
               </a:ext>
             </a:extLst>
           </p:cNvPr>
@@ -4761,74 +3992,27 @@
           <p:nvPr/>
         </p:nvPicPr>
         <p:blipFill>
-          <a:blip r:embed="rId6">
-            <a:extLst>
-              <a:ext uri="{28A0092B-C50C-407E-A947-70E740481C1C}">
-                <a14:useLocalDpi xmlns:a14="http://schemas.microsoft.com/office/drawing/2010/main" val="0"/>
-              </a:ext>
-              <a:ext uri="{96DAC541-7B7A-43D3-8B79-37D633B846F1}">
-                <asvg:svgBlip xmlns:asvg="http://schemas.microsoft.com/office/drawing/2016/SVG/main" r:embed="rId7"/>
-              </a:ext>
-            </a:extLst>
-          </a:blip>
+          <a:blip r:embed="rId3"/>
           <a:stretch>
             <a:fillRect/>
           </a:stretch>
         </p:blipFill>
         <p:spPr>
           <a:xfrm>
-            <a:off x="1060243" y="5799605"/>
-            <a:ext cx="707899" cy="707899"/>
+            <a:off x="24326546" y="2624286"/>
+            <a:ext cx="5829590" cy="3045962"/>
           </a:xfrm>
           <a:prstGeom prst="rect">
             <a:avLst/>
           </a:prstGeom>
         </p:spPr>
       </p:pic>
-      <p:sp>
-        <p:nvSpPr>
-          <p:cNvPr id="40" name="TextBox 39">
-            <a:extLst>
-              <a:ext uri="{FF2B5EF4-FFF2-40B4-BE49-F238E27FC236}">
-                <a16:creationId xmlns:a16="http://schemas.microsoft.com/office/drawing/2014/main" id="{440AB1F7-C70D-7C26-AF90-02FEDC13F865}"/>
-              </a:ext>
-            </a:extLst>
-          </p:cNvPr>
-          <p:cNvSpPr txBox="1"/>
-          <p:nvPr/>
-        </p:nvSpPr>
-        <p:spPr>
-          <a:xfrm>
-            <a:off x="764139" y="11484530"/>
-            <a:ext cx="13221443" cy="954107"/>
-          </a:xfrm>
-          <a:prstGeom prst="rect">
-            <a:avLst/>
-          </a:prstGeom>
-          <a:noFill/>
-        </p:spPr>
-        <p:txBody>
-          <a:bodyPr wrap="square" rtlCol="0">
-            <a:spAutoFit/>
-          </a:bodyPr>
-          <a:lstStyle/>
-          <a:p>
-            <a:r>
-              <a:rPr lang="en-US" sz="5600" dirty="0">
-                <a:latin typeface="Cambria" panose="02040503050406030204" pitchFamily="18" charset="0"/>
-                <a:ea typeface="Cambria" panose="02040503050406030204" pitchFamily="18" charset="0"/>
-              </a:rPr>
-              <a:t>Personal Genome Sequence Data?</a:t>
-            </a:r>
-          </a:p>
-        </p:txBody>
-      </p:sp>
       <p:pic>
         <p:nvPicPr>
-          <p:cNvPr id="42" name="Picture 41">
-            <a:extLst>
-              <a:ext uri="{FF2B5EF4-FFF2-40B4-BE49-F238E27FC236}">
-                <a16:creationId xmlns:a16="http://schemas.microsoft.com/office/drawing/2014/main" id="{6FA3BEB1-69AF-AFAA-721F-51BAE2308FB2}"/>
+          <p:cNvPr id="12" name="Picture 11">
+            <a:extLst>
+              <a:ext uri="{FF2B5EF4-FFF2-40B4-BE49-F238E27FC236}">
+                <a16:creationId xmlns:a16="http://schemas.microsoft.com/office/drawing/2014/main" id="{2722A1E2-8CC6-6CF3-4D46-B4A499B17690}"/>
               </a:ext>
             </a:extLst>
           </p:cNvPr>
@@ -4838,96 +4022,27 @@
           <p:nvPr/>
         </p:nvPicPr>
         <p:blipFill>
-          <a:blip r:embed="rId8"/>
+          <a:blip r:embed="rId4"/>
           <a:stretch>
             <a:fillRect/>
           </a:stretch>
         </p:blipFill>
         <p:spPr>
           <a:xfrm>
-            <a:off x="838589" y="14259552"/>
-            <a:ext cx="1276049" cy="1276049"/>
+            <a:off x="22456539" y="621470"/>
+            <a:ext cx="4027925" cy="3223023"/>
           </a:xfrm>
           <a:prstGeom prst="rect">
             <a:avLst/>
           </a:prstGeom>
         </p:spPr>
       </p:pic>
-      <p:pic>
-        <p:nvPicPr>
-          <p:cNvPr id="46" name="Graphic 45" descr="Database outline">
-            <a:extLst>
-              <a:ext uri="{FF2B5EF4-FFF2-40B4-BE49-F238E27FC236}">
-                <a16:creationId xmlns:a16="http://schemas.microsoft.com/office/drawing/2014/main" id="{68079145-62F1-5F5A-E45D-46558712AC8E}"/>
-              </a:ext>
-            </a:extLst>
-          </p:cNvPr>
-          <p:cNvPicPr>
-            <a:picLocks noChangeAspect="1"/>
-          </p:cNvPicPr>
-          <p:nvPr/>
-        </p:nvPicPr>
-        <p:blipFill>
-          <a:blip r:embed="rId9">
-            <a:extLst>
-              <a:ext uri="{28A0092B-C50C-407E-A947-70E740481C1C}">
-                <a14:useLocalDpi xmlns:a14="http://schemas.microsoft.com/office/drawing/2010/main" val="0"/>
-              </a:ext>
-              <a:ext uri="{96DAC541-7B7A-43D3-8B79-37D633B846F1}">
-                <asvg:svgBlip xmlns:asvg="http://schemas.microsoft.com/office/drawing/2016/SVG/main" r:embed="rId10"/>
-              </a:ext>
-            </a:extLst>
-          </a:blip>
-          <a:stretch>
-            <a:fillRect/>
-          </a:stretch>
-        </p:blipFill>
-        <p:spPr>
-          <a:xfrm>
-            <a:off x="746970" y="12497317"/>
-            <a:ext cx="1416715" cy="1416715"/>
-          </a:xfrm>
-          <a:prstGeom prst="rect">
-            <a:avLst/>
-          </a:prstGeom>
-        </p:spPr>
-      </p:pic>
-      <p:pic>
-        <p:nvPicPr>
-          <p:cNvPr id="62" name="Picture 61">
-            <a:extLst>
-              <a:ext uri="{FF2B5EF4-FFF2-40B4-BE49-F238E27FC236}">
-                <a16:creationId xmlns:a16="http://schemas.microsoft.com/office/drawing/2014/main" id="{35184315-EB8A-750F-D165-C88583FEFDCE}"/>
-              </a:ext>
-            </a:extLst>
-          </p:cNvPr>
-          <p:cNvPicPr>
-            <a:picLocks noChangeAspect="1"/>
-          </p:cNvPicPr>
-          <p:nvPr/>
-        </p:nvPicPr>
-        <p:blipFill>
-          <a:blip r:embed="rId11"/>
-          <a:stretch>
-            <a:fillRect/>
-          </a:stretch>
-        </p:blipFill>
-        <p:spPr>
-          <a:xfrm>
-            <a:off x="858093" y="19994210"/>
-            <a:ext cx="2103318" cy="1924058"/>
-          </a:xfrm>
-          <a:prstGeom prst="rect">
-            <a:avLst/>
-          </a:prstGeom>
-        </p:spPr>
-      </p:pic>
-      <p:sp>
-        <p:nvSpPr>
-          <p:cNvPr id="449" name="Rectangle: Rounded Corners 448">
-            <a:extLst>
-              <a:ext uri="{FF2B5EF4-FFF2-40B4-BE49-F238E27FC236}">
-                <a16:creationId xmlns:a16="http://schemas.microsoft.com/office/drawing/2014/main" id="{F8F7CA21-1C7E-9AF9-2EE1-547A0E0F7FC0}"/>
+      <p:sp>
+        <p:nvSpPr>
+          <p:cNvPr id="2075" name="Rectangle: Diagonal Corners Rounded 2074">
+            <a:extLst>
+              <a:ext uri="{FF2B5EF4-FFF2-40B4-BE49-F238E27FC236}">
+                <a16:creationId xmlns:a16="http://schemas.microsoft.com/office/drawing/2014/main" id="{09EDDF03-D563-59E9-1BD8-ED273337E1D6}"/>
               </a:ext>
             </a:extLst>
           </p:cNvPr>
@@ -4935,17 +4050,19 @@
           <p:nvPr/>
         </p:nvSpPr>
         <p:spPr>
-          <a:xfrm>
-            <a:off x="14567770" y="28222519"/>
-            <a:ext cx="3241209" cy="4176786"/>
-          </a:xfrm>
-          <a:prstGeom prst="roundRect">
-            <a:avLst/>
-          </a:prstGeom>
-          <a:noFill/>
+          <a:xfrm rot="10800000" flipV="1">
+            <a:off x="294703" y="20042249"/>
+            <a:ext cx="19975800" cy="15228753"/>
+          </a:xfrm>
+          <a:prstGeom prst="round2DiagRect">
+            <a:avLst/>
+          </a:prstGeom>
+          <a:solidFill>
+            <a:srgbClr val="EBE5FF"/>
+          </a:solidFill>
           <a:ln>
             <a:solidFill>
-              <a:srgbClr val="0070C0"/>
+              <a:srgbClr val="8356FF"/>
             </a:solidFill>
           </a:ln>
         </p:spPr>
@@ -4976,10 +4093,10 @@
       </p:sp>
       <p:sp>
         <p:nvSpPr>
-          <p:cNvPr id="450" name="Rectangle: Rounded Corners 449">
-            <a:extLst>
-              <a:ext uri="{FF2B5EF4-FFF2-40B4-BE49-F238E27FC236}">
-                <a16:creationId xmlns:a16="http://schemas.microsoft.com/office/drawing/2014/main" id="{9027B111-BE2F-95E6-52AE-0F6426C2C9A7}"/>
+          <p:cNvPr id="251" name="Rectangle: Rounded Corners 250">
+            <a:extLst>
+              <a:ext uri="{FF2B5EF4-FFF2-40B4-BE49-F238E27FC236}">
+                <a16:creationId xmlns:a16="http://schemas.microsoft.com/office/drawing/2014/main" id="{B0038068-00E7-F7E7-5D58-EBC77D73E8A1}"/>
               </a:ext>
             </a:extLst>
           </p:cNvPr>
@@ -4988,13 +4105,18 @@
         </p:nvSpPr>
         <p:spPr>
           <a:xfrm>
-            <a:off x="17488183" y="23751666"/>
-            <a:ext cx="3342682" cy="3054373"/>
+            <a:off x="13545841" y="6215302"/>
+            <a:ext cx="16365801" cy="13126874"/>
           </a:xfrm>
           <a:prstGeom prst="roundRect">
             <a:avLst/>
           </a:prstGeom>
-          <a:noFill/>
+          <a:solidFill>
+            <a:schemeClr val="tx2">
+              <a:lumMod val="10000"/>
+              <a:lumOff val="90000"/>
+            </a:schemeClr>
+          </a:solidFill>
           <a:ln>
             <a:solidFill>
               <a:srgbClr val="0070C0"/>
@@ -5022,116 +4144,45 @@
           <a:lstStyle/>
           <a:p>
             <a:pPr algn="ctr"/>
-            <a:endParaRPr lang="en-BE"/>
-          </a:p>
-        </p:txBody>
-      </p:sp>
-      <p:pic>
-        <p:nvPicPr>
-          <p:cNvPr id="454" name="Graphic 453" descr="DNA outline">
-            <a:extLst>
-              <a:ext uri="{FF2B5EF4-FFF2-40B4-BE49-F238E27FC236}">
-                <a16:creationId xmlns:a16="http://schemas.microsoft.com/office/drawing/2014/main" id="{34A458ED-F0F8-7D64-6294-16BEDFD285AD}"/>
-              </a:ext>
-            </a:extLst>
-          </p:cNvPr>
-          <p:cNvPicPr>
-            <a:picLocks noChangeAspect="1"/>
-          </p:cNvPicPr>
-          <p:nvPr/>
-        </p:nvPicPr>
-        <p:blipFill>
-          <a:blip r:embed="rId12">
-            <a:extLst>
-              <a:ext uri="{28A0092B-C50C-407E-A947-70E740481C1C}">
-                <a14:useLocalDpi xmlns:a14="http://schemas.microsoft.com/office/drawing/2010/main" val="0"/>
-              </a:ext>
-              <a:ext uri="{96DAC541-7B7A-43D3-8B79-37D633B846F1}">
-                <asvg:svgBlip xmlns:asvg="http://schemas.microsoft.com/office/drawing/2016/SVG/main" r:embed="rId13"/>
-              </a:ext>
-            </a:extLst>
-          </a:blip>
-          <a:stretch>
-            <a:fillRect/>
-          </a:stretch>
-        </p:blipFill>
-        <p:spPr>
-          <a:xfrm>
-            <a:off x="3885732" y="22953541"/>
-            <a:ext cx="2588618" cy="2588618"/>
-          </a:xfrm>
-          <a:prstGeom prst="rect">
-            <a:avLst/>
-          </a:prstGeom>
-        </p:spPr>
-      </p:pic>
-      <p:cxnSp>
-        <p:nvCxnSpPr>
-          <p:cNvPr id="456" name="Straight Connector 455">
-            <a:extLst>
-              <a:ext uri="{FF2B5EF4-FFF2-40B4-BE49-F238E27FC236}">
-                <a16:creationId xmlns:a16="http://schemas.microsoft.com/office/drawing/2014/main" id="{9C65DCC7-7035-04EF-0E23-05C5A8DBCFEA}"/>
-              </a:ext>
-            </a:extLst>
-          </p:cNvPr>
-          <p:cNvCxnSpPr>
-            <a:cxnSpLocks/>
-          </p:cNvCxnSpPr>
-          <p:nvPr/>
-        </p:nvCxnSpPr>
-        <p:spPr>
-          <a:xfrm flipV="1">
-            <a:off x="5989121" y="22422825"/>
-            <a:ext cx="604114" cy="771676"/>
-          </a:xfrm>
-          <a:prstGeom prst="line">
-            <a:avLst/>
-          </a:prstGeom>
-          <a:ln w="76200">
+            <a:endParaRPr lang="en-BE" dirty="0">
+              <a:solidFill>
+                <a:srgbClr val="0070C0"/>
+              </a:solidFill>
+            </a:endParaRPr>
+          </a:p>
+        </p:txBody>
+      </p:sp>
+      <p:sp>
+        <p:nvSpPr>
+          <p:cNvPr id="249" name="Rectangle: Rounded Corners 248">
+            <a:extLst>
+              <a:ext uri="{FF2B5EF4-FFF2-40B4-BE49-F238E27FC236}">
+                <a16:creationId xmlns:a16="http://schemas.microsoft.com/office/drawing/2014/main" id="{76D83413-AA97-B7F8-1F5F-BBF0DFCE404D}"/>
+              </a:ext>
+            </a:extLst>
+          </p:cNvPr>
+          <p:cNvSpPr/>
+          <p:nvPr/>
+        </p:nvSpPr>
+        <p:spPr>
+          <a:xfrm>
+            <a:off x="294704" y="13331148"/>
+            <a:ext cx="12798871" cy="6011028"/>
+          </a:xfrm>
+          <a:prstGeom prst="roundRect">
+            <a:avLst/>
+          </a:prstGeom>
+          <a:solidFill>
+            <a:schemeClr val="tx2">
+              <a:lumMod val="10000"/>
+              <a:lumOff val="90000"/>
+            </a:schemeClr>
+          </a:solidFill>
+          <a:ln>
             <a:solidFill>
-              <a:schemeClr val="tx1"/>
+              <a:srgbClr val="0070C0"/>
             </a:solidFill>
-            <a:prstDash val="dash"/>
           </a:ln>
-        </p:spPr>
-        <p:style>
-          <a:lnRef idx="2">
-            <a:schemeClr val="dk1"/>
-          </a:lnRef>
-          <a:fillRef idx="0">
-            <a:schemeClr val="dk1"/>
-          </a:fillRef>
-          <a:effectRef idx="1">
-            <a:schemeClr val="dk1"/>
-          </a:effectRef>
-          <a:fontRef idx="minor">
-            <a:schemeClr val="tx1"/>
-          </a:fontRef>
-        </p:style>
-      </p:cxnSp>
-      <p:sp>
-        <p:nvSpPr>
-          <p:cNvPr id="459" name="Rectangle: Folded Corner 458">
-            <a:extLst>
-              <a:ext uri="{FF2B5EF4-FFF2-40B4-BE49-F238E27FC236}">
-                <a16:creationId xmlns:a16="http://schemas.microsoft.com/office/drawing/2014/main" id="{3B71979C-CEBA-6CC5-CF39-2556E5E2AAA3}"/>
-              </a:ext>
-            </a:extLst>
-          </p:cNvPr>
-          <p:cNvSpPr/>
-          <p:nvPr/>
-        </p:nvSpPr>
-        <p:spPr>
-          <a:xfrm rot="10800000">
-            <a:off x="3861419" y="22723537"/>
-            <a:ext cx="2503258" cy="3094043"/>
-          </a:xfrm>
-          <a:prstGeom prst="foldedCorner">
-            <a:avLst>
-              <a:gd name="adj" fmla="val 24277"/>
-            </a:avLst>
-          </a:prstGeom>
-          <a:noFill/>
         </p:spPr>
         <p:style>
           <a:lnRef idx="2">
@@ -5154,16 +4205,259 @@
           <a:lstStyle/>
           <a:p>
             <a:pPr algn="ctr"/>
+            <a:endParaRPr lang="en-BE">
+              <a:solidFill>
+                <a:srgbClr val="0070C0"/>
+              </a:solidFill>
+            </a:endParaRPr>
+          </a:p>
+        </p:txBody>
+      </p:sp>
+      <p:sp>
+        <p:nvSpPr>
+          <p:cNvPr id="250" name="Rectangle: Rounded Corners 249">
+            <a:extLst>
+              <a:ext uri="{FF2B5EF4-FFF2-40B4-BE49-F238E27FC236}">
+                <a16:creationId xmlns:a16="http://schemas.microsoft.com/office/drawing/2014/main" id="{5BA2FAA4-4CD3-6FA2-DADC-B903EA1B84AA}"/>
+              </a:ext>
+            </a:extLst>
+          </p:cNvPr>
+          <p:cNvSpPr/>
+          <p:nvPr/>
+        </p:nvSpPr>
+        <p:spPr>
+          <a:xfrm>
+            <a:off x="294704" y="6217039"/>
+            <a:ext cx="12798871" cy="6383081"/>
+          </a:xfrm>
+          <a:prstGeom prst="roundRect">
+            <a:avLst/>
+          </a:prstGeom>
+          <a:solidFill>
+            <a:schemeClr val="tx2">
+              <a:lumMod val="10000"/>
+              <a:lumOff val="90000"/>
+            </a:schemeClr>
+          </a:solidFill>
+          <a:ln>
+            <a:solidFill>
+              <a:srgbClr val="0070C0"/>
+            </a:solidFill>
+          </a:ln>
+        </p:spPr>
+        <p:style>
+          <a:lnRef idx="2">
+            <a:schemeClr val="accent1">
+              <a:shade val="50000"/>
+            </a:schemeClr>
+          </a:lnRef>
+          <a:fillRef idx="1">
+            <a:schemeClr val="accent1"/>
+          </a:fillRef>
+          <a:effectRef idx="0">
+            <a:schemeClr val="accent1"/>
+          </a:effectRef>
+          <a:fontRef idx="minor">
+            <a:schemeClr val="lt1"/>
+          </a:fontRef>
+        </p:style>
+        <p:txBody>
+          <a:bodyPr rtlCol="0" anchor="ctr"/>
+          <a:lstStyle/>
+          <a:p>
+            <a:pPr algn="ctr"/>
+            <a:endParaRPr lang="en-BE" dirty="0">
+              <a:solidFill>
+                <a:schemeClr val="tx2">
+                  <a:lumMod val="25000"/>
+                  <a:lumOff val="75000"/>
+                </a:schemeClr>
+              </a:solidFill>
+            </a:endParaRPr>
+          </a:p>
+        </p:txBody>
+      </p:sp>
+      <p:sp>
+        <p:nvSpPr>
+          <p:cNvPr id="479" name="Cylinder 478">
+            <a:extLst>
+              <a:ext uri="{FF2B5EF4-FFF2-40B4-BE49-F238E27FC236}">
+                <a16:creationId xmlns:a16="http://schemas.microsoft.com/office/drawing/2014/main" id="{6C63F1E1-1BC1-937E-5BD5-D22B059A8407}"/>
+              </a:ext>
+            </a:extLst>
+          </p:cNvPr>
+          <p:cNvSpPr/>
+          <p:nvPr/>
+        </p:nvSpPr>
+        <p:spPr>
+          <a:xfrm>
+            <a:off x="1140006" y="15557525"/>
+            <a:ext cx="826585" cy="807191"/>
+          </a:xfrm>
+          <a:prstGeom prst="can">
+            <a:avLst/>
+          </a:prstGeom>
+          <a:solidFill>
+            <a:srgbClr val="FF0000"/>
+          </a:solidFill>
+          <a:ln>
+            <a:noFill/>
+          </a:ln>
+        </p:spPr>
+        <p:style>
+          <a:lnRef idx="2">
+            <a:schemeClr val="accent1">
+              <a:shade val="50000"/>
+            </a:schemeClr>
+          </a:lnRef>
+          <a:fillRef idx="1">
+            <a:schemeClr val="accent1"/>
+          </a:fillRef>
+          <a:effectRef idx="0">
+            <a:schemeClr val="accent1"/>
+          </a:effectRef>
+          <a:fontRef idx="minor">
+            <a:schemeClr val="lt1"/>
+          </a:fontRef>
+        </p:style>
+        <p:txBody>
+          <a:bodyPr rtlCol="0" anchor="ctr"/>
+          <a:lstStyle/>
+          <a:p>
+            <a:pPr algn="ctr"/>
             <a:endParaRPr lang="en-BE"/>
+          </a:p>
+        </p:txBody>
+      </p:sp>
+      <p:sp>
+        <p:nvSpPr>
+          <p:cNvPr id="2049" name="Rectangle 1"/>
+          <p:cNvSpPr>
+            <a:spLocks noChangeArrowheads="1"/>
+          </p:cNvSpPr>
+          <p:nvPr/>
+        </p:nvSpPr>
+        <p:spPr bwMode="auto">
+          <a:xfrm>
+            <a:off x="432762" y="-109970"/>
+            <a:ext cx="21408086" cy="3753975"/>
+          </a:xfrm>
+          <a:prstGeom prst="rect">
+            <a:avLst/>
+          </a:prstGeom>
+          <a:noFill/>
+          <a:ln w="9525">
+            <a:noFill/>
+            <a:miter lim="800000"/>
+            <a:headEnd/>
+            <a:tailEnd/>
+          </a:ln>
+          <a:effectLst/>
+        </p:spPr>
+        <p:txBody>
+          <a:bodyPr vert="horz" wrap="square" lIns="60070" tIns="30035" rIns="60070" bIns="30035" numCol="1" anchor="ctr" anchorCtr="0" compatLnSpc="1">
+            <a:prstTxWarp prst="textNoShape">
+              <a:avLst/>
+            </a:prstTxWarp>
+            <a:spAutoFit/>
+          </a:bodyPr>
+          <a:lstStyle/>
+          <a:p>
+            <a:pPr defTabSz="600756">
+              <a:spcBef>
+                <a:spcPct val="0"/>
+              </a:spcBef>
+            </a:pPr>
+            <a:r>
+              <a:rPr lang="en-US" sz="12000" b="1" dirty="0">
+                <a:latin typeface="Candara" panose="020E0502030303020204" pitchFamily="34" charset="0"/>
+                <a:ea typeface="Cambria" panose="02040503050406030204" pitchFamily="18" charset="0"/>
+              </a:rPr>
+              <a:t>Personalized Medicine Through Personal Data Pods</a:t>
+            </a:r>
+          </a:p>
+        </p:txBody>
+      </p:sp>
+      <p:sp>
+        <p:nvSpPr>
+          <p:cNvPr id="129" name="TextBox 128">
+            <a:extLst>
+              <a:ext uri="{FF2B5EF4-FFF2-40B4-BE49-F238E27FC236}">
+                <a16:creationId xmlns:a16="http://schemas.microsoft.com/office/drawing/2014/main" id="{6518F4F5-D051-974A-B15A-FC8F5525BC4C}"/>
+              </a:ext>
+            </a:extLst>
+          </p:cNvPr>
+          <p:cNvSpPr txBox="1"/>
+          <p:nvPr/>
+        </p:nvSpPr>
+        <p:spPr>
+          <a:xfrm>
+            <a:off x="11518310" y="41492545"/>
+            <a:ext cx="6979988" cy="382110"/>
+          </a:xfrm>
+          <a:prstGeom prst="rect">
+            <a:avLst/>
+          </a:prstGeom>
+          <a:noFill/>
+        </p:spPr>
+        <p:txBody>
+          <a:bodyPr wrap="square" lIns="63073" tIns="31537" rIns="63073" bIns="31537" rtlCol="0" anchor="ctr">
+            <a:spAutoFit/>
+          </a:bodyPr>
+          <a:lstStyle/>
+          <a:p>
+            <a:r>
+              <a:rPr lang="en-US" sz="2069" dirty="0"/>
+              <a:t>Funding provided from VITO NV (UG_PhD_2303_contract)</a:t>
+            </a:r>
+            <a:endParaRPr lang="en-US" sz="2069" baseline="-25000" dirty="0"/>
+          </a:p>
+        </p:txBody>
+      </p:sp>
+      <p:sp>
+        <p:nvSpPr>
+          <p:cNvPr id="139" name="TextBox 138">
+            <a:extLst>
+              <a:ext uri="{FF2B5EF4-FFF2-40B4-BE49-F238E27FC236}">
+                <a16:creationId xmlns:a16="http://schemas.microsoft.com/office/drawing/2014/main" id="{3F6D5A33-96BC-474B-A8E8-4ACF69E78591}"/>
+              </a:ext>
+            </a:extLst>
+          </p:cNvPr>
+          <p:cNvSpPr txBox="1"/>
+          <p:nvPr/>
+        </p:nvSpPr>
+        <p:spPr>
+          <a:xfrm>
+            <a:off x="844941" y="6304284"/>
+            <a:ext cx="11959897" cy="954107"/>
+          </a:xfrm>
+          <a:prstGeom prst="rect">
+            <a:avLst/>
+          </a:prstGeom>
+          <a:noFill/>
+        </p:spPr>
+        <p:txBody>
+          <a:bodyPr wrap="square" rtlCol="0">
+            <a:spAutoFit/>
+          </a:bodyPr>
+          <a:lstStyle/>
+          <a:p>
+            <a:r>
+              <a:rPr lang="en-US" sz="5600" b="1" dirty="0">
+                <a:latin typeface="Cambria" panose="02040503050406030204" pitchFamily="18" charset="0"/>
+                <a:ea typeface="Cambria" panose="02040503050406030204" pitchFamily="18" charset="0"/>
+              </a:rPr>
+              <a:t>Scalable Personalized Medicine?</a:t>
+            </a:r>
           </a:p>
         </p:txBody>
       </p:sp>
       <p:pic>
         <p:nvPicPr>
-          <p:cNvPr id="461" name="Graphic 460" descr="Lock with solid fill">
-            <a:extLst>
-              <a:ext uri="{FF2B5EF4-FFF2-40B4-BE49-F238E27FC236}">
-                <a16:creationId xmlns:a16="http://schemas.microsoft.com/office/drawing/2014/main" id="{0F842A53-420B-12F9-38BC-560E866F428A}"/>
+          <p:cNvPr id="13" name="Picture 12" descr="A black and white logo&#10;&#10;Description automatically generated">
+            <a:extLst>
+              <a:ext uri="{FF2B5EF4-FFF2-40B4-BE49-F238E27FC236}">
+                <a16:creationId xmlns:a16="http://schemas.microsoft.com/office/drawing/2014/main" id="{99ECC670-7EA5-5F0A-314F-2F2F9FAA8C29}"/>
               </a:ext>
             </a:extLst>
           </p:cNvPr>
@@ -5173,13 +4467,10 @@
           <p:nvPr/>
         </p:nvPicPr>
         <p:blipFill>
-          <a:blip r:embed="rId14">
+          <a:blip r:embed="rId5" cstate="print">
             <a:extLst>
               <a:ext uri="{28A0092B-C50C-407E-A947-70E740481C1C}">
                 <a14:useLocalDpi xmlns:a14="http://schemas.microsoft.com/office/drawing/2010/main" val="0"/>
-              </a:ext>
-              <a:ext uri="{96DAC541-7B7A-43D3-8B79-37D633B846F1}">
-                <asvg:svgBlip xmlns:asvg="http://schemas.microsoft.com/office/drawing/2016/SVG/main" r:embed="rId15"/>
               </a:ext>
             </a:extLst>
           </a:blip>
@@ -5189,20 +4480,436 @@
         </p:blipFill>
         <p:spPr>
           <a:xfrm>
-            <a:off x="6311963" y="21204751"/>
-            <a:ext cx="1416715" cy="1416715"/>
+            <a:off x="26042687" y="752323"/>
+            <a:ext cx="3717389" cy="1725622"/>
           </a:xfrm>
           <a:prstGeom prst="rect">
             <a:avLst/>
           </a:prstGeom>
         </p:spPr>
       </p:pic>
+      <p:cxnSp>
+        <p:nvCxnSpPr>
+          <p:cNvPr id="16" name="Straight Connector 15">
+            <a:extLst>
+              <a:ext uri="{FF2B5EF4-FFF2-40B4-BE49-F238E27FC236}">
+                <a16:creationId xmlns:a16="http://schemas.microsoft.com/office/drawing/2014/main" id="{B7C61FE0-0E91-2E60-214E-6CF92D142629}"/>
+              </a:ext>
+            </a:extLst>
+          </p:cNvPr>
+          <p:cNvCxnSpPr>
+            <a:cxnSpLocks/>
+          </p:cNvCxnSpPr>
+          <p:nvPr/>
+        </p:nvCxnSpPr>
+        <p:spPr>
+          <a:xfrm>
+            <a:off x="209084" y="5785407"/>
+            <a:ext cx="29857045" cy="0"/>
+          </a:xfrm>
+          <a:prstGeom prst="line">
+            <a:avLst/>
+          </a:prstGeom>
+          <a:ln>
+            <a:solidFill>
+              <a:srgbClr val="0070C0"/>
+            </a:solidFill>
+          </a:ln>
+        </p:spPr>
+        <p:style>
+          <a:lnRef idx="2">
+            <a:schemeClr val="accent2"/>
+          </a:lnRef>
+          <a:fillRef idx="0">
+            <a:schemeClr val="accent2"/>
+          </a:fillRef>
+          <a:effectRef idx="1">
+            <a:schemeClr val="accent2"/>
+          </a:effectRef>
+          <a:fontRef idx="minor">
+            <a:schemeClr val="tx1"/>
+          </a:fontRef>
+        </p:style>
+      </p:cxnSp>
+      <p:sp>
+        <p:nvSpPr>
+          <p:cNvPr id="22" name="Rectangle 1">
+            <a:extLst>
+              <a:ext uri="{FF2B5EF4-FFF2-40B4-BE49-F238E27FC236}">
+                <a16:creationId xmlns:a16="http://schemas.microsoft.com/office/drawing/2014/main" id="{5745C853-ECCC-F976-AA9E-A5DAD866953F}"/>
+              </a:ext>
+            </a:extLst>
+          </p:cNvPr>
+          <p:cNvSpPr>
+            <a:spLocks noChangeArrowheads="1"/>
+          </p:cNvSpPr>
+          <p:nvPr/>
+        </p:nvSpPr>
+        <p:spPr bwMode="auto">
+          <a:xfrm>
+            <a:off x="399212" y="3681634"/>
+            <a:ext cx="21441635" cy="676210"/>
+          </a:xfrm>
+          <a:prstGeom prst="rect">
+            <a:avLst/>
+          </a:prstGeom>
+          <a:noFill/>
+          <a:ln w="9525">
+            <a:noFill/>
+            <a:miter lim="800000"/>
+            <a:headEnd/>
+            <a:tailEnd/>
+          </a:ln>
+          <a:effectLst/>
+        </p:spPr>
+        <p:txBody>
+          <a:bodyPr vert="horz" wrap="square" lIns="60070" tIns="30035" rIns="60070" bIns="30035" numCol="1" anchor="ctr" anchorCtr="0" compatLnSpc="1">
+            <a:prstTxWarp prst="textNoShape">
+              <a:avLst/>
+            </a:prstTxWarp>
+            <a:spAutoFit/>
+          </a:bodyPr>
+          <a:lstStyle/>
+          <a:p>
+            <a:pPr defTabSz="600756">
+              <a:spcBef>
+                <a:spcPts val="1200"/>
+              </a:spcBef>
+            </a:pPr>
+            <a:r>
+              <a:rPr lang="en-US" sz="4000" dirty="0">
+                <a:solidFill>
+                  <a:srgbClr val="0070C0"/>
+                </a:solidFill>
+                <a:latin typeface="Century" panose="02040604050505020304" pitchFamily="18" charset="0"/>
+                <a:cs typeface="Arial" pitchFamily="34" charset="0"/>
+              </a:rPr>
+              <a:t>Elias Crum</a:t>
+            </a:r>
+            <a:r>
+              <a:rPr lang="en-US" sz="4000" baseline="30000" dirty="0">
+                <a:solidFill>
+                  <a:srgbClr val="0070C0"/>
+                </a:solidFill>
+                <a:latin typeface="Century" panose="02040604050505020304" pitchFamily="18" charset="0"/>
+                <a:cs typeface="Arial" pitchFamily="34" charset="0"/>
+              </a:rPr>
+              <a:t>1,2</a:t>
+            </a:r>
+            <a:r>
+              <a:rPr lang="en-US" sz="4000" dirty="0">
+                <a:solidFill>
+                  <a:srgbClr val="0070C0"/>
+                </a:solidFill>
+                <a:latin typeface="Century" panose="02040604050505020304" pitchFamily="18" charset="0"/>
+                <a:cs typeface="Arial" pitchFamily="34" charset="0"/>
+              </a:rPr>
+              <a:t>, Ruben Taelman</a:t>
+            </a:r>
+            <a:r>
+              <a:rPr lang="en-US" sz="4000" baseline="30000" dirty="0">
+                <a:solidFill>
+                  <a:srgbClr val="0070C0"/>
+                </a:solidFill>
+                <a:latin typeface="Century" panose="02040604050505020304" pitchFamily="18" charset="0"/>
+                <a:cs typeface="Arial" pitchFamily="34" charset="0"/>
+              </a:rPr>
+              <a:t>1</a:t>
+            </a:r>
+            <a:r>
+              <a:rPr lang="en-US" sz="4000" dirty="0">
+                <a:solidFill>
+                  <a:srgbClr val="0070C0"/>
+                </a:solidFill>
+                <a:latin typeface="Century" panose="02040604050505020304" pitchFamily="18" charset="0"/>
+                <a:cs typeface="Arial" pitchFamily="34" charset="0"/>
+              </a:rPr>
+              <a:t>, Bart Buelens</a:t>
+            </a:r>
+            <a:r>
+              <a:rPr lang="en-US" sz="4000" baseline="30000" dirty="0">
+                <a:solidFill>
+                  <a:srgbClr val="0070C0"/>
+                </a:solidFill>
+                <a:latin typeface="Century" panose="02040604050505020304" pitchFamily="18" charset="0"/>
+                <a:cs typeface="Arial" pitchFamily="34" charset="0"/>
+              </a:rPr>
+              <a:t>2</a:t>
+            </a:r>
+            <a:r>
+              <a:rPr lang="en-US" sz="4000" dirty="0">
+                <a:solidFill>
+                  <a:srgbClr val="0070C0"/>
+                </a:solidFill>
+                <a:latin typeface="Century" panose="02040604050505020304" pitchFamily="18" charset="0"/>
+                <a:cs typeface="Arial" pitchFamily="34" charset="0"/>
+              </a:rPr>
+              <a:t>, Gökhan Ertaylan</a:t>
+            </a:r>
+            <a:r>
+              <a:rPr lang="en-US" sz="4000" baseline="30000" dirty="0">
+                <a:solidFill>
+                  <a:srgbClr val="0070C0"/>
+                </a:solidFill>
+                <a:latin typeface="Century" panose="02040604050505020304" pitchFamily="18" charset="0"/>
+                <a:cs typeface="Arial" pitchFamily="34" charset="0"/>
+              </a:rPr>
+              <a:t>2</a:t>
+            </a:r>
+            <a:r>
+              <a:rPr lang="en-US" sz="4000" dirty="0">
+                <a:solidFill>
+                  <a:srgbClr val="0070C0"/>
+                </a:solidFill>
+                <a:latin typeface="Century" panose="02040604050505020304" pitchFamily="18" charset="0"/>
+                <a:cs typeface="Arial" pitchFamily="34" charset="0"/>
+              </a:rPr>
+              <a:t> and Ruben Verborgh</a:t>
+            </a:r>
+            <a:r>
+              <a:rPr lang="en-US" sz="4000" baseline="30000" dirty="0">
+                <a:solidFill>
+                  <a:srgbClr val="0070C0"/>
+                </a:solidFill>
+                <a:latin typeface="Century" panose="02040604050505020304" pitchFamily="18" charset="0"/>
+                <a:cs typeface="Arial" pitchFamily="34" charset="0"/>
+              </a:rPr>
+              <a:t>1</a:t>
+            </a:r>
+            <a:endParaRPr lang="en-US" sz="3000" i="1" dirty="0">
+              <a:latin typeface="Century" panose="02040604050505020304" pitchFamily="18" charset="0"/>
+              <a:cs typeface="Arial" pitchFamily="34" charset="0"/>
+            </a:endParaRPr>
+          </a:p>
+        </p:txBody>
+      </p:sp>
+      <p:sp>
+        <p:nvSpPr>
+          <p:cNvPr id="23" name="Rectangle 1">
+            <a:extLst>
+              <a:ext uri="{FF2B5EF4-FFF2-40B4-BE49-F238E27FC236}">
+                <a16:creationId xmlns:a16="http://schemas.microsoft.com/office/drawing/2014/main" id="{7D495E8E-868A-4443-1561-8BCCFFE72030}"/>
+              </a:ext>
+            </a:extLst>
+          </p:cNvPr>
+          <p:cNvSpPr>
+            <a:spLocks noChangeArrowheads="1"/>
+          </p:cNvSpPr>
+          <p:nvPr/>
+        </p:nvSpPr>
+        <p:spPr bwMode="auto">
+          <a:xfrm>
+            <a:off x="537223" y="4509259"/>
+            <a:ext cx="21441635" cy="983986"/>
+          </a:xfrm>
+          <a:prstGeom prst="rect">
+            <a:avLst/>
+          </a:prstGeom>
+          <a:noFill/>
+          <a:ln w="9525">
+            <a:noFill/>
+            <a:miter lim="800000"/>
+            <a:headEnd/>
+            <a:tailEnd/>
+          </a:ln>
+          <a:effectLst/>
+        </p:spPr>
+        <p:txBody>
+          <a:bodyPr vert="horz" wrap="square" lIns="60070" tIns="30035" rIns="60070" bIns="30035" numCol="1" anchor="ctr" anchorCtr="0" compatLnSpc="1">
+            <a:prstTxWarp prst="textNoShape">
+              <a:avLst/>
+            </a:prstTxWarp>
+            <a:spAutoFit/>
+          </a:bodyPr>
+          <a:lstStyle/>
+          <a:p>
+            <a:pPr defTabSz="600756">
+              <a:spcBef>
+                <a:spcPts val="1200"/>
+              </a:spcBef>
+            </a:pPr>
+            <a:r>
+              <a:rPr lang="en-US" sz="3000" i="1" baseline="30000" dirty="0">
+                <a:latin typeface="Century" panose="02040604050505020304" pitchFamily="18" charset="0"/>
+              </a:rPr>
+              <a:t>1</a:t>
+            </a:r>
+            <a:r>
+              <a:rPr lang="en-US" sz="3000" i="1" dirty="0">
+                <a:latin typeface="Century" panose="02040604050505020304" pitchFamily="18" charset="0"/>
+              </a:rPr>
+              <a:t>IDLab, Department of Electronics and Information Systems, Ghent University – </a:t>
+            </a:r>
+            <a:r>
+              <a:rPr lang="en-US" sz="3000" i="1" dirty="0" err="1">
+                <a:latin typeface="Century" panose="02040604050505020304" pitchFamily="18" charset="0"/>
+              </a:rPr>
+              <a:t>imec</a:t>
+            </a:r>
+            <a:r>
+              <a:rPr lang="en-US" sz="3000" i="1" dirty="0">
+                <a:latin typeface="Century" panose="02040604050505020304" pitchFamily="18" charset="0"/>
+              </a:rPr>
+              <a:t>, Belgium</a:t>
+            </a:r>
+            <a:br>
+              <a:rPr lang="en-US" sz="3000" i="1" dirty="0">
+                <a:latin typeface="Century" panose="02040604050505020304" pitchFamily="18" charset="0"/>
+              </a:rPr>
+            </a:br>
+            <a:r>
+              <a:rPr lang="en-US" sz="3000" i="1" baseline="30000" dirty="0">
+                <a:latin typeface="Century" panose="02040604050505020304" pitchFamily="18" charset="0"/>
+              </a:rPr>
+              <a:t>2</a:t>
+            </a:r>
+            <a:r>
+              <a:rPr lang="en-US" sz="3000" i="1" dirty="0">
+                <a:latin typeface="Century" panose="02040604050505020304" pitchFamily="18" charset="0"/>
+              </a:rPr>
+              <a:t>Flemish institute for Technological Research (VITO) Mol, Belgium</a:t>
+            </a:r>
+            <a:endParaRPr lang="en-US" sz="3000" i="1" dirty="0">
+              <a:latin typeface="Century" panose="02040604050505020304" pitchFamily="18" charset="0"/>
+              <a:cs typeface="Arial" pitchFamily="34" charset="0"/>
+            </a:endParaRPr>
+          </a:p>
+        </p:txBody>
+      </p:sp>
+      <p:sp>
+        <p:nvSpPr>
+          <p:cNvPr id="29" name="TextBox 28">
+            <a:extLst>
+              <a:ext uri="{FF2B5EF4-FFF2-40B4-BE49-F238E27FC236}">
+                <a16:creationId xmlns:a16="http://schemas.microsoft.com/office/drawing/2014/main" id="{13960B5D-86C7-29B9-13B0-0BF8CA5FE22E}"/>
+              </a:ext>
+            </a:extLst>
+          </p:cNvPr>
+          <p:cNvSpPr txBox="1"/>
+          <p:nvPr/>
+        </p:nvSpPr>
+        <p:spPr>
+          <a:xfrm>
+            <a:off x="441684" y="20101687"/>
+            <a:ext cx="10076207" cy="1015663"/>
+          </a:xfrm>
+          <a:prstGeom prst="rect">
+            <a:avLst/>
+          </a:prstGeom>
+          <a:noFill/>
+        </p:spPr>
+        <p:txBody>
+          <a:bodyPr wrap="square" rtlCol="0">
+            <a:spAutoFit/>
+          </a:bodyPr>
+          <a:lstStyle/>
+          <a:p>
+            <a:r>
+              <a:rPr lang="en-US" sz="6000" b="1" dirty="0">
+                <a:latin typeface="Cambria" panose="02040503050406030204" pitchFamily="18" charset="0"/>
+                <a:ea typeface="Cambria" panose="02040503050406030204" pitchFamily="18" charset="0"/>
+              </a:rPr>
+              <a:t>A Patient-centric Approach</a:t>
+            </a:r>
+          </a:p>
+        </p:txBody>
+      </p:sp>
+      <p:sp>
+        <p:nvSpPr>
+          <p:cNvPr id="30" name="TextBox 29">
+            <a:extLst>
+              <a:ext uri="{FF2B5EF4-FFF2-40B4-BE49-F238E27FC236}">
+                <a16:creationId xmlns:a16="http://schemas.microsoft.com/office/drawing/2014/main" id="{BBB80D0D-6B4C-9899-E20C-C71B667F77A6}"/>
+              </a:ext>
+            </a:extLst>
+          </p:cNvPr>
+          <p:cNvSpPr txBox="1"/>
+          <p:nvPr/>
+        </p:nvSpPr>
+        <p:spPr>
+          <a:xfrm>
+            <a:off x="7011513" y="36777361"/>
+            <a:ext cx="6568073" cy="954107"/>
+          </a:xfrm>
+          <a:prstGeom prst="rect">
+            <a:avLst/>
+          </a:prstGeom>
+          <a:noFill/>
+        </p:spPr>
+        <p:txBody>
+          <a:bodyPr wrap="square" rtlCol="0">
+            <a:spAutoFit/>
+          </a:bodyPr>
+          <a:lstStyle/>
+          <a:p>
+            <a:r>
+              <a:rPr lang="en-US" sz="5600" b="1" dirty="0">
+                <a:latin typeface="Cambria" panose="02040503050406030204" pitchFamily="18" charset="0"/>
+                <a:ea typeface="Cambria" panose="02040503050406030204" pitchFamily="18" charset="0"/>
+              </a:rPr>
+              <a:t>Future Directions</a:t>
+            </a:r>
+          </a:p>
+        </p:txBody>
+      </p:sp>
+      <p:sp>
+        <p:nvSpPr>
+          <p:cNvPr id="33" name="Rectangle: Rounded Corners 32">
+            <a:extLst>
+              <a:ext uri="{FF2B5EF4-FFF2-40B4-BE49-F238E27FC236}">
+                <a16:creationId xmlns:a16="http://schemas.microsoft.com/office/drawing/2014/main" id="{913B910E-BA6A-3810-987A-FA42F759B032}"/>
+              </a:ext>
+            </a:extLst>
+          </p:cNvPr>
+          <p:cNvSpPr/>
+          <p:nvPr/>
+        </p:nvSpPr>
+        <p:spPr>
+          <a:xfrm>
+            <a:off x="1395687" y="23110517"/>
+            <a:ext cx="7164109" cy="6443113"/>
+          </a:xfrm>
+          <a:prstGeom prst="roundRect">
+            <a:avLst/>
+          </a:prstGeom>
+          <a:noFill/>
+          <a:ln w="57150">
+            <a:solidFill>
+              <a:srgbClr val="8356FF"/>
+            </a:solidFill>
+          </a:ln>
+        </p:spPr>
+        <p:style>
+          <a:lnRef idx="2">
+            <a:schemeClr val="accent1">
+              <a:shade val="50000"/>
+            </a:schemeClr>
+          </a:lnRef>
+          <a:fillRef idx="1">
+            <a:schemeClr val="accent1"/>
+          </a:fillRef>
+          <a:effectRef idx="0">
+            <a:schemeClr val="accent1"/>
+          </a:effectRef>
+          <a:fontRef idx="minor">
+            <a:schemeClr val="lt1"/>
+          </a:fontRef>
+        </p:style>
+        <p:txBody>
+          <a:bodyPr rtlCol="0" anchor="ctr"/>
+          <a:lstStyle/>
+          <a:p>
+            <a:pPr algn="ctr"/>
+            <a:endParaRPr lang="en-BE"/>
+          </a:p>
+        </p:txBody>
+      </p:sp>
       <p:pic>
         <p:nvPicPr>
-          <p:cNvPr id="462" name="Picture 461">
-            <a:extLst>
-              <a:ext uri="{FF2B5EF4-FFF2-40B4-BE49-F238E27FC236}">
-                <a16:creationId xmlns:a16="http://schemas.microsoft.com/office/drawing/2014/main" id="{9548A08C-F423-5A03-DAFA-CFD7EA30CB5F}"/>
+          <p:cNvPr id="39" name="Graphic 38" descr="Euro with solid fill">
+            <a:extLst>
+              <a:ext uri="{FF2B5EF4-FFF2-40B4-BE49-F238E27FC236}">
+                <a16:creationId xmlns:a16="http://schemas.microsoft.com/office/drawing/2014/main" id="{95368008-10DD-46A4-BEC9-B7C39B9220C6}"/>
               </a:ext>
             </a:extLst>
           </p:cNvPr>
@@ -5212,15 +4919,24 @@
           <p:nvPr/>
         </p:nvPicPr>
         <p:blipFill>
-          <a:blip r:embed="rId16"/>
+          <a:blip r:embed="rId6">
+            <a:extLst>
+              <a:ext uri="{28A0092B-C50C-407E-A947-70E740481C1C}">
+                <a14:useLocalDpi xmlns:a14="http://schemas.microsoft.com/office/drawing/2010/main" val="0"/>
+              </a:ext>
+              <a:ext uri="{96DAC541-7B7A-43D3-8B79-37D633B846F1}">
+                <asvg:svgBlip xmlns:asvg="http://schemas.microsoft.com/office/drawing/2016/SVG/main" r:embed="rId7"/>
+              </a:ext>
+            </a:extLst>
+          </a:blip>
           <a:stretch>
             <a:fillRect/>
           </a:stretch>
         </p:blipFill>
         <p:spPr>
           <a:xfrm>
-            <a:off x="3153149" y="24983786"/>
-            <a:ext cx="1028702" cy="1109665"/>
+            <a:off x="957384" y="7552199"/>
+            <a:ext cx="568252" cy="568252"/>
           </a:xfrm>
           <a:prstGeom prst="rect">
             <a:avLst/>
@@ -5229,6 +4945,418 @@
       </p:pic>
       <p:sp>
         <p:nvSpPr>
+          <p:cNvPr id="40" name="TextBox 39">
+            <a:extLst>
+              <a:ext uri="{FF2B5EF4-FFF2-40B4-BE49-F238E27FC236}">
+                <a16:creationId xmlns:a16="http://schemas.microsoft.com/office/drawing/2014/main" id="{440AB1F7-C70D-7C26-AF90-02FEDC13F865}"/>
+              </a:ext>
+            </a:extLst>
+          </p:cNvPr>
+          <p:cNvSpPr txBox="1"/>
+          <p:nvPr/>
+        </p:nvSpPr>
+        <p:spPr>
+          <a:xfrm>
+            <a:off x="772900" y="13446034"/>
+            <a:ext cx="12232441" cy="1015663"/>
+          </a:xfrm>
+          <a:prstGeom prst="rect">
+            <a:avLst/>
+          </a:prstGeom>
+          <a:noFill/>
+        </p:spPr>
+        <p:txBody>
+          <a:bodyPr wrap="square" rtlCol="0">
+            <a:spAutoFit/>
+          </a:bodyPr>
+          <a:lstStyle/>
+          <a:p>
+            <a:r>
+              <a:rPr lang="en-US" sz="6000" b="1" dirty="0">
+                <a:latin typeface="Cambria" panose="02040503050406030204" pitchFamily="18" charset="0"/>
+                <a:ea typeface="Cambria" panose="02040503050406030204" pitchFamily="18" charset="0"/>
+              </a:rPr>
+              <a:t>Personal Genome Sequence Data</a:t>
+            </a:r>
+          </a:p>
+        </p:txBody>
+      </p:sp>
+      <p:pic>
+        <p:nvPicPr>
+          <p:cNvPr id="42" name="Picture 41">
+            <a:extLst>
+              <a:ext uri="{FF2B5EF4-FFF2-40B4-BE49-F238E27FC236}">
+                <a16:creationId xmlns:a16="http://schemas.microsoft.com/office/drawing/2014/main" id="{6FA3BEB1-69AF-AFAA-721F-51BAE2308FB2}"/>
+              </a:ext>
+            </a:extLst>
+          </p:cNvPr>
+          <p:cNvPicPr>
+            <a:picLocks noChangeAspect="1"/>
+          </p:cNvPicPr>
+          <p:nvPr/>
+        </p:nvPicPr>
+        <p:blipFill>
+          <a:blip r:embed="rId8"/>
+          <a:stretch>
+            <a:fillRect/>
+          </a:stretch>
+        </p:blipFill>
+        <p:spPr>
+          <a:xfrm>
+            <a:off x="915274" y="17120543"/>
+            <a:ext cx="1276049" cy="1276049"/>
+          </a:xfrm>
+          <a:prstGeom prst="rect">
+            <a:avLst/>
+          </a:prstGeom>
+        </p:spPr>
+      </p:pic>
+      <p:pic>
+        <p:nvPicPr>
+          <p:cNvPr id="46" name="Graphic 45" descr="Database outline">
+            <a:extLst>
+              <a:ext uri="{FF2B5EF4-FFF2-40B4-BE49-F238E27FC236}">
+                <a16:creationId xmlns:a16="http://schemas.microsoft.com/office/drawing/2014/main" id="{68079145-62F1-5F5A-E45D-46558712AC8E}"/>
+              </a:ext>
+            </a:extLst>
+          </p:cNvPr>
+          <p:cNvPicPr>
+            <a:picLocks noChangeAspect="1"/>
+          </p:cNvPicPr>
+          <p:nvPr/>
+        </p:nvPicPr>
+        <p:blipFill>
+          <a:blip r:embed="rId9">
+            <a:extLst>
+              <a:ext uri="{28A0092B-C50C-407E-A947-70E740481C1C}">
+                <a14:useLocalDpi xmlns:a14="http://schemas.microsoft.com/office/drawing/2010/main" val="0"/>
+              </a:ext>
+              <a:ext uri="{96DAC541-7B7A-43D3-8B79-37D633B846F1}">
+                <asvg:svgBlip xmlns:asvg="http://schemas.microsoft.com/office/drawing/2016/SVG/main" r:embed="rId10"/>
+              </a:ext>
+            </a:extLst>
+          </a:blip>
+          <a:stretch>
+            <a:fillRect/>
+          </a:stretch>
+        </p:blipFill>
+        <p:spPr>
+          <a:xfrm>
+            <a:off x="844941" y="15095060"/>
+            <a:ext cx="1416715" cy="1416715"/>
+          </a:xfrm>
+          <a:prstGeom prst="rect">
+            <a:avLst/>
+          </a:prstGeom>
+        </p:spPr>
+      </p:pic>
+      <p:pic>
+        <p:nvPicPr>
+          <p:cNvPr id="62" name="Picture 61">
+            <a:extLst>
+              <a:ext uri="{FF2B5EF4-FFF2-40B4-BE49-F238E27FC236}">
+                <a16:creationId xmlns:a16="http://schemas.microsoft.com/office/drawing/2014/main" id="{35184315-EB8A-750F-D165-C88583FEFDCE}"/>
+              </a:ext>
+            </a:extLst>
+          </p:cNvPr>
+          <p:cNvPicPr>
+            <a:picLocks noChangeAspect="1"/>
+          </p:cNvPicPr>
+          <p:nvPr/>
+        </p:nvPicPr>
+        <p:blipFill>
+          <a:blip r:embed="rId11"/>
+          <a:stretch>
+            <a:fillRect/>
+          </a:stretch>
+        </p:blipFill>
+        <p:spPr>
+          <a:xfrm>
+            <a:off x="514206" y="22231393"/>
+            <a:ext cx="2103318" cy="1924058"/>
+          </a:xfrm>
+          <a:prstGeom prst="rect">
+            <a:avLst/>
+          </a:prstGeom>
+        </p:spPr>
+      </p:pic>
+      <p:sp>
+        <p:nvSpPr>
+          <p:cNvPr id="449" name="Rectangle: Rounded Corners 448">
+            <a:extLst>
+              <a:ext uri="{FF2B5EF4-FFF2-40B4-BE49-F238E27FC236}">
+                <a16:creationId xmlns:a16="http://schemas.microsoft.com/office/drawing/2014/main" id="{F8F7CA21-1C7E-9AF9-2EE1-547A0E0F7FC0}"/>
+              </a:ext>
+            </a:extLst>
+          </p:cNvPr>
+          <p:cNvSpPr/>
+          <p:nvPr/>
+        </p:nvSpPr>
+        <p:spPr>
+          <a:xfrm>
+            <a:off x="14223883" y="30459702"/>
+            <a:ext cx="3241209" cy="4176786"/>
+          </a:xfrm>
+          <a:prstGeom prst="roundRect">
+            <a:avLst/>
+          </a:prstGeom>
+          <a:noFill/>
+          <a:ln w="57150">
+            <a:solidFill>
+              <a:srgbClr val="0070C0"/>
+            </a:solidFill>
+          </a:ln>
+        </p:spPr>
+        <p:style>
+          <a:lnRef idx="2">
+            <a:schemeClr val="accent1">
+              <a:shade val="50000"/>
+            </a:schemeClr>
+          </a:lnRef>
+          <a:fillRef idx="1">
+            <a:schemeClr val="accent1"/>
+          </a:fillRef>
+          <a:effectRef idx="0">
+            <a:schemeClr val="accent1"/>
+          </a:effectRef>
+          <a:fontRef idx="minor">
+            <a:schemeClr val="lt1"/>
+          </a:fontRef>
+        </p:style>
+        <p:txBody>
+          <a:bodyPr rtlCol="0" anchor="ctr"/>
+          <a:lstStyle/>
+          <a:p>
+            <a:pPr algn="ctr"/>
+            <a:endParaRPr lang="en-BE"/>
+          </a:p>
+        </p:txBody>
+      </p:sp>
+      <p:sp>
+        <p:nvSpPr>
+          <p:cNvPr id="450" name="Rectangle: Rounded Corners 449">
+            <a:extLst>
+              <a:ext uri="{FF2B5EF4-FFF2-40B4-BE49-F238E27FC236}">
+                <a16:creationId xmlns:a16="http://schemas.microsoft.com/office/drawing/2014/main" id="{9027B111-BE2F-95E6-52AE-0F6426C2C9A7}"/>
+              </a:ext>
+            </a:extLst>
+          </p:cNvPr>
+          <p:cNvSpPr/>
+          <p:nvPr/>
+        </p:nvSpPr>
+        <p:spPr>
+          <a:xfrm>
+            <a:off x="16321111" y="26182595"/>
+            <a:ext cx="3342682" cy="3054373"/>
+          </a:xfrm>
+          <a:prstGeom prst="roundRect">
+            <a:avLst/>
+          </a:prstGeom>
+          <a:noFill/>
+          <a:ln w="57150">
+            <a:solidFill>
+              <a:srgbClr val="0070C0"/>
+            </a:solidFill>
+          </a:ln>
+        </p:spPr>
+        <p:style>
+          <a:lnRef idx="2">
+            <a:schemeClr val="accent1">
+              <a:shade val="50000"/>
+            </a:schemeClr>
+          </a:lnRef>
+          <a:fillRef idx="1">
+            <a:schemeClr val="accent1"/>
+          </a:fillRef>
+          <a:effectRef idx="0">
+            <a:schemeClr val="accent1"/>
+          </a:effectRef>
+          <a:fontRef idx="minor">
+            <a:schemeClr val="lt1"/>
+          </a:fontRef>
+        </p:style>
+        <p:txBody>
+          <a:bodyPr rtlCol="0" anchor="ctr"/>
+          <a:lstStyle/>
+          <a:p>
+            <a:pPr algn="ctr"/>
+            <a:endParaRPr lang="en-BE"/>
+          </a:p>
+        </p:txBody>
+      </p:sp>
+      <p:pic>
+        <p:nvPicPr>
+          <p:cNvPr id="454" name="Graphic 453" descr="DNA outline">
+            <a:extLst>
+              <a:ext uri="{FF2B5EF4-FFF2-40B4-BE49-F238E27FC236}">
+                <a16:creationId xmlns:a16="http://schemas.microsoft.com/office/drawing/2014/main" id="{34A458ED-F0F8-7D64-6294-16BEDFD285AD}"/>
+              </a:ext>
+            </a:extLst>
+          </p:cNvPr>
+          <p:cNvPicPr>
+            <a:picLocks noChangeAspect="1"/>
+          </p:cNvPicPr>
+          <p:nvPr/>
+        </p:nvPicPr>
+        <p:blipFill>
+          <a:blip r:embed="rId12">
+            <a:extLst>
+              <a:ext uri="{28A0092B-C50C-407E-A947-70E740481C1C}">
+                <a14:useLocalDpi xmlns:a14="http://schemas.microsoft.com/office/drawing/2010/main" val="0"/>
+              </a:ext>
+              <a:ext uri="{96DAC541-7B7A-43D3-8B79-37D633B846F1}">
+                <asvg:svgBlip xmlns:asvg="http://schemas.microsoft.com/office/drawing/2016/SVG/main" r:embed="rId13"/>
+              </a:ext>
+            </a:extLst>
+          </a:blip>
+          <a:stretch>
+            <a:fillRect/>
+          </a:stretch>
+        </p:blipFill>
+        <p:spPr>
+          <a:xfrm>
+            <a:off x="3541845" y="25190724"/>
+            <a:ext cx="2588618" cy="2588618"/>
+          </a:xfrm>
+          <a:prstGeom prst="rect">
+            <a:avLst/>
+          </a:prstGeom>
+        </p:spPr>
+      </p:pic>
+      <p:cxnSp>
+        <p:nvCxnSpPr>
+          <p:cNvPr id="456" name="Straight Connector 455">
+            <a:extLst>
+              <a:ext uri="{FF2B5EF4-FFF2-40B4-BE49-F238E27FC236}">
+                <a16:creationId xmlns:a16="http://schemas.microsoft.com/office/drawing/2014/main" id="{9C65DCC7-7035-04EF-0E23-05C5A8DBCFEA}"/>
+              </a:ext>
+            </a:extLst>
+          </p:cNvPr>
+          <p:cNvCxnSpPr>
+            <a:cxnSpLocks/>
+          </p:cNvCxnSpPr>
+          <p:nvPr/>
+        </p:nvCxnSpPr>
+        <p:spPr>
+          <a:xfrm flipV="1">
+            <a:off x="5645234" y="24660008"/>
+            <a:ext cx="604114" cy="771676"/>
+          </a:xfrm>
+          <a:prstGeom prst="line">
+            <a:avLst/>
+          </a:prstGeom>
+          <a:ln w="76200">
+            <a:solidFill>
+              <a:schemeClr val="tx1"/>
+            </a:solidFill>
+            <a:prstDash val="dash"/>
+          </a:ln>
+        </p:spPr>
+        <p:style>
+          <a:lnRef idx="2">
+            <a:schemeClr val="dk1"/>
+          </a:lnRef>
+          <a:fillRef idx="0">
+            <a:schemeClr val="dk1"/>
+          </a:fillRef>
+          <a:effectRef idx="1">
+            <a:schemeClr val="dk1"/>
+          </a:effectRef>
+          <a:fontRef idx="minor">
+            <a:schemeClr val="tx1"/>
+          </a:fontRef>
+        </p:style>
+      </p:cxnSp>
+      <p:sp>
+        <p:nvSpPr>
+          <p:cNvPr id="459" name="Rectangle: Folded Corner 458">
+            <a:extLst>
+              <a:ext uri="{FF2B5EF4-FFF2-40B4-BE49-F238E27FC236}">
+                <a16:creationId xmlns:a16="http://schemas.microsoft.com/office/drawing/2014/main" id="{3B71979C-CEBA-6CC5-CF39-2556E5E2AAA3}"/>
+              </a:ext>
+            </a:extLst>
+          </p:cNvPr>
+          <p:cNvSpPr/>
+          <p:nvPr/>
+        </p:nvSpPr>
+        <p:spPr>
+          <a:xfrm rot="10800000">
+            <a:off x="3517532" y="24960720"/>
+            <a:ext cx="2503258" cy="3094043"/>
+          </a:xfrm>
+          <a:prstGeom prst="foldedCorner">
+            <a:avLst>
+              <a:gd name="adj" fmla="val 24277"/>
+            </a:avLst>
+          </a:prstGeom>
+          <a:noFill/>
+        </p:spPr>
+        <p:style>
+          <a:lnRef idx="2">
+            <a:schemeClr val="accent1">
+              <a:shade val="50000"/>
+            </a:schemeClr>
+          </a:lnRef>
+          <a:fillRef idx="1">
+            <a:schemeClr val="accent1"/>
+          </a:fillRef>
+          <a:effectRef idx="0">
+            <a:schemeClr val="accent1"/>
+          </a:effectRef>
+          <a:fontRef idx="minor">
+            <a:schemeClr val="lt1"/>
+          </a:fontRef>
+        </p:style>
+        <p:txBody>
+          <a:bodyPr rtlCol="0" anchor="ctr"/>
+          <a:lstStyle/>
+          <a:p>
+            <a:pPr algn="ctr"/>
+            <a:endParaRPr lang="en-BE"/>
+          </a:p>
+        </p:txBody>
+      </p:sp>
+      <p:pic>
+        <p:nvPicPr>
+          <p:cNvPr id="461" name="Graphic 460" descr="Lock with solid fill">
+            <a:extLst>
+              <a:ext uri="{FF2B5EF4-FFF2-40B4-BE49-F238E27FC236}">
+                <a16:creationId xmlns:a16="http://schemas.microsoft.com/office/drawing/2014/main" id="{0F842A53-420B-12F9-38BC-560E866F428A}"/>
+              </a:ext>
+            </a:extLst>
+          </p:cNvPr>
+          <p:cNvPicPr>
+            <a:picLocks noChangeAspect="1"/>
+          </p:cNvPicPr>
+          <p:nvPr/>
+        </p:nvPicPr>
+        <p:blipFill>
+          <a:blip r:embed="rId14">
+            <a:extLst>
+              <a:ext uri="{28A0092B-C50C-407E-A947-70E740481C1C}">
+                <a14:useLocalDpi xmlns:a14="http://schemas.microsoft.com/office/drawing/2010/main" val="0"/>
+              </a:ext>
+              <a:ext uri="{96DAC541-7B7A-43D3-8B79-37D633B846F1}">
+                <asvg:svgBlip xmlns:asvg="http://schemas.microsoft.com/office/drawing/2016/SVG/main" r:embed="rId15"/>
+              </a:ext>
+            </a:extLst>
+          </a:blip>
+          <a:stretch>
+            <a:fillRect/>
+          </a:stretch>
+        </p:blipFill>
+        <p:spPr>
+          <a:xfrm>
+            <a:off x="5968076" y="23441934"/>
+            <a:ext cx="1416715" cy="1416715"/>
+          </a:xfrm>
+          <a:prstGeom prst="rect">
+            <a:avLst/>
+          </a:prstGeom>
+        </p:spPr>
+      </p:pic>
+      <p:sp>
+        <p:nvSpPr>
           <p:cNvPr id="465" name="TextBox 464">
             <a:extLst>
               <a:ext uri="{FF2B5EF4-FFF2-40B4-BE49-F238E27FC236}">
@@ -5241,8 +5369,8 @@
         </p:nvSpPr>
         <p:spPr>
           <a:xfrm>
-            <a:off x="2034787" y="5724780"/>
-            <a:ext cx="6353706" cy="769441"/>
+            <a:off x="1700965" y="7474076"/>
+            <a:ext cx="8591346" cy="769441"/>
           </a:xfrm>
           <a:prstGeom prst="rect">
             <a:avLst/>
@@ -5260,7 +5388,7 @@
                 <a:latin typeface="Cambria" panose="02040503050406030204" pitchFamily="18" charset="0"/>
                 <a:ea typeface="Cambria" panose="02040503050406030204" pitchFamily="18" charset="0"/>
               </a:rPr>
-              <a:t>Well, it is expensive</a:t>
+              <a:t>Unfortunately, still quite expensive</a:t>
             </a:r>
           </a:p>
         </p:txBody>
@@ -5279,7 +5407,7 @@
         </p:nvSpPr>
         <p:spPr>
           <a:xfrm>
-            <a:off x="569059" y="7030374"/>
+            <a:off x="844941" y="8520623"/>
             <a:ext cx="11233765" cy="769441"/>
           </a:xfrm>
           <a:prstGeom prst="rect">
@@ -5293,12 +5421,19 @@
           </a:bodyPr>
           <a:lstStyle/>
           <a:p>
+            <a:r>
+              <a:rPr lang="en-US" sz="4400" u="sng" dirty="0">
+                <a:latin typeface="Cambria" panose="02040503050406030204" pitchFamily="18" charset="0"/>
+                <a:ea typeface="Cambria" panose="02040503050406030204" pitchFamily="18" charset="0"/>
+              </a:rPr>
+              <a:t>But why</a:t>
+            </a:r>
             <a:r>
               <a:rPr lang="en-US" sz="4400" dirty="0">
                 <a:latin typeface="Cambria" panose="02040503050406030204" pitchFamily="18" charset="0"/>
                 <a:ea typeface="Cambria" panose="02040503050406030204" pitchFamily="18" charset="0"/>
               </a:rPr>
-              <a:t>But why? Sequencing is getting pretty cheap...</a:t>
+              <a:t>? Sequencing is getting pretty cheap.</a:t>
             </a:r>
           </a:p>
         </p:txBody>
@@ -5317,8 +5452,8 @@
         </p:nvSpPr>
         <p:spPr>
           <a:xfrm>
-            <a:off x="928579" y="8219277"/>
-            <a:ext cx="11233765" cy="769441"/>
+            <a:off x="879620" y="9629204"/>
+            <a:ext cx="2440446" cy="769441"/>
           </a:xfrm>
           <a:prstGeom prst="rect">
             <a:avLst/>
@@ -5331,12 +5466,19 @@
           </a:bodyPr>
           <a:lstStyle/>
           <a:p>
+            <a:r>
+              <a:rPr lang="en-US" sz="4400" u="sng" dirty="0">
+                <a:latin typeface="Cambria" panose="02040503050406030204" pitchFamily="18" charset="0"/>
+                <a:ea typeface="Cambria" panose="02040503050406030204" pitchFamily="18" charset="0"/>
+              </a:rPr>
+              <a:t>Answer</a:t>
+            </a:r>
             <a:r>
               <a:rPr lang="en-US" sz="4400" dirty="0">
                 <a:latin typeface="Cambria" panose="02040503050406030204" pitchFamily="18" charset="0"/>
                 <a:ea typeface="Cambria" panose="02040503050406030204" pitchFamily="18" charset="0"/>
               </a:rPr>
-              <a:t>Yeah, but storing that data is still expensive</a:t>
+              <a:t>: </a:t>
             </a:r>
           </a:p>
         </p:txBody>
@@ -5355,8 +5497,8 @@
         </p:nvSpPr>
         <p:spPr>
           <a:xfrm>
-            <a:off x="1689757" y="9359663"/>
-            <a:ext cx="9114602" cy="769441"/>
+            <a:off x="3895944" y="11594996"/>
+            <a:ext cx="5634856" cy="769441"/>
           </a:xfrm>
           <a:prstGeom prst="rect">
             <a:avLst/>
@@ -5374,7 +5516,7 @@
                 <a:latin typeface="Cambria" panose="02040503050406030204" pitchFamily="18" charset="0"/>
                 <a:ea typeface="Cambria" panose="02040503050406030204" pitchFamily="18" charset="0"/>
               </a:rPr>
-              <a:t>Okay, is there any way to fix that?</a:t>
+              <a:t>Any way to fix that?</a:t>
             </a:r>
           </a:p>
         </p:txBody>
@@ -5393,8 +5535,8 @@
         </p:nvSpPr>
         <p:spPr>
           <a:xfrm>
-            <a:off x="2322516" y="12901175"/>
-            <a:ext cx="3230517" cy="769441"/>
+            <a:off x="2420487" y="15498918"/>
+            <a:ext cx="7544444" cy="769441"/>
           </a:xfrm>
           <a:prstGeom prst="rect">
             <a:avLst/>
@@ -5412,7 +5554,7 @@
                 <a:latin typeface="Cambria" panose="02040503050406030204" pitchFamily="18" charset="0"/>
                 <a:ea typeface="Cambria" panose="02040503050406030204" pitchFamily="18" charset="0"/>
               </a:rPr>
-              <a:t>Very large</a:t>
+              <a:t>Very large (~GBs in size)</a:t>
             </a:r>
           </a:p>
         </p:txBody>
@@ -5431,7 +5573,7 @@
         </p:nvSpPr>
         <p:spPr>
           <a:xfrm>
-            <a:off x="2360390" y="14570069"/>
+            <a:off x="2420487" y="17431060"/>
             <a:ext cx="8350905" cy="769441"/>
           </a:xfrm>
           <a:prstGeom prst="rect">
@@ -5469,7 +5611,7 @@
         </p:nvSpPr>
         <p:spPr>
           <a:xfrm>
-            <a:off x="15144991" y="4546109"/>
+            <a:off x="15142637" y="6304284"/>
             <a:ext cx="12826649" cy="954107"/>
           </a:xfrm>
           <a:prstGeom prst="rect">
@@ -5484,11 +5626,11 @@
           <a:lstStyle/>
           <a:p>
             <a:r>
-              <a:rPr lang="en-US" sz="5600" dirty="0">
+              <a:rPr lang="en-US" sz="5600" b="1" dirty="0">
                 <a:latin typeface="Cambria" panose="02040503050406030204" pitchFamily="18" charset="0"/>
                 <a:ea typeface="Cambria" panose="02040503050406030204" pitchFamily="18" charset="0"/>
               </a:rPr>
-              <a:t>The current Institution-centric system</a:t>
+              <a:t>The current institution-centric system</a:t>
             </a:r>
           </a:p>
         </p:txBody>
@@ -5524,7 +5666,7 @@
         </p:blipFill>
         <p:spPr>
           <a:xfrm>
-            <a:off x="20309267" y="7715642"/>
+            <a:off x="20309267" y="9661209"/>
             <a:ext cx="3860799" cy="3860799"/>
           </a:xfrm>
           <a:prstGeom prst="rect">
@@ -5547,13 +5689,13 @@
           <p:nvPr/>
         </p:nvPicPr>
         <p:blipFill>
-          <a:blip r:embed="rId17">
+          <a:blip r:embed="rId16">
             <a:extLst>
               <a:ext uri="{28A0092B-C50C-407E-A947-70E740481C1C}">
                 <a14:useLocalDpi xmlns:a14="http://schemas.microsoft.com/office/drawing/2010/main" val="0"/>
               </a:ext>
               <a:ext uri="{96DAC541-7B7A-43D3-8B79-37D633B846F1}">
-                <asvg:svgBlip xmlns:asvg="http://schemas.microsoft.com/office/drawing/2016/SVG/main" r:embed="rId18"/>
+                <asvg:svgBlip xmlns:asvg="http://schemas.microsoft.com/office/drawing/2016/SVG/main" r:embed="rId17"/>
               </a:ext>
             </a:extLst>
           </a:blip>
@@ -5563,7 +5705,7 @@
         </p:blipFill>
         <p:spPr>
           <a:xfrm>
-            <a:off x="20752163" y="5581358"/>
+            <a:off x="20752163" y="7526925"/>
             <a:ext cx="3005500" cy="3005500"/>
           </a:xfrm>
           <a:prstGeom prst="rect">
@@ -5586,13 +5728,13 @@
           <p:nvPr/>
         </p:nvPicPr>
         <p:blipFill>
-          <a:blip r:embed="rId19">
+          <a:blip r:embed="rId18">
             <a:extLst>
               <a:ext uri="{28A0092B-C50C-407E-A947-70E740481C1C}">
                 <a14:useLocalDpi xmlns:a14="http://schemas.microsoft.com/office/drawing/2010/main" val="0"/>
               </a:ext>
               <a:ext uri="{96DAC541-7B7A-43D3-8B79-37D633B846F1}">
-                <asvg:svgBlip xmlns:asvg="http://schemas.microsoft.com/office/drawing/2016/SVG/main" r:embed="rId20"/>
+                <asvg:svgBlip xmlns:asvg="http://schemas.microsoft.com/office/drawing/2016/SVG/main" r:embed="rId19"/>
               </a:ext>
             </a:extLst>
           </a:blip>
@@ -5602,7 +5744,7 @@
         </p:blipFill>
         <p:spPr>
           <a:xfrm>
-            <a:off x="21456127" y="10382392"/>
+            <a:off x="21456127" y="12327959"/>
             <a:ext cx="769441" cy="769441"/>
           </a:xfrm>
           <a:prstGeom prst="rect">
@@ -5625,13 +5767,13 @@
           <p:nvPr/>
         </p:nvPicPr>
         <p:blipFill>
-          <a:blip r:embed="rId21">
+          <a:blip r:embed="rId20">
             <a:extLst>
               <a:ext uri="{28A0092B-C50C-407E-A947-70E740481C1C}">
                 <a14:useLocalDpi xmlns:a14="http://schemas.microsoft.com/office/drawing/2010/main" val="0"/>
               </a:ext>
               <a:ext uri="{96DAC541-7B7A-43D3-8B79-37D633B846F1}">
-                <asvg:svgBlip xmlns:asvg="http://schemas.microsoft.com/office/drawing/2016/SVG/main" r:embed="rId22"/>
+                <asvg:svgBlip xmlns:asvg="http://schemas.microsoft.com/office/drawing/2016/SVG/main" r:embed="rId21"/>
               </a:ext>
             </a:extLst>
           </a:blip>
@@ -5641,7 +5783,7 @@
         </p:blipFill>
         <p:spPr>
           <a:xfrm>
-            <a:off x="22225568" y="9616525"/>
+            <a:off x="22225568" y="11562092"/>
             <a:ext cx="769441" cy="769441"/>
           </a:xfrm>
           <a:prstGeom prst="rect">
@@ -5664,13 +5806,13 @@
           <p:nvPr/>
         </p:nvPicPr>
         <p:blipFill>
-          <a:blip r:embed="rId23">
+          <a:blip r:embed="rId22">
             <a:extLst>
               <a:ext uri="{28A0092B-C50C-407E-A947-70E740481C1C}">
                 <a14:useLocalDpi xmlns:a14="http://schemas.microsoft.com/office/drawing/2010/main" val="0"/>
               </a:ext>
               <a:ext uri="{96DAC541-7B7A-43D3-8B79-37D633B846F1}">
-                <asvg:svgBlip xmlns:asvg="http://schemas.microsoft.com/office/drawing/2016/SVG/main" r:embed="rId24"/>
+                <asvg:svgBlip xmlns:asvg="http://schemas.microsoft.com/office/drawing/2016/SVG/main" r:embed="rId23"/>
               </a:ext>
             </a:extLst>
           </a:blip>
@@ -5680,7 +5822,7 @@
         </p:blipFill>
         <p:spPr>
           <a:xfrm>
-            <a:off x="21327405" y="8725002"/>
+            <a:off x="21327405" y="10670569"/>
             <a:ext cx="769441" cy="769441"/>
           </a:xfrm>
           <a:prstGeom prst="rect">
@@ -5702,7 +5844,7 @@
         </p:nvCxnSpPr>
         <p:spPr>
           <a:xfrm flipV="1">
-            <a:off x="23710666" y="8219277"/>
+            <a:off x="23710666" y="10164844"/>
             <a:ext cx="2301543" cy="1275166"/>
           </a:xfrm>
           <a:prstGeom prst="straightConnector1">
@@ -5746,7 +5888,7 @@
         </p:nvSpPr>
         <p:spPr>
           <a:xfrm rot="20181788">
-            <a:off x="24544392" y="8062777"/>
+            <a:off x="24544392" y="10008344"/>
             <a:ext cx="1131482" cy="1323439"/>
           </a:xfrm>
           <a:prstGeom prst="rect">
@@ -5763,7 +5905,7 @@
             <a:r>
               <a:rPr lang="en-US" sz="8000" dirty="0">
                 <a:solidFill>
-                  <a:srgbClr val="FF0000"/>
+                  <a:srgbClr val="C00000"/>
                 </a:solidFill>
                 <a:latin typeface="Cambria" panose="02040503050406030204" pitchFamily="18" charset="0"/>
                 <a:ea typeface="Cambria" panose="02040503050406030204" pitchFamily="18" charset="0"/>
@@ -5787,7 +5929,7 @@
         </p:nvSpPr>
         <p:spPr>
           <a:xfrm>
-            <a:off x="15159511" y="13169395"/>
+            <a:off x="14575343" y="15015427"/>
             <a:ext cx="5903020" cy="769441"/>
           </a:xfrm>
           <a:prstGeom prst="rect">
@@ -5806,7 +5948,7 @@
                 <a:latin typeface="Cambria" panose="02040503050406030204" pitchFamily="18" charset="0"/>
                 <a:ea typeface="Cambria" panose="02040503050406030204" pitchFamily="18" charset="0"/>
               </a:rPr>
-              <a:t>What are the impacts?</a:t>
+              <a:t>Downstream impacts?</a:t>
             </a:r>
           </a:p>
         </p:txBody>
@@ -5825,7 +5967,7 @@
         </p:nvSpPr>
         <p:spPr>
           <a:xfrm>
-            <a:off x="16156257" y="13973958"/>
+            <a:off x="15585885" y="15889074"/>
             <a:ext cx="5903020" cy="769441"/>
           </a:xfrm>
           <a:prstGeom prst="rect">
@@ -5863,7 +6005,7 @@
         </p:nvSpPr>
         <p:spPr>
           <a:xfrm>
-            <a:off x="16128686" y="14832611"/>
+            <a:off x="15558314" y="16711238"/>
             <a:ext cx="7652996" cy="769441"/>
           </a:xfrm>
           <a:prstGeom prst="rect">
@@ -5901,7 +6043,7 @@
         </p:nvSpPr>
         <p:spPr>
           <a:xfrm>
-            <a:off x="16128686" y="15636531"/>
+            <a:off x="15558314" y="17533402"/>
             <a:ext cx="8803224" cy="769441"/>
           </a:xfrm>
           <a:prstGeom prst="rect">
@@ -5939,7 +6081,7 @@
         </p:nvSpPr>
         <p:spPr>
           <a:xfrm>
-            <a:off x="16116011" y="16440451"/>
+            <a:off x="15545639" y="18355567"/>
             <a:ext cx="4404384" cy="769441"/>
           </a:xfrm>
           <a:prstGeom prst="rect">
@@ -5978,13 +6120,13 @@
           <p:nvPr/>
         </p:nvPicPr>
         <p:blipFill>
-          <a:blip r:embed="rId17">
+          <a:blip r:embed="rId16">
             <a:extLst>
               <a:ext uri="{28A0092B-C50C-407E-A947-70E740481C1C}">
                 <a14:useLocalDpi xmlns:a14="http://schemas.microsoft.com/office/drawing/2010/main" val="0"/>
               </a:ext>
               <a:ext uri="{96DAC541-7B7A-43D3-8B79-37D633B846F1}">
-                <asvg:svgBlip xmlns:asvg="http://schemas.microsoft.com/office/drawing/2016/SVG/main" r:embed="rId18"/>
+                <asvg:svgBlip xmlns:asvg="http://schemas.microsoft.com/office/drawing/2016/SVG/main" r:embed="rId17"/>
               </a:ext>
             </a:extLst>
           </a:blip>
@@ -5994,7 +6136,7 @@
         </p:blipFill>
         <p:spPr>
           <a:xfrm>
-            <a:off x="12699030" y="18654262"/>
+            <a:off x="12355143" y="20891445"/>
             <a:ext cx="2512528" cy="2512528"/>
           </a:xfrm>
           <a:prstGeom prst="rect">
@@ -6018,7 +6160,7 @@
         </p:nvCxnSpPr>
         <p:spPr>
           <a:xfrm flipV="1">
-            <a:off x="6538057" y="21249108"/>
+            <a:off x="6194170" y="23486291"/>
             <a:ext cx="4995178" cy="2502558"/>
           </a:xfrm>
           <a:prstGeom prst="straightConnector1">
@@ -6062,13 +6204,13 @@
           <p:nvPr/>
         </p:nvPicPr>
         <p:blipFill>
-          <a:blip r:embed="rId25">
+          <a:blip r:embed="rId24">
             <a:extLst>
               <a:ext uri="{28A0092B-C50C-407E-A947-70E740481C1C}">
                 <a14:useLocalDpi xmlns:a14="http://schemas.microsoft.com/office/drawing/2010/main" val="0"/>
               </a:ext>
               <a:ext uri="{96DAC541-7B7A-43D3-8B79-37D633B846F1}">
-                <asvg:svgBlip xmlns:asvg="http://schemas.microsoft.com/office/drawing/2016/SVG/main" r:embed="rId26"/>
+                <asvg:svgBlip xmlns:asvg="http://schemas.microsoft.com/office/drawing/2016/SVG/main" r:embed="rId25"/>
               </a:ext>
             </a:extLst>
           </a:blip>
@@ -6078,7 +6220,7 @@
         </p:blipFill>
         <p:spPr>
           <a:xfrm>
-            <a:off x="17532729" y="24580426"/>
+            <a:off x="16365657" y="27011355"/>
             <a:ext cx="1981512" cy="1981512"/>
           </a:xfrm>
           <a:prstGeom prst="rect">
@@ -6102,8 +6244,8 @@
         </p:nvCxnSpPr>
         <p:spPr>
           <a:xfrm>
-            <a:off x="6593235" y="24925434"/>
-            <a:ext cx="11550386" cy="876344"/>
+            <a:off x="6249348" y="27162617"/>
+            <a:ext cx="10239085" cy="815986"/>
           </a:xfrm>
           <a:prstGeom prst="straightConnector1">
             <a:avLst/>
@@ -6147,13 +6289,13 @@
           <p:nvPr/>
         </p:nvPicPr>
         <p:blipFill>
-          <a:blip r:embed="rId27">
+          <a:blip r:embed="rId26">
             <a:extLst>
               <a:ext uri="{28A0092B-C50C-407E-A947-70E740481C1C}">
                 <a14:useLocalDpi xmlns:a14="http://schemas.microsoft.com/office/drawing/2010/main" val="0"/>
               </a:ext>
               <a:ext uri="{96DAC541-7B7A-43D3-8B79-37D633B846F1}">
-                <asvg:svgBlip xmlns:asvg="http://schemas.microsoft.com/office/drawing/2016/SVG/main" r:embed="rId28"/>
+                <asvg:svgBlip xmlns:asvg="http://schemas.microsoft.com/office/drawing/2016/SVG/main" r:embed="rId27"/>
               </a:ext>
             </a:extLst>
           </a:blip>
@@ -6163,7 +6305,7 @@
         </p:blipFill>
         <p:spPr>
           <a:xfrm>
-            <a:off x="14827605" y="28501509"/>
+            <a:off x="14483718" y="30738692"/>
             <a:ext cx="914400" cy="914400"/>
           </a:xfrm>
           <a:prstGeom prst="rect">
@@ -6186,13 +6328,13 @@
           <p:nvPr/>
         </p:nvPicPr>
         <p:blipFill>
-          <a:blip r:embed="rId27">
+          <a:blip r:embed="rId26">
             <a:extLst>
               <a:ext uri="{28A0092B-C50C-407E-A947-70E740481C1C}">
                 <a14:useLocalDpi xmlns:a14="http://schemas.microsoft.com/office/drawing/2010/main" val="0"/>
               </a:ext>
               <a:ext uri="{96DAC541-7B7A-43D3-8B79-37D633B846F1}">
-                <asvg:svgBlip xmlns:asvg="http://schemas.microsoft.com/office/drawing/2016/SVG/main" r:embed="rId28"/>
+                <asvg:svgBlip xmlns:asvg="http://schemas.microsoft.com/office/drawing/2016/SVG/main" r:embed="rId27"/>
               </a:ext>
             </a:extLst>
           </a:blip>
@@ -6202,7 +6344,7 @@
         </p:blipFill>
         <p:spPr>
           <a:xfrm>
-            <a:off x="16229856" y="28488176"/>
+            <a:off x="15885969" y="30725359"/>
             <a:ext cx="914400" cy="914400"/>
           </a:xfrm>
           <a:prstGeom prst="rect">
@@ -6225,13 +6367,13 @@
           <p:nvPr/>
         </p:nvPicPr>
         <p:blipFill>
-          <a:blip r:embed="rId27">
+          <a:blip r:embed="rId26">
             <a:extLst>
               <a:ext uri="{28A0092B-C50C-407E-A947-70E740481C1C}">
                 <a14:useLocalDpi xmlns:a14="http://schemas.microsoft.com/office/drawing/2010/main" val="0"/>
               </a:ext>
               <a:ext uri="{96DAC541-7B7A-43D3-8B79-37D633B846F1}">
-                <asvg:svgBlip xmlns:asvg="http://schemas.microsoft.com/office/drawing/2016/SVG/main" r:embed="rId28"/>
+                <asvg:svgBlip xmlns:asvg="http://schemas.microsoft.com/office/drawing/2016/SVG/main" r:embed="rId27"/>
               </a:ext>
             </a:extLst>
           </a:blip>
@@ -6241,7 +6383,7 @@
         </p:blipFill>
         <p:spPr>
           <a:xfrm>
-            <a:off x="19394867" y="24044203"/>
+            <a:off x="18227795" y="26475132"/>
             <a:ext cx="914400" cy="914400"/>
           </a:xfrm>
           <a:prstGeom prst="rect">
@@ -6264,13 +6406,13 @@
           <p:nvPr/>
         </p:nvPicPr>
         <p:blipFill>
-          <a:blip r:embed="rId27">
+          <a:blip r:embed="rId26">
             <a:extLst>
               <a:ext uri="{28A0092B-C50C-407E-A947-70E740481C1C}">
                 <a14:useLocalDpi xmlns:a14="http://schemas.microsoft.com/office/drawing/2010/main" val="0"/>
               </a:ext>
               <a:ext uri="{96DAC541-7B7A-43D3-8B79-37D633B846F1}">
-                <asvg:svgBlip xmlns:asvg="http://schemas.microsoft.com/office/drawing/2016/SVG/main" r:embed="rId28"/>
+                <asvg:svgBlip xmlns:asvg="http://schemas.microsoft.com/office/drawing/2016/SVG/main" r:embed="rId27"/>
               </a:ext>
             </a:extLst>
           </a:blip>
@@ -6280,7 +6422,7 @@
         </p:blipFill>
         <p:spPr>
           <a:xfrm>
-            <a:off x="1998716" y="22143653"/>
+            <a:off x="1654829" y="24380836"/>
             <a:ext cx="1188789" cy="1188789"/>
           </a:xfrm>
           <a:prstGeom prst="rect">
@@ -6303,13 +6445,13 @@
           <p:nvPr/>
         </p:nvPicPr>
         <p:blipFill>
-          <a:blip r:embed="rId27">
+          <a:blip r:embed="rId26">
             <a:extLst>
               <a:ext uri="{28A0092B-C50C-407E-A947-70E740481C1C}">
                 <a14:useLocalDpi xmlns:a14="http://schemas.microsoft.com/office/drawing/2010/main" val="0"/>
               </a:ext>
               <a:ext uri="{96DAC541-7B7A-43D3-8B79-37D633B846F1}">
-                <asvg:svgBlip xmlns:asvg="http://schemas.microsoft.com/office/drawing/2016/SVG/main" r:embed="rId28"/>
+                <asvg:svgBlip xmlns:asvg="http://schemas.microsoft.com/office/drawing/2016/SVG/main" r:embed="rId27"/>
               </a:ext>
             </a:extLst>
           </a:blip>
@@ -6319,7 +6461,7 @@
         </p:blipFill>
         <p:spPr>
           <a:xfrm>
-            <a:off x="15388195" y="30350151"/>
+            <a:off x="14946337" y="32587334"/>
             <a:ext cx="914400" cy="914400"/>
           </a:xfrm>
           <a:prstGeom prst="rect">
@@ -6342,13 +6484,13 @@
           <p:nvPr/>
         </p:nvPicPr>
         <p:blipFill>
-          <a:blip r:embed="rId27">
+          <a:blip r:embed="rId26">
             <a:extLst>
               <a:ext uri="{28A0092B-C50C-407E-A947-70E740481C1C}">
                 <a14:useLocalDpi xmlns:a14="http://schemas.microsoft.com/office/drawing/2010/main" val="0"/>
               </a:ext>
               <a:ext uri="{96DAC541-7B7A-43D3-8B79-37D633B846F1}">
-                <asvg:svgBlip xmlns:asvg="http://schemas.microsoft.com/office/drawing/2016/SVG/main" r:embed="rId28"/>
+                <asvg:svgBlip xmlns:asvg="http://schemas.microsoft.com/office/drawing/2016/SVG/main" r:embed="rId27"/>
               </a:ext>
             </a:extLst>
           </a:blip>
@@ -6358,7 +6500,7 @@
         </p:blipFill>
         <p:spPr>
           <a:xfrm>
-            <a:off x="16629975" y="29729846"/>
+            <a:off x="16188117" y="31967029"/>
             <a:ext cx="914400" cy="914400"/>
           </a:xfrm>
           <a:prstGeom prst="rect">
@@ -6381,13 +6523,13 @@
           <p:nvPr/>
         </p:nvPicPr>
         <p:blipFill>
-          <a:blip r:embed="rId27">
+          <a:blip r:embed="rId26">
             <a:extLst>
               <a:ext uri="{28A0092B-C50C-407E-A947-70E740481C1C}">
                 <a14:useLocalDpi xmlns:a14="http://schemas.microsoft.com/office/drawing/2010/main" val="0"/>
               </a:ext>
               <a:ext uri="{96DAC541-7B7A-43D3-8B79-37D633B846F1}">
-                <asvg:svgBlip xmlns:asvg="http://schemas.microsoft.com/office/drawing/2016/SVG/main" r:embed="rId28"/>
+                <asvg:svgBlip xmlns:asvg="http://schemas.microsoft.com/office/drawing/2016/SVG/main" r:embed="rId27"/>
               </a:ext>
             </a:extLst>
           </a:blip>
@@ -6397,7 +6539,7 @@
         </p:blipFill>
         <p:spPr>
           <a:xfrm>
-            <a:off x="16284974" y="31144920"/>
+            <a:off x="15843116" y="33382103"/>
             <a:ext cx="914400" cy="914400"/>
           </a:xfrm>
           <a:prstGeom prst="rect">
@@ -6419,7 +6561,7 @@
         </p:nvSpPr>
         <p:spPr>
           <a:xfrm>
-            <a:off x="14117111" y="27496479"/>
+            <a:off x="13773224" y="29733662"/>
             <a:ext cx="4090672" cy="769441"/>
           </a:xfrm>
           <a:prstGeom prst="rect">
@@ -6457,7 +6599,7 @@
         </p:nvSpPr>
         <p:spPr>
           <a:xfrm>
-            <a:off x="17397085" y="23061456"/>
+            <a:off x="16230013" y="25492385"/>
             <a:ext cx="3532230" cy="769441"/>
           </a:xfrm>
           <a:prstGeom prst="rect">
@@ -6492,13 +6634,12 @@
           </p:cNvPr>
           <p:cNvCxnSpPr>
             <a:cxnSpLocks/>
-            <a:endCxn id="131" idx="1"/>
           </p:cNvCxnSpPr>
           <p:nvPr/>
         </p:nvCxnSpPr>
         <p:spPr>
           <a:xfrm>
-            <a:off x="6547362" y="25629030"/>
+            <a:off x="6203475" y="27866213"/>
             <a:ext cx="8840833" cy="5178321"/>
           </a:xfrm>
           <a:prstGeom prst="straightConnector1">
@@ -6544,7 +6685,7 @@
         </p:nvCxnSpPr>
         <p:spPr>
           <a:xfrm>
-            <a:off x="3219743" y="23332442"/>
+            <a:off x="2875856" y="25569625"/>
             <a:ext cx="1162454" cy="753072"/>
           </a:xfrm>
           <a:prstGeom prst="straightConnector1">
@@ -6588,7 +6729,7 @@
         </p:nvSpPr>
         <p:spPr>
           <a:xfrm>
-            <a:off x="1828526" y="23200747"/>
+            <a:off x="1484639" y="25437930"/>
             <a:ext cx="1529167" cy="369332"/>
           </a:xfrm>
           <a:prstGeom prst="rect">
@@ -6625,14 +6766,14 @@
           <p:nvPr/>
         </p:nvPicPr>
         <p:blipFill>
-          <a:blip r:embed="rId29"/>
+          <a:blip r:embed="rId28"/>
           <a:stretch>
             <a:fillRect/>
           </a:stretch>
         </p:blipFill>
         <p:spPr>
           <a:xfrm>
-            <a:off x="11631685" y="20138409"/>
+            <a:off x="11287798" y="22375592"/>
             <a:ext cx="1446550" cy="1446550"/>
           </a:xfrm>
           <a:prstGeom prst="rect">
@@ -6655,13 +6796,13 @@
           <p:nvPr/>
         </p:nvPicPr>
         <p:blipFill>
-          <a:blip r:embed="rId30">
+          <a:blip r:embed="rId29">
             <a:extLst>
               <a:ext uri="{28A0092B-C50C-407E-A947-70E740481C1C}">
                 <a14:useLocalDpi xmlns:a14="http://schemas.microsoft.com/office/drawing/2010/main" val="0"/>
               </a:ext>
               <a:ext uri="{96DAC541-7B7A-43D3-8B79-37D633B846F1}">
-                <asvg:svgBlip xmlns:asvg="http://schemas.microsoft.com/office/drawing/2016/SVG/main" r:embed="rId31"/>
+                <asvg:svgBlip xmlns:asvg="http://schemas.microsoft.com/office/drawing/2016/SVG/main" r:embed="rId30"/>
               </a:ext>
             </a:extLst>
           </a:blip>
@@ -6671,7 +6812,7 @@
         </p:blipFill>
         <p:spPr>
           <a:xfrm>
-            <a:off x="2107025" y="29050289"/>
+            <a:off x="1763138" y="31287472"/>
             <a:ext cx="2019553" cy="2019553"/>
           </a:xfrm>
           <a:prstGeom prst="rect">
@@ -6695,7 +6836,7 @@
         </p:nvCxnSpPr>
         <p:spPr>
           <a:xfrm flipH="1">
-            <a:off x="3357693" y="25972358"/>
+            <a:off x="3013806" y="28209541"/>
             <a:ext cx="1294074" cy="3020350"/>
           </a:xfrm>
           <a:prstGeom prst="straightConnector1">
@@ -6739,13 +6880,13 @@
           <p:nvPr/>
         </p:nvPicPr>
         <p:blipFill>
-          <a:blip r:embed="rId32">
+          <a:blip r:embed="rId31">
             <a:extLst>
               <a:ext uri="{28A0092B-C50C-407E-A947-70E740481C1C}">
                 <a14:useLocalDpi xmlns:a14="http://schemas.microsoft.com/office/drawing/2010/main" val="0"/>
               </a:ext>
               <a:ext uri="{96DAC541-7B7A-43D3-8B79-37D633B846F1}">
-                <asvg:svgBlip xmlns:asvg="http://schemas.microsoft.com/office/drawing/2016/SVG/main" r:embed="rId33"/>
+                <asvg:svgBlip xmlns:asvg="http://schemas.microsoft.com/office/drawing/2016/SVG/main" r:embed="rId32"/>
               </a:ext>
             </a:extLst>
           </a:blip>
@@ -6755,7 +6896,7 @@
         </p:blipFill>
         <p:spPr>
           <a:xfrm>
-            <a:off x="15827674" y="19408355"/>
+            <a:off x="15483787" y="21645538"/>
             <a:ext cx="2210381" cy="2210381"/>
           </a:xfrm>
           <a:prstGeom prst="rect">
@@ -6778,7 +6919,7 @@
           <p:nvPr/>
         </p:nvPicPr>
         <p:blipFill>
-          <a:blip r:embed="rId29">
+          <a:blip r:embed="rId28">
             <a:duotone>
               <a:schemeClr val="accent2">
                 <a:shade val="45000"/>
@@ -6793,7 +6934,7 @@
         </p:blipFill>
         <p:spPr>
           <a:xfrm>
-            <a:off x="16335004" y="21455273"/>
+            <a:off x="15991117" y="23692456"/>
             <a:ext cx="1197725" cy="1197725"/>
           </a:xfrm>
           <a:prstGeom prst="rect">
@@ -6817,7 +6958,7 @@
         </p:nvCxnSpPr>
         <p:spPr>
           <a:xfrm flipV="1">
-            <a:off x="6518897" y="22260599"/>
+            <a:off x="6175010" y="24497782"/>
             <a:ext cx="9643550" cy="1901251"/>
           </a:xfrm>
           <a:prstGeom prst="straightConnector1">
@@ -6861,13 +7002,13 @@
           <p:nvPr/>
         </p:nvPicPr>
         <p:blipFill>
-          <a:blip r:embed="rId34">
+          <a:blip r:embed="rId33">
             <a:extLst>
               <a:ext uri="{28A0092B-C50C-407E-A947-70E740481C1C}">
                 <a14:useLocalDpi xmlns:a14="http://schemas.microsoft.com/office/drawing/2010/main" val="0"/>
               </a:ext>
               <a:ext uri="{96DAC541-7B7A-43D3-8B79-37D633B846F1}">
-                <asvg:svgBlip xmlns:asvg="http://schemas.microsoft.com/office/drawing/2016/SVG/main" r:embed="rId35"/>
+                <asvg:svgBlip xmlns:asvg="http://schemas.microsoft.com/office/drawing/2016/SVG/main" r:embed="rId34"/>
               </a:ext>
             </a:extLst>
           </a:blip>
@@ -6877,7 +7018,7 @@
         </p:blipFill>
         <p:spPr>
           <a:xfrm>
-            <a:off x="9243545" y="29636410"/>
+            <a:off x="8801687" y="31873593"/>
             <a:ext cx="2227424" cy="2227424"/>
           </a:xfrm>
           <a:prstGeom prst="rect">
@@ -6901,7 +7042,7 @@
         </p:nvCxnSpPr>
         <p:spPr>
           <a:xfrm>
-            <a:off x="6176572" y="26029661"/>
+            <a:off x="5832685" y="28266844"/>
             <a:ext cx="3386240" cy="3599428"/>
           </a:xfrm>
           <a:prstGeom prst="straightConnector1">
@@ -6944,7 +7085,7 @@
         </p:nvSpPr>
         <p:spPr>
           <a:xfrm>
-            <a:off x="8980773" y="31540892"/>
+            <a:off x="8538915" y="33778075"/>
             <a:ext cx="2879827" cy="769441"/>
           </a:xfrm>
           <a:prstGeom prst="rect">
@@ -6982,7 +7123,7 @@
         </p:nvSpPr>
         <p:spPr>
           <a:xfrm>
-            <a:off x="2040032" y="30969102"/>
+            <a:off x="1598174" y="33206285"/>
             <a:ext cx="2019554" cy="769441"/>
           </a:xfrm>
           <a:prstGeom prst="rect">
@@ -7020,7 +7161,7 @@
         </p:nvSpPr>
         <p:spPr>
           <a:xfrm>
-            <a:off x="10276971" y="18683474"/>
+            <a:off x="9933084" y="20920657"/>
             <a:ext cx="2512527" cy="1446550"/>
           </a:xfrm>
           <a:prstGeom prst="rect">
@@ -7059,7 +7200,7 @@
         </p:nvSpPr>
         <p:spPr>
           <a:xfrm>
-            <a:off x="17690982" y="21044524"/>
+            <a:off x="17347095" y="23281707"/>
             <a:ext cx="2512527" cy="1446550"/>
           </a:xfrm>
           <a:prstGeom prst="rect">
@@ -7098,7 +7239,7 @@
         </p:nvSpPr>
         <p:spPr>
           <a:xfrm>
-            <a:off x="3677290" y="20069074"/>
+            <a:off x="3333403" y="22306257"/>
             <a:ext cx="3005499" cy="769441"/>
           </a:xfrm>
           <a:prstGeom prst="rect">
@@ -7153,7 +7294,7 @@
         </p:blipFill>
         <p:spPr>
           <a:xfrm>
-            <a:off x="781814" y="36996056"/>
+            <a:off x="21199586" y="21761367"/>
             <a:ext cx="989361" cy="989361"/>
           </a:xfrm>
           <a:prstGeom prst="rect">
@@ -7175,8 +7316,8 @@
         </p:nvSpPr>
         <p:spPr>
           <a:xfrm>
-            <a:off x="1763060" y="37156154"/>
-            <a:ext cx="4918868" cy="769441"/>
+            <a:off x="22412272" y="21924319"/>
+            <a:ext cx="6357486" cy="923330"/>
           </a:xfrm>
           <a:prstGeom prst="rect">
             <a:avLst/>
@@ -7190,7 +7331,7 @@
           <a:lstStyle/>
           <a:p>
             <a:r>
-              <a:rPr lang="en-US" sz="4400" dirty="0">
+              <a:rPr lang="en-US" sz="5400" dirty="0">
                 <a:latin typeface="Cambria" panose="02040503050406030204" pitchFamily="18" charset="0"/>
                 <a:ea typeface="Cambria" panose="02040503050406030204" pitchFamily="18" charset="0"/>
               </a:rPr>
@@ -7213,7 +7354,7 @@
         </p:nvSpPr>
         <p:spPr>
           <a:xfrm>
-            <a:off x="1803669" y="38689788"/>
+            <a:off x="9190579" y="39610824"/>
             <a:ext cx="5817725" cy="769441"/>
           </a:xfrm>
           <a:prstGeom prst="rect">
@@ -7251,8 +7392,8 @@
         </p:nvSpPr>
         <p:spPr>
           <a:xfrm>
-            <a:off x="11310789" y="37223160"/>
-            <a:ext cx="3714460" cy="769441"/>
+            <a:off x="22415784" y="26161574"/>
+            <a:ext cx="4918867" cy="923330"/>
           </a:xfrm>
           <a:prstGeom prst="rect">
             <a:avLst/>
@@ -7266,7 +7407,7 @@
           <a:lstStyle/>
           <a:p>
             <a:r>
-              <a:rPr lang="en-US" sz="4400" dirty="0">
+              <a:rPr lang="en-US" sz="5400" dirty="0">
                 <a:latin typeface="Cambria" panose="02040503050406030204" pitchFamily="18" charset="0"/>
                 <a:ea typeface="Cambria" panose="02040503050406030204" pitchFamily="18" charset="0"/>
               </a:rPr>
@@ -7289,8 +7430,8 @@
         </p:nvSpPr>
         <p:spPr>
           <a:xfrm>
-            <a:off x="11346886" y="38576077"/>
-            <a:ext cx="5817725" cy="769441"/>
+            <a:off x="22473172" y="30948431"/>
+            <a:ext cx="7152233" cy="923330"/>
           </a:xfrm>
           <a:prstGeom prst="rect">
             <a:avLst/>
@@ -7304,7 +7445,7 @@
           <a:lstStyle/>
           <a:p>
             <a:r>
-              <a:rPr lang="en-US" sz="4400" dirty="0">
+              <a:rPr lang="en-US" sz="5400" dirty="0">
                 <a:latin typeface="Cambria" panose="02040503050406030204" pitchFamily="18" charset="0"/>
                 <a:ea typeface="Cambria" panose="02040503050406030204" pitchFamily="18" charset="0"/>
               </a:rPr>
@@ -7328,13 +7469,13 @@
           <p:nvPr/>
         </p:nvPicPr>
         <p:blipFill>
-          <a:blip r:embed="rId36">
+          <a:blip r:embed="rId35">
             <a:extLst>
               <a:ext uri="{28A0092B-C50C-407E-A947-70E740481C1C}">
                 <a14:useLocalDpi xmlns:a14="http://schemas.microsoft.com/office/drawing/2010/main" val="0"/>
               </a:ext>
               <a:ext uri="{96DAC541-7B7A-43D3-8B79-37D633B846F1}">
-                <asvg:svgBlip xmlns:asvg="http://schemas.microsoft.com/office/drawing/2016/SVG/main" r:embed="rId37"/>
+                <asvg:svgBlip xmlns:asvg="http://schemas.microsoft.com/office/drawing/2016/SVG/main" r:embed="rId36"/>
               </a:ext>
             </a:extLst>
           </a:blip>
@@ -7344,7 +7485,7 @@
         </p:blipFill>
         <p:spPr>
           <a:xfrm>
-            <a:off x="10396388" y="37153750"/>
+            <a:off x="21243601" y="26097046"/>
             <a:ext cx="914400" cy="914400"/>
           </a:xfrm>
           <a:prstGeom prst="rect">
@@ -7367,13 +7508,13 @@
           <p:nvPr/>
         </p:nvPicPr>
         <p:blipFill>
-          <a:blip r:embed="rId38">
+          <a:blip r:embed="rId37">
             <a:extLst>
               <a:ext uri="{28A0092B-C50C-407E-A947-70E740481C1C}">
                 <a14:useLocalDpi xmlns:a14="http://schemas.microsoft.com/office/drawing/2010/main" val="0"/>
               </a:ext>
               <a:ext uri="{96DAC541-7B7A-43D3-8B79-37D633B846F1}">
-                <asvg:svgBlip xmlns:asvg="http://schemas.microsoft.com/office/drawing/2016/SVG/main" r:embed="rId39"/>
+                <asvg:svgBlip xmlns:asvg="http://schemas.microsoft.com/office/drawing/2016/SVG/main" r:embed="rId38"/>
               </a:ext>
             </a:extLst>
           </a:blip>
@@ -7383,7 +7524,7 @@
         </p:blipFill>
         <p:spPr>
           <a:xfrm>
-            <a:off x="10411253" y="38544829"/>
+            <a:off x="21263730" y="30948431"/>
             <a:ext cx="914400" cy="914400"/>
           </a:xfrm>
           <a:prstGeom prst="rect">
@@ -7406,13 +7547,13 @@
           <p:nvPr/>
         </p:nvPicPr>
         <p:blipFill>
-          <a:blip r:embed="rId40">
+          <a:blip r:embed="rId39">
             <a:extLst>
               <a:ext uri="{28A0092B-C50C-407E-A947-70E740481C1C}">
                 <a14:useLocalDpi xmlns:a14="http://schemas.microsoft.com/office/drawing/2010/main" val="0"/>
               </a:ext>
               <a:ext uri="{96DAC541-7B7A-43D3-8B79-37D633B846F1}">
-                <asvg:svgBlip xmlns:asvg="http://schemas.microsoft.com/office/drawing/2016/SVG/main" r:embed="rId41"/>
+                <asvg:svgBlip xmlns:asvg="http://schemas.microsoft.com/office/drawing/2016/SVG/main" r:embed="rId40"/>
               </a:ext>
             </a:extLst>
           </a:blip>
@@ -7422,7 +7563,7 @@
         </p:blipFill>
         <p:spPr>
           <a:xfrm>
-            <a:off x="748913" y="38559022"/>
+            <a:off x="7744929" y="39449263"/>
             <a:ext cx="1092565" cy="1092565"/>
           </a:xfrm>
           <a:prstGeom prst="rect">
@@ -7445,13 +7586,13 @@
           <p:nvPr/>
         </p:nvPicPr>
         <p:blipFill>
-          <a:blip r:embed="rId38">
+          <a:blip r:embed="rId37">
             <a:extLst>
               <a:ext uri="{28A0092B-C50C-407E-A947-70E740481C1C}">
                 <a14:useLocalDpi xmlns:a14="http://schemas.microsoft.com/office/drawing/2010/main" val="0"/>
               </a:ext>
               <a:ext uri="{96DAC541-7B7A-43D3-8B79-37D633B846F1}">
-                <asvg:svgBlip xmlns:asvg="http://schemas.microsoft.com/office/drawing/2016/SVG/main" r:embed="rId39"/>
+                <asvg:svgBlip xmlns:asvg="http://schemas.microsoft.com/office/drawing/2016/SVG/main" r:embed="rId38"/>
               </a:ext>
             </a:extLst>
           </a:blip>
@@ -7461,7 +7602,7 @@
         </p:blipFill>
         <p:spPr>
           <a:xfrm>
-            <a:off x="9035191" y="21123059"/>
+            <a:off x="8691304" y="23360242"/>
             <a:ext cx="914400" cy="914400"/>
           </a:xfrm>
           <a:prstGeom prst="rect">
@@ -7484,13 +7625,13 @@
           <p:nvPr/>
         </p:nvPicPr>
         <p:blipFill>
-          <a:blip r:embed="rId38">
+          <a:blip r:embed="rId37">
             <a:extLst>
               <a:ext uri="{28A0092B-C50C-407E-A947-70E740481C1C}">
                 <a14:useLocalDpi xmlns:a14="http://schemas.microsoft.com/office/drawing/2010/main" val="0"/>
               </a:ext>
               <a:ext uri="{96DAC541-7B7A-43D3-8B79-37D633B846F1}">
-                <asvg:svgBlip xmlns:asvg="http://schemas.microsoft.com/office/drawing/2016/SVG/main" r:embed="rId39"/>
+                <asvg:svgBlip xmlns:asvg="http://schemas.microsoft.com/office/drawing/2016/SVG/main" r:embed="rId38"/>
               </a:ext>
             </a:extLst>
           </a:blip>
@@ -7500,7 +7641,7 @@
         </p:blipFill>
         <p:spPr>
           <a:xfrm>
-            <a:off x="14110570" y="22737301"/>
+            <a:off x="13766683" y="24974484"/>
             <a:ext cx="914400" cy="914400"/>
           </a:xfrm>
           <a:prstGeom prst="rect">
@@ -7523,13 +7664,13 @@
           <p:nvPr/>
         </p:nvPicPr>
         <p:blipFill>
-          <a:blip r:embed="rId38">
+          <a:blip r:embed="rId37">
             <a:extLst>
               <a:ext uri="{28A0092B-C50C-407E-A947-70E740481C1C}">
                 <a14:useLocalDpi xmlns:a14="http://schemas.microsoft.com/office/drawing/2010/main" val="0"/>
               </a:ext>
               <a:ext uri="{96DAC541-7B7A-43D3-8B79-37D633B846F1}">
-                <asvg:svgBlip xmlns:asvg="http://schemas.microsoft.com/office/drawing/2016/SVG/main" r:embed="rId39"/>
+                <asvg:svgBlip xmlns:asvg="http://schemas.microsoft.com/office/drawing/2016/SVG/main" r:embed="rId38"/>
               </a:ext>
             </a:extLst>
           </a:blip>
@@ -7539,7 +7680,7 @@
         </p:blipFill>
         <p:spPr>
           <a:xfrm>
-            <a:off x="8148176" y="27539658"/>
+            <a:off x="7804289" y="29776841"/>
             <a:ext cx="914400" cy="914400"/>
           </a:xfrm>
           <a:prstGeom prst="rect">
@@ -7562,13 +7703,13 @@
           <p:nvPr/>
         </p:nvPicPr>
         <p:blipFill>
-          <a:blip r:embed="rId38">
+          <a:blip r:embed="rId37">
             <a:extLst>
               <a:ext uri="{28A0092B-C50C-407E-A947-70E740481C1C}">
                 <a14:useLocalDpi xmlns:a14="http://schemas.microsoft.com/office/drawing/2010/main" val="0"/>
               </a:ext>
               <a:ext uri="{96DAC541-7B7A-43D3-8B79-37D633B846F1}">
-                <asvg:svgBlip xmlns:asvg="http://schemas.microsoft.com/office/drawing/2016/SVG/main" r:embed="rId39"/>
+                <asvg:svgBlip xmlns:asvg="http://schemas.microsoft.com/office/drawing/2016/SVG/main" r:embed="rId38"/>
               </a:ext>
             </a:extLst>
           </a:blip>
@@ -7578,7 +7719,7 @@
         </p:blipFill>
         <p:spPr>
           <a:xfrm>
-            <a:off x="2762543" y="27442723"/>
+            <a:off x="2418656" y="29679906"/>
             <a:ext cx="914400" cy="914400"/>
           </a:xfrm>
           <a:prstGeom prst="rect">
@@ -7602,7 +7743,7 @@
         </p:nvCxnSpPr>
         <p:spPr>
           <a:xfrm flipH="1">
-            <a:off x="3591515" y="26020762"/>
+            <a:off x="3247628" y="28257945"/>
             <a:ext cx="1269991" cy="3018387"/>
           </a:xfrm>
           <a:prstGeom prst="straightConnector1">
@@ -7646,13 +7787,13 @@
           <p:nvPr/>
         </p:nvPicPr>
         <p:blipFill>
-          <a:blip r:embed="rId40">
+          <a:blip r:embed="rId39">
             <a:extLst>
               <a:ext uri="{28A0092B-C50C-407E-A947-70E740481C1C}">
                 <a14:useLocalDpi xmlns:a14="http://schemas.microsoft.com/office/drawing/2010/main" val="0"/>
               </a:ext>
               <a:ext uri="{96DAC541-7B7A-43D3-8B79-37D633B846F1}">
-                <asvg:svgBlip xmlns:asvg="http://schemas.microsoft.com/office/drawing/2016/SVG/main" r:embed="rId41"/>
+                <asvg:svgBlip xmlns:asvg="http://schemas.microsoft.com/office/drawing/2016/SVG/main" r:embed="rId40"/>
               </a:ext>
             </a:extLst>
           </a:blip>
@@ -7662,7 +7803,7 @@
         </p:blipFill>
         <p:spPr>
           <a:xfrm>
-            <a:off x="4287809" y="27615147"/>
+            <a:off x="3943922" y="29852330"/>
             <a:ext cx="727916" cy="727918"/>
           </a:xfrm>
           <a:prstGeom prst="rect">
@@ -7684,7 +7825,7 @@
         </p:nvSpPr>
         <p:spPr>
           <a:xfrm>
-            <a:off x="22310760" y="37284589"/>
+            <a:off x="9190579" y="38194379"/>
             <a:ext cx="4727055" cy="769441"/>
           </a:xfrm>
           <a:prstGeom prst="rect">
@@ -7722,7 +7863,7 @@
         </p:nvSpPr>
         <p:spPr>
           <a:xfrm>
-            <a:off x="22289663" y="38690412"/>
+            <a:off x="18277938" y="38679822"/>
             <a:ext cx="5240095" cy="769441"/>
           </a:xfrm>
           <a:prstGeom prst="rect">
@@ -7761,13 +7902,13 @@
           <p:nvPr/>
         </p:nvPicPr>
         <p:blipFill>
-          <a:blip r:embed="rId42">
+          <a:blip r:embed="rId41">
             <a:extLst>
               <a:ext uri="{28A0092B-C50C-407E-A947-70E740481C1C}">
                 <a14:useLocalDpi xmlns:a14="http://schemas.microsoft.com/office/drawing/2010/main" val="0"/>
               </a:ext>
               <a:ext uri="{96DAC541-7B7A-43D3-8B79-37D633B846F1}">
-                <asvg:svgBlip xmlns:asvg="http://schemas.microsoft.com/office/drawing/2016/SVG/main" r:embed="rId43"/>
+                <asvg:svgBlip xmlns:asvg="http://schemas.microsoft.com/office/drawing/2016/SVG/main" r:embed="rId42"/>
               </a:ext>
             </a:extLst>
           </a:blip>
@@ -7777,8 +7918,8 @@
         </p:blipFill>
         <p:spPr>
           <a:xfrm>
-            <a:off x="21343323" y="38648104"/>
-            <a:ext cx="914400" cy="914400"/>
+            <a:off x="16815812" y="38432261"/>
+            <a:ext cx="1302591" cy="1302591"/>
           </a:xfrm>
           <a:prstGeom prst="rect">
             <a:avLst/>
@@ -7787,10 +7928,10 @@
       </p:pic>
       <p:pic>
         <p:nvPicPr>
-          <p:cNvPr id="228" name="Picture 227">
-            <a:extLst>
-              <a:ext uri="{FF2B5EF4-FFF2-40B4-BE49-F238E27FC236}">
-                <a16:creationId xmlns:a16="http://schemas.microsoft.com/office/drawing/2014/main" id="{EAC81F9B-FE95-3D1B-0AA0-826C2A72CEA5}"/>
+          <p:cNvPr id="252" name="Graphic 251" descr="Scientist female outline">
+            <a:extLst>
+              <a:ext uri="{FF2B5EF4-FFF2-40B4-BE49-F238E27FC236}">
+                <a16:creationId xmlns:a16="http://schemas.microsoft.com/office/drawing/2014/main" id="{DB9B460D-394A-4ED3-C559-8A7C654096FA}"/>
               </a:ext>
             </a:extLst>
           </p:cNvPr>
@@ -7800,267 +7941,13 @@
           <p:nvPr/>
         </p:nvPicPr>
         <p:blipFill>
-          <a:blip r:embed="rId44"/>
-          <a:stretch>
-            <a:fillRect/>
-          </a:stretch>
-        </p:blipFill>
-        <p:spPr>
-          <a:xfrm>
-            <a:off x="21237585" y="37380981"/>
-            <a:ext cx="923356" cy="923356"/>
-          </a:xfrm>
-          <a:prstGeom prst="rect">
-            <a:avLst/>
-          </a:prstGeom>
-        </p:spPr>
-      </p:pic>
-      <p:sp>
-        <p:nvSpPr>
-          <p:cNvPr id="248" name="Rectangle: Rounded Corners 247">
-            <a:extLst>
-              <a:ext uri="{FF2B5EF4-FFF2-40B4-BE49-F238E27FC236}">
-                <a16:creationId xmlns:a16="http://schemas.microsoft.com/office/drawing/2014/main" id="{D13A40BC-066D-2EEA-79D9-22FF5B4B3159}"/>
-              </a:ext>
-            </a:extLst>
-          </p:cNvPr>
-          <p:cNvSpPr/>
-          <p:nvPr/>
-        </p:nvSpPr>
-        <p:spPr>
-          <a:xfrm>
-            <a:off x="343459" y="35687029"/>
-            <a:ext cx="29363022" cy="4356108"/>
-          </a:xfrm>
-          <a:prstGeom prst="roundRect">
-            <a:avLst/>
-          </a:prstGeom>
-          <a:noFill/>
-          <a:ln>
-            <a:solidFill>
-              <a:srgbClr val="0070C0"/>
-            </a:solidFill>
-          </a:ln>
-        </p:spPr>
-        <p:style>
-          <a:lnRef idx="2">
-            <a:schemeClr val="accent1">
-              <a:shade val="50000"/>
-            </a:schemeClr>
-          </a:lnRef>
-          <a:fillRef idx="1">
-            <a:schemeClr val="accent1"/>
-          </a:fillRef>
-          <a:effectRef idx="0">
-            <a:schemeClr val="accent1"/>
-          </a:effectRef>
-          <a:fontRef idx="minor">
-            <a:schemeClr val="lt1"/>
-          </a:fontRef>
-        </p:style>
-        <p:txBody>
-          <a:bodyPr rtlCol="0" anchor="ctr"/>
-          <a:lstStyle/>
-          <a:p>
-            <a:pPr algn="ctr"/>
-            <a:endParaRPr lang="en-BE">
-              <a:solidFill>
-                <a:srgbClr val="0070C0"/>
-              </a:solidFill>
-            </a:endParaRPr>
-          </a:p>
-        </p:txBody>
-      </p:sp>
-      <p:sp>
-        <p:nvSpPr>
-          <p:cNvPr id="249" name="Rectangle: Rounded Corners 248">
-            <a:extLst>
-              <a:ext uri="{FF2B5EF4-FFF2-40B4-BE49-F238E27FC236}">
-                <a16:creationId xmlns:a16="http://schemas.microsoft.com/office/drawing/2014/main" id="{76D83413-AA97-B7F8-1F5F-BBF0DFCE404D}"/>
-              </a:ext>
-            </a:extLst>
-          </p:cNvPr>
-          <p:cNvSpPr/>
-          <p:nvPr/>
-        </p:nvSpPr>
-        <p:spPr>
-          <a:xfrm>
-            <a:off x="279364" y="11383855"/>
-            <a:ext cx="12798871" cy="6011028"/>
-          </a:xfrm>
-          <a:prstGeom prst="roundRect">
-            <a:avLst/>
-          </a:prstGeom>
-          <a:noFill/>
-          <a:ln>
-            <a:solidFill>
-              <a:srgbClr val="0070C0"/>
-            </a:solidFill>
-          </a:ln>
-        </p:spPr>
-        <p:style>
-          <a:lnRef idx="2">
-            <a:schemeClr val="accent1">
-              <a:shade val="50000"/>
-            </a:schemeClr>
-          </a:lnRef>
-          <a:fillRef idx="1">
-            <a:schemeClr val="accent1"/>
-          </a:fillRef>
-          <a:effectRef idx="0">
-            <a:schemeClr val="accent1"/>
-          </a:effectRef>
-          <a:fontRef idx="minor">
-            <a:schemeClr val="lt1"/>
-          </a:fontRef>
-        </p:style>
-        <p:txBody>
-          <a:bodyPr rtlCol="0" anchor="ctr"/>
-          <a:lstStyle/>
-          <a:p>
-            <a:pPr algn="ctr"/>
-            <a:endParaRPr lang="en-BE">
-              <a:solidFill>
-                <a:srgbClr val="0070C0"/>
-              </a:solidFill>
-            </a:endParaRPr>
-          </a:p>
-        </p:txBody>
-      </p:sp>
-      <p:sp>
-        <p:nvSpPr>
-          <p:cNvPr id="250" name="Rectangle: Rounded Corners 249">
-            <a:extLst>
-              <a:ext uri="{FF2B5EF4-FFF2-40B4-BE49-F238E27FC236}">
-                <a16:creationId xmlns:a16="http://schemas.microsoft.com/office/drawing/2014/main" id="{5BA2FAA4-4CD3-6FA2-DADC-B903EA1B84AA}"/>
-              </a:ext>
-            </a:extLst>
-          </p:cNvPr>
-          <p:cNvSpPr/>
-          <p:nvPr/>
-        </p:nvSpPr>
-        <p:spPr>
-          <a:xfrm>
-            <a:off x="279363" y="4271472"/>
-            <a:ext cx="12798871" cy="6383081"/>
-          </a:xfrm>
-          <a:prstGeom prst="roundRect">
-            <a:avLst/>
-          </a:prstGeom>
-          <a:noFill/>
-          <a:ln>
-            <a:solidFill>
-              <a:srgbClr val="0070C0"/>
-            </a:solidFill>
-          </a:ln>
-        </p:spPr>
-        <p:style>
-          <a:lnRef idx="2">
-            <a:schemeClr val="accent1">
-              <a:shade val="50000"/>
-            </a:schemeClr>
-          </a:lnRef>
-          <a:fillRef idx="1">
-            <a:schemeClr val="accent1"/>
-          </a:fillRef>
-          <a:effectRef idx="0">
-            <a:schemeClr val="accent1"/>
-          </a:effectRef>
-          <a:fontRef idx="minor">
-            <a:schemeClr val="lt1"/>
-          </a:fontRef>
-        </p:style>
-        <p:txBody>
-          <a:bodyPr rtlCol="0" anchor="ctr"/>
-          <a:lstStyle/>
-          <a:p>
-            <a:pPr algn="ctr"/>
-            <a:endParaRPr lang="en-BE">
-              <a:solidFill>
-                <a:srgbClr val="0070C0"/>
-              </a:solidFill>
-            </a:endParaRPr>
-          </a:p>
-        </p:txBody>
-      </p:sp>
-      <p:sp>
-        <p:nvSpPr>
-          <p:cNvPr id="251" name="Rectangle: Rounded Corners 250">
-            <a:extLst>
-              <a:ext uri="{FF2B5EF4-FFF2-40B4-BE49-F238E27FC236}">
-                <a16:creationId xmlns:a16="http://schemas.microsoft.com/office/drawing/2014/main" id="{B0038068-00E7-F7E7-5D58-EBC77D73E8A1}"/>
-              </a:ext>
-            </a:extLst>
-          </p:cNvPr>
-          <p:cNvSpPr/>
-          <p:nvPr/>
-        </p:nvSpPr>
-        <p:spPr>
-          <a:xfrm>
-            <a:off x="13757975" y="4269735"/>
-            <a:ext cx="15884411" cy="13126874"/>
-          </a:xfrm>
-          <a:prstGeom prst="roundRect">
-            <a:avLst/>
-          </a:prstGeom>
-          <a:noFill/>
-          <a:ln>
-            <a:solidFill>
-              <a:srgbClr val="0070C0"/>
-            </a:solidFill>
-          </a:ln>
-        </p:spPr>
-        <p:style>
-          <a:lnRef idx="2">
-            <a:schemeClr val="accent1">
-              <a:shade val="50000"/>
-            </a:schemeClr>
-          </a:lnRef>
-          <a:fillRef idx="1">
-            <a:schemeClr val="accent1"/>
-          </a:fillRef>
-          <a:effectRef idx="0">
-            <a:schemeClr val="accent1"/>
-          </a:effectRef>
-          <a:fontRef idx="minor">
-            <a:schemeClr val="lt1"/>
-          </a:fontRef>
-        </p:style>
-        <p:txBody>
-          <a:bodyPr rtlCol="0" anchor="ctr"/>
-          <a:lstStyle/>
-          <a:p>
-            <a:pPr algn="ctr"/>
-            <a:endParaRPr lang="en-BE">
-              <a:solidFill>
-                <a:srgbClr val="0070C0"/>
-              </a:solidFill>
-            </a:endParaRPr>
-          </a:p>
-        </p:txBody>
-      </p:sp>
-      <p:pic>
-        <p:nvPicPr>
-          <p:cNvPr id="252" name="Graphic 251" descr="Scientist female outline">
-            <a:extLst>
-              <a:ext uri="{FF2B5EF4-FFF2-40B4-BE49-F238E27FC236}">
-                <a16:creationId xmlns:a16="http://schemas.microsoft.com/office/drawing/2014/main" id="{DB9B460D-394A-4ED3-C559-8A7C654096FA}"/>
-              </a:ext>
-            </a:extLst>
-          </p:cNvPr>
-          <p:cNvPicPr>
-            <a:picLocks noChangeAspect="1"/>
-          </p:cNvPicPr>
-          <p:nvPr/>
-        </p:nvPicPr>
-        <p:blipFill>
-          <a:blip r:embed="rId34">
+          <a:blip r:embed="rId33">
             <a:extLst>
               <a:ext uri="{28A0092B-C50C-407E-A947-70E740481C1C}">
                 <a14:useLocalDpi xmlns:a14="http://schemas.microsoft.com/office/drawing/2010/main" val="0"/>
               </a:ext>
               <a:ext uri="{96DAC541-7B7A-43D3-8B79-37D633B846F1}">
-                <asvg:svgBlip xmlns:asvg="http://schemas.microsoft.com/office/drawing/2016/SVG/main" r:embed="rId35"/>
+                <asvg:svgBlip xmlns:asvg="http://schemas.microsoft.com/office/drawing/2016/SVG/main" r:embed="rId34"/>
               </a:ext>
             </a:extLst>
           </a:blip>
@@ -8070,7 +7957,7 @@
         </p:blipFill>
         <p:spPr>
           <a:xfrm>
-            <a:off x="25992808" y="10965147"/>
+            <a:off x="25992808" y="12910714"/>
             <a:ext cx="2227424" cy="2227424"/>
           </a:xfrm>
           <a:prstGeom prst="rect">
@@ -8092,7 +7979,7 @@
         </p:nvSpPr>
         <p:spPr>
           <a:xfrm>
-            <a:off x="25666606" y="12868656"/>
+            <a:off x="25666606" y="14814223"/>
             <a:ext cx="2879827" cy="769441"/>
           </a:xfrm>
           <a:prstGeom prst="rect">
@@ -8132,7 +8019,7 @@
         </p:nvCxnSpPr>
         <p:spPr>
           <a:xfrm>
-            <a:off x="23625254" y="10647277"/>
+            <a:off x="23625254" y="12592844"/>
             <a:ext cx="2292701" cy="1290997"/>
           </a:xfrm>
           <a:prstGeom prst="straightConnector1">
@@ -8175,7 +8062,7 @@
         </p:nvSpPr>
         <p:spPr>
           <a:xfrm rot="1949168">
-            <a:off x="24360517" y="10690145"/>
+            <a:off x="24360517" y="12635712"/>
             <a:ext cx="1131482" cy="1323439"/>
           </a:xfrm>
           <a:prstGeom prst="rect">
@@ -8192,7 +8079,7 @@
             <a:r>
               <a:rPr lang="en-US" sz="8000" dirty="0">
                 <a:solidFill>
-                  <a:srgbClr val="FF0000"/>
+                  <a:srgbClr val="C00000"/>
                 </a:solidFill>
                 <a:latin typeface="Cambria" panose="02040503050406030204" pitchFamily="18" charset="0"/>
                 <a:ea typeface="Cambria" panose="02040503050406030204" pitchFamily="18" charset="0"/>
@@ -8202,36 +8089,6 @@
           </a:p>
         </p:txBody>
       </p:sp>
-      <p:pic>
-        <p:nvPicPr>
-          <p:cNvPr id="2052" name="Picture 2051">
-            <a:extLst>
-              <a:ext uri="{FF2B5EF4-FFF2-40B4-BE49-F238E27FC236}">
-                <a16:creationId xmlns:a16="http://schemas.microsoft.com/office/drawing/2014/main" id="{AC7EA266-ED4F-74F1-EE7B-CC86AC8EB4AF}"/>
-              </a:ext>
-            </a:extLst>
-          </p:cNvPr>
-          <p:cNvPicPr>
-            <a:picLocks noChangeAspect="1"/>
-          </p:cNvPicPr>
-          <p:nvPr/>
-        </p:nvPicPr>
-        <p:blipFill>
-          <a:blip r:embed="rId16"/>
-          <a:stretch>
-            <a:fillRect/>
-          </a:stretch>
-        </p:blipFill>
-        <p:spPr>
-          <a:xfrm>
-            <a:off x="14042432" y="31366550"/>
-            <a:ext cx="1028702" cy="1109665"/>
-          </a:xfrm>
-          <a:prstGeom prst="rect">
-            <a:avLst/>
-          </a:prstGeom>
-        </p:spPr>
-      </p:pic>
       <p:pic>
         <p:nvPicPr>
           <p:cNvPr id="2053" name="Picture 2052">
@@ -8254,7 +8111,7 @@
         </p:blipFill>
         <p:spPr>
           <a:xfrm>
-            <a:off x="20001620" y="25999894"/>
+            <a:off x="18834548" y="28430823"/>
             <a:ext cx="1401572" cy="1282120"/>
           </a:xfrm>
           <a:prstGeom prst="rect">
@@ -8278,7 +8135,7 @@
         </p:nvCxnSpPr>
         <p:spPr>
           <a:xfrm>
-            <a:off x="17917279" y="7650455"/>
+            <a:off x="17917279" y="9596022"/>
             <a:ext cx="2817268" cy="1557918"/>
           </a:xfrm>
           <a:prstGeom prst="straightConnector1">
@@ -8322,14 +8179,14 @@
           <p:nvPr/>
         </p:nvPicPr>
         <p:blipFill>
-          <a:blip r:embed="rId29"/>
+          <a:blip r:embed="rId28"/>
           <a:stretch>
             <a:fillRect/>
           </a:stretch>
         </p:blipFill>
         <p:spPr>
           <a:xfrm>
-            <a:off x="16394705" y="6838842"/>
+            <a:off x="16394705" y="8784409"/>
             <a:ext cx="1446550" cy="1446550"/>
           </a:xfrm>
           <a:prstGeom prst="rect">
@@ -8352,7 +8209,7 @@
           <p:nvPr/>
         </p:nvPicPr>
         <p:blipFill>
-          <a:blip r:embed="rId29">
+          <a:blip r:embed="rId28">
             <a:duotone>
               <a:schemeClr val="accent2">
                 <a:shade val="45000"/>
@@ -8367,7 +8224,7 @@
         </p:blipFill>
         <p:spPr>
           <a:xfrm>
-            <a:off x="26247288" y="7368222"/>
+            <a:off x="26247288" y="9313789"/>
             <a:ext cx="1446550" cy="1446550"/>
           </a:xfrm>
           <a:prstGeom prst="rect">
@@ -8390,13 +8247,13 @@
           <p:nvPr/>
         </p:nvPicPr>
         <p:blipFill>
-          <a:blip r:embed="rId38">
+          <a:blip r:embed="rId37">
             <a:extLst>
               <a:ext uri="{28A0092B-C50C-407E-A947-70E740481C1C}">
                 <a14:useLocalDpi xmlns:a14="http://schemas.microsoft.com/office/drawing/2010/main" val="0"/>
               </a:ext>
               <a:ext uri="{96DAC541-7B7A-43D3-8B79-37D633B846F1}">
-                <asvg:svgBlip xmlns:asvg="http://schemas.microsoft.com/office/drawing/2016/SVG/main" r:embed="rId39"/>
+                <asvg:svgBlip xmlns:asvg="http://schemas.microsoft.com/office/drawing/2016/SVG/main" r:embed="rId38"/>
               </a:ext>
             </a:extLst>
           </a:blip>
@@ -8406,7 +8263,7 @@
         </p:blipFill>
         <p:spPr>
           <a:xfrm>
-            <a:off x="19191772" y="7608586"/>
+            <a:off x="19191772" y="9554153"/>
             <a:ext cx="914400" cy="914400"/>
           </a:xfrm>
           <a:prstGeom prst="rect">
@@ -8428,7 +8285,7 @@
         </p:nvSpPr>
         <p:spPr>
           <a:xfrm>
-            <a:off x="16012937" y="10016632"/>
+            <a:off x="16012937" y="11962199"/>
             <a:ext cx="1839854" cy="1805428"/>
           </a:xfrm>
           <a:prstGeom prst="roundRect">
@@ -8481,13 +8338,13 @@
           <p:nvPr/>
         </p:nvPicPr>
         <p:blipFill>
-          <a:blip r:embed="rId27">
+          <a:blip r:embed="rId26">
             <a:extLst>
               <a:ext uri="{28A0092B-C50C-407E-A947-70E740481C1C}">
                 <a14:useLocalDpi xmlns:a14="http://schemas.microsoft.com/office/drawing/2010/main" val="0"/>
               </a:ext>
               <a:ext uri="{96DAC541-7B7A-43D3-8B79-37D633B846F1}">
-                <asvg:svgBlip xmlns:asvg="http://schemas.microsoft.com/office/drawing/2016/SVG/main" r:embed="rId28"/>
+                <asvg:svgBlip xmlns:asvg="http://schemas.microsoft.com/office/drawing/2016/SVG/main" r:embed="rId27"/>
               </a:ext>
             </a:extLst>
           </a:blip>
@@ -8497,7 +8354,7 @@
         </p:blipFill>
         <p:spPr>
           <a:xfrm>
-            <a:off x="16073564" y="10122703"/>
+            <a:off x="16073564" y="12068270"/>
             <a:ext cx="676125" cy="676125"/>
           </a:xfrm>
           <a:prstGeom prst="rect">
@@ -8520,13 +8377,13 @@
           <p:nvPr/>
         </p:nvPicPr>
         <p:blipFill>
-          <a:blip r:embed="rId27">
+          <a:blip r:embed="rId26">
             <a:extLst>
               <a:ext uri="{28A0092B-C50C-407E-A947-70E740481C1C}">
                 <a14:useLocalDpi xmlns:a14="http://schemas.microsoft.com/office/drawing/2010/main" val="0"/>
               </a:ext>
               <a:ext uri="{96DAC541-7B7A-43D3-8B79-37D633B846F1}">
-                <asvg:svgBlip xmlns:asvg="http://schemas.microsoft.com/office/drawing/2016/SVG/main" r:embed="rId28"/>
+                <asvg:svgBlip xmlns:asvg="http://schemas.microsoft.com/office/drawing/2016/SVG/main" r:embed="rId27"/>
               </a:ext>
             </a:extLst>
           </a:blip>
@@ -8536,7 +8393,7 @@
         </p:blipFill>
         <p:spPr>
           <a:xfrm>
-            <a:off x="16103995" y="10900316"/>
+            <a:off x="16103995" y="12845883"/>
             <a:ext cx="676125" cy="676125"/>
           </a:xfrm>
           <a:prstGeom prst="rect">
@@ -8559,13 +8416,13 @@
           <p:nvPr/>
         </p:nvPicPr>
         <p:blipFill>
-          <a:blip r:embed="rId27">
+          <a:blip r:embed="rId26">
             <a:extLst>
               <a:ext uri="{28A0092B-C50C-407E-A947-70E740481C1C}">
                 <a14:useLocalDpi xmlns:a14="http://schemas.microsoft.com/office/drawing/2010/main" val="0"/>
               </a:ext>
               <a:ext uri="{96DAC541-7B7A-43D3-8B79-37D633B846F1}">
-                <asvg:svgBlip xmlns:asvg="http://schemas.microsoft.com/office/drawing/2016/SVG/main" r:embed="rId28"/>
+                <asvg:svgBlip xmlns:asvg="http://schemas.microsoft.com/office/drawing/2016/SVG/main" r:embed="rId27"/>
               </a:ext>
             </a:extLst>
           </a:blip>
@@ -8575,7 +8432,7 @@
         </p:blipFill>
         <p:spPr>
           <a:xfrm>
-            <a:off x="16660009" y="10515349"/>
+            <a:off x="16660009" y="12460916"/>
             <a:ext cx="676125" cy="676125"/>
           </a:xfrm>
           <a:prstGeom prst="rect">
@@ -8598,13 +8455,13 @@
           <p:nvPr/>
         </p:nvPicPr>
         <p:blipFill>
-          <a:blip r:embed="rId27">
+          <a:blip r:embed="rId26">
             <a:extLst>
               <a:ext uri="{28A0092B-C50C-407E-A947-70E740481C1C}">
                 <a14:useLocalDpi xmlns:a14="http://schemas.microsoft.com/office/drawing/2010/main" val="0"/>
               </a:ext>
               <a:ext uri="{96DAC541-7B7A-43D3-8B79-37D633B846F1}">
-                <asvg:svgBlip xmlns:asvg="http://schemas.microsoft.com/office/drawing/2016/SVG/main" r:embed="rId28"/>
+                <asvg:svgBlip xmlns:asvg="http://schemas.microsoft.com/office/drawing/2016/SVG/main" r:embed="rId27"/>
               </a:ext>
             </a:extLst>
           </a:blip>
@@ -8614,7 +8471,7 @@
         </p:blipFill>
         <p:spPr>
           <a:xfrm>
-            <a:off x="17188791" y="10081758"/>
+            <a:off x="17188791" y="12027325"/>
             <a:ext cx="676125" cy="676125"/>
           </a:xfrm>
           <a:prstGeom prst="rect">
@@ -8637,13 +8494,13 @@
           <p:nvPr/>
         </p:nvPicPr>
         <p:blipFill>
-          <a:blip r:embed="rId27">
+          <a:blip r:embed="rId26">
             <a:extLst>
               <a:ext uri="{28A0092B-C50C-407E-A947-70E740481C1C}">
                 <a14:useLocalDpi xmlns:a14="http://schemas.microsoft.com/office/drawing/2010/main" val="0"/>
               </a:ext>
               <a:ext uri="{96DAC541-7B7A-43D3-8B79-37D633B846F1}">
-                <asvg:svgBlip xmlns:asvg="http://schemas.microsoft.com/office/drawing/2016/SVG/main" r:embed="rId28"/>
+                <asvg:svgBlip xmlns:asvg="http://schemas.microsoft.com/office/drawing/2016/SVG/main" r:embed="rId27"/>
               </a:ext>
             </a:extLst>
           </a:blip>
@@ -8653,7 +8510,7 @@
         </p:blipFill>
         <p:spPr>
           <a:xfrm>
-            <a:off x="17172017" y="11003223"/>
+            <a:off x="17172017" y="12948790"/>
             <a:ext cx="676125" cy="676125"/>
           </a:xfrm>
           <a:prstGeom prst="rect">
@@ -8678,7 +8535,7 @@
         </p:nvCxnSpPr>
         <p:spPr>
           <a:xfrm flipV="1">
-            <a:off x="17864916" y="9981510"/>
+            <a:off x="17864916" y="11927077"/>
             <a:ext cx="4259271" cy="438311"/>
           </a:xfrm>
           <a:prstGeom prst="straightConnector1">
@@ -8722,7 +8579,7 @@
         </p:nvSpPr>
         <p:spPr>
           <a:xfrm rot="21260167">
-            <a:off x="19389443" y="9544874"/>
+            <a:off x="19426853" y="11448880"/>
             <a:ext cx="1131482" cy="1323439"/>
           </a:xfrm>
           <a:prstGeom prst="rect">
@@ -8739,7 +8596,7 @@
             <a:r>
               <a:rPr lang="en-US" sz="8000" dirty="0">
                 <a:solidFill>
-                  <a:srgbClr val="FF0000"/>
+                  <a:srgbClr val="C00000"/>
                 </a:solidFill>
                 <a:latin typeface="Cambria" panose="02040503050406030204" pitchFamily="18" charset="0"/>
                 <a:ea typeface="Cambria" panose="02040503050406030204" pitchFamily="18" charset="0"/>
@@ -8764,13 +8621,13 @@
           <p:nvPr/>
         </p:nvPicPr>
         <p:blipFill>
-          <a:blip r:embed="rId32">
+          <a:blip r:embed="rId31">
             <a:extLst>
               <a:ext uri="{28A0092B-C50C-407E-A947-70E740481C1C}">
                 <a14:useLocalDpi xmlns:a14="http://schemas.microsoft.com/office/drawing/2010/main" val="0"/>
               </a:ext>
               <a:ext uri="{96DAC541-7B7A-43D3-8B79-37D633B846F1}">
-                <asvg:svgBlip xmlns:asvg="http://schemas.microsoft.com/office/drawing/2016/SVG/main" r:embed="rId33"/>
+                <asvg:svgBlip xmlns:asvg="http://schemas.microsoft.com/office/drawing/2016/SVG/main" r:embed="rId32"/>
               </a:ext>
             </a:extLst>
           </a:blip>
@@ -8780,7 +8637,7 @@
         </p:blipFill>
         <p:spPr>
           <a:xfrm>
-            <a:off x="26171264" y="5823819"/>
+            <a:off x="26171264" y="7769386"/>
             <a:ext cx="1598597" cy="1598597"/>
           </a:xfrm>
           <a:prstGeom prst="rect">
@@ -8802,7 +8659,7 @@
         </p:nvSpPr>
         <p:spPr>
           <a:xfrm>
-            <a:off x="15579885" y="11789358"/>
+            <a:off x="15579885" y="13734925"/>
             <a:ext cx="3123511" cy="584775"/>
           </a:xfrm>
           <a:prstGeom prst="rect">
@@ -8828,10 +8685,156 @@
       </p:sp>
       <p:sp>
         <p:nvSpPr>
-          <p:cNvPr id="2075" name="Rectangle: Diagonal Corners Rounded 2074">
-            <a:extLst>
-              <a:ext uri="{FF2B5EF4-FFF2-40B4-BE49-F238E27FC236}">
-                <a16:creationId xmlns:a16="http://schemas.microsoft.com/office/drawing/2014/main" id="{09EDDF03-D563-59E9-1BD8-ED273337E1D6}"/>
+          <p:cNvPr id="7" name="TextBox 6">
+            <a:extLst>
+              <a:ext uri="{FF2B5EF4-FFF2-40B4-BE49-F238E27FC236}">
+                <a16:creationId xmlns:a16="http://schemas.microsoft.com/office/drawing/2014/main" id="{321C3D0E-D6D1-BDBF-75EA-5550024413A7}"/>
+              </a:ext>
+            </a:extLst>
+          </p:cNvPr>
+          <p:cNvSpPr txBox="1"/>
+          <p:nvPr/>
+        </p:nvSpPr>
+        <p:spPr>
+          <a:xfrm>
+            <a:off x="21020305" y="20101687"/>
+            <a:ext cx="6878725" cy="1015663"/>
+          </a:xfrm>
+          <a:prstGeom prst="rect">
+            <a:avLst/>
+          </a:prstGeom>
+          <a:noFill/>
+        </p:spPr>
+        <p:txBody>
+          <a:bodyPr wrap="square" rtlCol="0">
+            <a:spAutoFit/>
+          </a:bodyPr>
+          <a:lstStyle/>
+          <a:p>
+            <a:r>
+              <a:rPr lang="en-US" sz="6000" b="1" dirty="0">
+                <a:latin typeface="Cambria" panose="02040503050406030204" pitchFamily="18" charset="0"/>
+                <a:ea typeface="Cambria" panose="02040503050406030204" pitchFamily="18" charset="0"/>
+              </a:rPr>
+              <a:t>Key Challenges</a:t>
+            </a:r>
+          </a:p>
+        </p:txBody>
+      </p:sp>
+      <p:pic>
+        <p:nvPicPr>
+          <p:cNvPr id="8" name="Picture 7">
+            <a:extLst>
+              <a:ext uri="{FF2B5EF4-FFF2-40B4-BE49-F238E27FC236}">
+                <a16:creationId xmlns:a16="http://schemas.microsoft.com/office/drawing/2014/main" id="{C8943117-8551-4CE9-F195-230FEF8A0020}"/>
+              </a:ext>
+            </a:extLst>
+          </p:cNvPr>
+          <p:cNvPicPr>
+            <a:picLocks noChangeAspect="1"/>
+          </p:cNvPicPr>
+          <p:nvPr/>
+        </p:nvPicPr>
+        <p:blipFill>
+          <a:blip r:embed="rId43"/>
+          <a:stretch>
+            <a:fillRect/>
+          </a:stretch>
+        </p:blipFill>
+        <p:spPr>
+          <a:xfrm>
+            <a:off x="7678595" y="38032684"/>
+            <a:ext cx="1225233" cy="1050873"/>
+          </a:xfrm>
+          <a:prstGeom prst="rect">
+            <a:avLst/>
+          </a:prstGeom>
+        </p:spPr>
+      </p:pic>
+      <p:pic>
+        <p:nvPicPr>
+          <p:cNvPr id="20" name="Graphic 19">
+            <a:extLst>
+              <a:ext uri="{FF2B5EF4-FFF2-40B4-BE49-F238E27FC236}">
+                <a16:creationId xmlns:a16="http://schemas.microsoft.com/office/drawing/2014/main" id="{6FE962E2-F458-E2C5-FECF-E78E5A55145F}"/>
+              </a:ext>
+            </a:extLst>
+          </p:cNvPr>
+          <p:cNvPicPr>
+            <a:picLocks noChangeAspect="1"/>
+          </p:cNvPicPr>
+          <p:nvPr/>
+        </p:nvPicPr>
+        <p:blipFill>
+          <a:blip r:embed="rId44" cstate="print">
+            <a:extLst>
+              <a:ext uri="{28A0092B-C50C-407E-A947-70E740481C1C}">
+                <a14:useLocalDpi xmlns:a14="http://schemas.microsoft.com/office/drawing/2010/main" val="0"/>
+              </a:ext>
+              <a:ext uri="{96DAC541-7B7A-43D3-8B79-37D633B846F1}">
+                <asvg:svgBlip xmlns:asvg="http://schemas.microsoft.com/office/drawing/2016/SVG/main" r:embed="rId45"/>
+              </a:ext>
+            </a:extLst>
+          </a:blip>
+          <a:stretch>
+            <a:fillRect/>
+          </a:stretch>
+        </p:blipFill>
+        <p:spPr>
+          <a:xfrm>
+            <a:off x="13801595" y="33619950"/>
+            <a:ext cx="1222638" cy="1321175"/>
+          </a:xfrm>
+          <a:prstGeom prst="rect">
+            <a:avLst/>
+          </a:prstGeom>
+        </p:spPr>
+      </p:pic>
+      <p:pic>
+        <p:nvPicPr>
+          <p:cNvPr id="21" name="Graphic 20">
+            <a:extLst>
+              <a:ext uri="{FF2B5EF4-FFF2-40B4-BE49-F238E27FC236}">
+                <a16:creationId xmlns:a16="http://schemas.microsoft.com/office/drawing/2014/main" id="{B989D144-2C3E-E318-AFD6-2AEB8DD3409B}"/>
+              </a:ext>
+            </a:extLst>
+          </p:cNvPr>
+          <p:cNvPicPr>
+            <a:picLocks noChangeAspect="1"/>
+          </p:cNvPicPr>
+          <p:nvPr/>
+        </p:nvPicPr>
+        <p:blipFill>
+          <a:blip r:embed="rId44" cstate="print">
+            <a:extLst>
+              <a:ext uri="{28A0092B-C50C-407E-A947-70E740481C1C}">
+                <a14:useLocalDpi xmlns:a14="http://schemas.microsoft.com/office/drawing/2010/main" val="0"/>
+              </a:ext>
+              <a:ext uri="{96DAC541-7B7A-43D3-8B79-37D633B846F1}">
+                <asvg:svgBlip xmlns:asvg="http://schemas.microsoft.com/office/drawing/2016/SVG/main" r:embed="rId45"/>
+              </a:ext>
+            </a:extLst>
+          </a:blip>
+          <a:stretch>
+            <a:fillRect/>
+          </a:stretch>
+        </p:blipFill>
+        <p:spPr>
+          <a:xfrm>
+            <a:off x="3011405" y="27305173"/>
+            <a:ext cx="1015008" cy="1096811"/>
+          </a:xfrm>
+          <a:prstGeom prst="rect">
+            <a:avLst/>
+          </a:prstGeom>
+        </p:spPr>
+      </p:pic>
+      <p:sp>
+        <p:nvSpPr>
+          <p:cNvPr id="24" name="Arrow: Bent-Up 23">
+            <a:extLst>
+              <a:ext uri="{FF2B5EF4-FFF2-40B4-BE49-F238E27FC236}">
+                <a16:creationId xmlns:a16="http://schemas.microsoft.com/office/drawing/2014/main" id="{54C78F69-01FE-28AA-3D17-051527823276}"/>
               </a:ext>
             </a:extLst>
           </p:cNvPr>
@@ -8839,24 +8842,29 @@
           <p:nvPr/>
         </p:nvSpPr>
         <p:spPr>
-          <a:xfrm rot="10800000" flipV="1">
-            <a:off x="279364" y="17805066"/>
-            <a:ext cx="29363022" cy="17543032"/>
-          </a:xfrm>
-          <a:prstGeom prst="round2DiagRect">
-            <a:avLst/>
-          </a:prstGeom>
-          <a:noFill/>
+          <a:xfrm rot="5400000">
+            <a:off x="21656609" y="22880315"/>
+            <a:ext cx="547798" cy="711471"/>
+          </a:xfrm>
+          <a:prstGeom prst="bentUpArrow">
+            <a:avLst/>
+          </a:prstGeom>
+          <a:solidFill>
+            <a:schemeClr val="tx2">
+              <a:lumMod val="10000"/>
+              <a:lumOff val="90000"/>
+            </a:schemeClr>
+          </a:solidFill>
           <a:ln>
             <a:solidFill>
-              <a:srgbClr val="0070C0"/>
+              <a:schemeClr val="tx1"/>
             </a:solidFill>
           </a:ln>
         </p:spPr>
         <p:style>
           <a:lnRef idx="2">
             <a:schemeClr val="accent1">
-              <a:shade val="50000"/>
+              <a:shade val="15000"/>
             </a:schemeClr>
           </a:lnRef>
           <a:fillRef idx="1">
@@ -8874,10 +8882,1008 @@
           <a:lstStyle/>
           <a:p>
             <a:pPr algn="ctr"/>
-            <a:endParaRPr lang="en-BE"/>
-          </a:p>
-        </p:txBody>
-      </p:sp>
+            <a:endParaRPr lang="en-US"/>
+          </a:p>
+        </p:txBody>
+      </p:sp>
+      <p:sp>
+        <p:nvSpPr>
+          <p:cNvPr id="25" name="TextBox 24">
+            <a:extLst>
+              <a:ext uri="{FF2B5EF4-FFF2-40B4-BE49-F238E27FC236}">
+                <a16:creationId xmlns:a16="http://schemas.microsoft.com/office/drawing/2014/main" id="{3099CB0A-4C98-0A49-25F5-74AFA2E13039}"/>
+              </a:ext>
+            </a:extLst>
+          </p:cNvPr>
+          <p:cNvSpPr txBox="1"/>
+          <p:nvPr/>
+        </p:nvSpPr>
+        <p:spPr>
+          <a:xfrm>
+            <a:off x="22517858" y="22962151"/>
+            <a:ext cx="4918868" cy="769441"/>
+          </a:xfrm>
+          <a:prstGeom prst="rect">
+            <a:avLst/>
+          </a:prstGeom>
+          <a:noFill/>
+        </p:spPr>
+        <p:txBody>
+          <a:bodyPr wrap="square" rtlCol="0">
+            <a:spAutoFit/>
+          </a:bodyPr>
+          <a:lstStyle/>
+          <a:p>
+            <a:r>
+              <a:rPr lang="en-US" sz="4400" dirty="0">
+                <a:latin typeface="Cambria" panose="02040503050406030204" pitchFamily="18" charset="0"/>
+                <a:ea typeface="Cambria" panose="02040503050406030204" pitchFamily="18" charset="0"/>
+              </a:rPr>
+              <a:t>Governance?</a:t>
+            </a:r>
+          </a:p>
+        </p:txBody>
+      </p:sp>
+      <p:sp>
+        <p:nvSpPr>
+          <p:cNvPr id="26" name="TextBox 25">
+            <a:extLst>
+              <a:ext uri="{FF2B5EF4-FFF2-40B4-BE49-F238E27FC236}">
+                <a16:creationId xmlns:a16="http://schemas.microsoft.com/office/drawing/2014/main" id="{880D0F99-531C-8CA8-F705-D7EB180FDE07}"/>
+              </a:ext>
+            </a:extLst>
+          </p:cNvPr>
+          <p:cNvSpPr txBox="1"/>
+          <p:nvPr/>
+        </p:nvSpPr>
+        <p:spPr>
+          <a:xfrm>
+            <a:off x="22517858" y="24168893"/>
+            <a:ext cx="6929741" cy="769441"/>
+          </a:xfrm>
+          <a:prstGeom prst="rect">
+            <a:avLst/>
+          </a:prstGeom>
+          <a:noFill/>
+        </p:spPr>
+        <p:txBody>
+          <a:bodyPr wrap="square" rtlCol="0">
+            <a:spAutoFit/>
+          </a:bodyPr>
+          <a:lstStyle/>
+          <a:p>
+            <a:r>
+              <a:rPr lang="en-US" sz="4400" dirty="0">
+                <a:latin typeface="Cambria" panose="02040503050406030204" pitchFamily="18" charset="0"/>
+                <a:ea typeface="Cambria" panose="02040503050406030204" pitchFamily="18" charset="0"/>
+              </a:rPr>
+              <a:t>How much patient control?</a:t>
+            </a:r>
+          </a:p>
+        </p:txBody>
+      </p:sp>
+      <p:sp>
+        <p:nvSpPr>
+          <p:cNvPr id="27" name="Arrow: Bent-Up 26">
+            <a:extLst>
+              <a:ext uri="{FF2B5EF4-FFF2-40B4-BE49-F238E27FC236}">
+                <a16:creationId xmlns:a16="http://schemas.microsoft.com/office/drawing/2014/main" id="{D4AA854A-5259-9743-AF16-120CCF57535E}"/>
+              </a:ext>
+            </a:extLst>
+          </p:cNvPr>
+          <p:cNvSpPr/>
+          <p:nvPr/>
+        </p:nvSpPr>
+        <p:spPr>
+          <a:xfrm rot="5400000">
+            <a:off x="21656609" y="24087057"/>
+            <a:ext cx="547798" cy="711471"/>
+          </a:xfrm>
+          <a:prstGeom prst="bentUpArrow">
+            <a:avLst/>
+          </a:prstGeom>
+          <a:solidFill>
+            <a:schemeClr val="tx2">
+              <a:lumMod val="10000"/>
+              <a:lumOff val="90000"/>
+            </a:schemeClr>
+          </a:solidFill>
+          <a:ln>
+            <a:solidFill>
+              <a:schemeClr val="tx1"/>
+            </a:solidFill>
+          </a:ln>
+        </p:spPr>
+        <p:style>
+          <a:lnRef idx="2">
+            <a:schemeClr val="accent1">
+              <a:shade val="15000"/>
+            </a:schemeClr>
+          </a:lnRef>
+          <a:fillRef idx="1">
+            <a:schemeClr val="accent1"/>
+          </a:fillRef>
+          <a:effectRef idx="0">
+            <a:schemeClr val="accent1"/>
+          </a:effectRef>
+          <a:fontRef idx="minor">
+            <a:schemeClr val="lt1"/>
+          </a:fontRef>
+        </p:style>
+        <p:txBody>
+          <a:bodyPr rtlCol="0" anchor="ctr"/>
+          <a:lstStyle/>
+          <a:p>
+            <a:pPr algn="ctr"/>
+            <a:endParaRPr lang="en-US"/>
+          </a:p>
+        </p:txBody>
+      </p:sp>
+      <p:sp>
+        <p:nvSpPr>
+          <p:cNvPr id="28" name="TextBox 27">
+            <a:extLst>
+              <a:ext uri="{FF2B5EF4-FFF2-40B4-BE49-F238E27FC236}">
+                <a16:creationId xmlns:a16="http://schemas.microsoft.com/office/drawing/2014/main" id="{B77E1D33-FB90-5641-FB46-899BE269B0AD}"/>
+              </a:ext>
+            </a:extLst>
+          </p:cNvPr>
+          <p:cNvSpPr txBox="1"/>
+          <p:nvPr/>
+        </p:nvSpPr>
+        <p:spPr>
+          <a:xfrm>
+            <a:off x="22517858" y="27444530"/>
+            <a:ext cx="7006312" cy="769441"/>
+          </a:xfrm>
+          <a:prstGeom prst="rect">
+            <a:avLst/>
+          </a:prstGeom>
+          <a:noFill/>
+        </p:spPr>
+        <p:txBody>
+          <a:bodyPr wrap="square" rtlCol="0">
+            <a:spAutoFit/>
+          </a:bodyPr>
+          <a:lstStyle/>
+          <a:p>
+            <a:r>
+              <a:rPr lang="en-US" sz="4400" dirty="0">
+                <a:latin typeface="Cambria" panose="02040503050406030204" pitchFamily="18" charset="0"/>
+                <a:ea typeface="Cambria" panose="02040503050406030204" pitchFamily="18" charset="0"/>
+              </a:rPr>
+              <a:t>What data should be linked?</a:t>
+            </a:r>
+          </a:p>
+        </p:txBody>
+      </p:sp>
+      <p:sp>
+        <p:nvSpPr>
+          <p:cNvPr id="31" name="Arrow: Bent-Up 30">
+            <a:extLst>
+              <a:ext uri="{FF2B5EF4-FFF2-40B4-BE49-F238E27FC236}">
+                <a16:creationId xmlns:a16="http://schemas.microsoft.com/office/drawing/2014/main" id="{D3A25A83-E62F-D764-0D27-AF0CED557A08}"/>
+              </a:ext>
+            </a:extLst>
+          </p:cNvPr>
+          <p:cNvSpPr/>
+          <p:nvPr/>
+        </p:nvSpPr>
+        <p:spPr>
+          <a:xfrm rot="5400000">
+            <a:off x="21656609" y="27362694"/>
+            <a:ext cx="547798" cy="711471"/>
+          </a:xfrm>
+          <a:prstGeom prst="bentUpArrow">
+            <a:avLst/>
+          </a:prstGeom>
+          <a:solidFill>
+            <a:schemeClr val="tx2">
+              <a:lumMod val="10000"/>
+              <a:lumOff val="90000"/>
+            </a:schemeClr>
+          </a:solidFill>
+          <a:ln>
+            <a:solidFill>
+              <a:schemeClr val="tx1"/>
+            </a:solidFill>
+          </a:ln>
+        </p:spPr>
+        <p:style>
+          <a:lnRef idx="2">
+            <a:schemeClr val="accent1">
+              <a:shade val="15000"/>
+            </a:schemeClr>
+          </a:lnRef>
+          <a:fillRef idx="1">
+            <a:schemeClr val="accent1"/>
+          </a:fillRef>
+          <a:effectRef idx="0">
+            <a:schemeClr val="accent1"/>
+          </a:effectRef>
+          <a:fontRef idx="minor">
+            <a:schemeClr val="lt1"/>
+          </a:fontRef>
+        </p:style>
+        <p:txBody>
+          <a:bodyPr rtlCol="0" anchor="ctr"/>
+          <a:lstStyle/>
+          <a:p>
+            <a:pPr algn="ctr"/>
+            <a:endParaRPr lang="en-US"/>
+          </a:p>
+        </p:txBody>
+      </p:sp>
+      <p:sp>
+        <p:nvSpPr>
+          <p:cNvPr id="32" name="Arrow: Bent-Up 31">
+            <a:extLst>
+              <a:ext uri="{FF2B5EF4-FFF2-40B4-BE49-F238E27FC236}">
+                <a16:creationId xmlns:a16="http://schemas.microsoft.com/office/drawing/2014/main" id="{B35D501C-FB20-7F24-532B-DA07FBBEB2E3}"/>
+              </a:ext>
+            </a:extLst>
+          </p:cNvPr>
+          <p:cNvSpPr/>
+          <p:nvPr/>
+        </p:nvSpPr>
+        <p:spPr>
+          <a:xfrm rot="5400000">
+            <a:off x="21656609" y="28459967"/>
+            <a:ext cx="547798" cy="711471"/>
+          </a:xfrm>
+          <a:prstGeom prst="bentUpArrow">
+            <a:avLst/>
+          </a:prstGeom>
+          <a:solidFill>
+            <a:schemeClr val="tx2">
+              <a:lumMod val="10000"/>
+              <a:lumOff val="90000"/>
+            </a:schemeClr>
+          </a:solidFill>
+          <a:ln>
+            <a:solidFill>
+              <a:schemeClr val="tx1"/>
+            </a:solidFill>
+          </a:ln>
+        </p:spPr>
+        <p:style>
+          <a:lnRef idx="2">
+            <a:schemeClr val="accent1">
+              <a:shade val="15000"/>
+            </a:schemeClr>
+          </a:lnRef>
+          <a:fillRef idx="1">
+            <a:schemeClr val="accent1"/>
+          </a:fillRef>
+          <a:effectRef idx="0">
+            <a:schemeClr val="accent1"/>
+          </a:effectRef>
+          <a:fontRef idx="minor">
+            <a:schemeClr val="lt1"/>
+          </a:fontRef>
+        </p:style>
+        <p:txBody>
+          <a:bodyPr rtlCol="0" anchor="ctr"/>
+          <a:lstStyle/>
+          <a:p>
+            <a:pPr algn="ctr"/>
+            <a:endParaRPr lang="en-US"/>
+          </a:p>
+        </p:txBody>
+      </p:sp>
+      <p:sp>
+        <p:nvSpPr>
+          <p:cNvPr id="34" name="TextBox 33">
+            <a:extLst>
+              <a:ext uri="{FF2B5EF4-FFF2-40B4-BE49-F238E27FC236}">
+                <a16:creationId xmlns:a16="http://schemas.microsoft.com/office/drawing/2014/main" id="{FF7C8F59-8116-BF9A-FA4F-839BD9D6E3D3}"/>
+              </a:ext>
+            </a:extLst>
+          </p:cNvPr>
+          <p:cNvSpPr txBox="1"/>
+          <p:nvPr/>
+        </p:nvSpPr>
+        <p:spPr>
+          <a:xfrm>
+            <a:off x="22517858" y="28541803"/>
+            <a:ext cx="7006312" cy="769441"/>
+          </a:xfrm>
+          <a:prstGeom prst="rect">
+            <a:avLst/>
+          </a:prstGeom>
+          <a:noFill/>
+        </p:spPr>
+        <p:txBody>
+          <a:bodyPr wrap="square" rtlCol="0">
+            <a:spAutoFit/>
+          </a:bodyPr>
+          <a:lstStyle/>
+          <a:p>
+            <a:r>
+              <a:rPr lang="en-US" sz="4400" dirty="0">
+                <a:latin typeface="Cambria" panose="02040503050406030204" pitchFamily="18" charset="0"/>
+                <a:ea typeface="Cambria" panose="02040503050406030204" pitchFamily="18" charset="0"/>
+              </a:rPr>
+              <a:t>Data formatting Standards?</a:t>
+            </a:r>
+          </a:p>
+        </p:txBody>
+      </p:sp>
+      <p:sp>
+        <p:nvSpPr>
+          <p:cNvPr id="36" name="Arrow: Bent-Up 35">
+            <a:extLst>
+              <a:ext uri="{FF2B5EF4-FFF2-40B4-BE49-F238E27FC236}">
+                <a16:creationId xmlns:a16="http://schemas.microsoft.com/office/drawing/2014/main" id="{7B4F50D7-C051-23EA-FBD3-5F96FB63456A}"/>
+              </a:ext>
+            </a:extLst>
+          </p:cNvPr>
+          <p:cNvSpPr/>
+          <p:nvPr/>
+        </p:nvSpPr>
+        <p:spPr>
+          <a:xfrm rot="5400000">
+            <a:off x="21656609" y="32093764"/>
+            <a:ext cx="547798" cy="711471"/>
+          </a:xfrm>
+          <a:prstGeom prst="bentUpArrow">
+            <a:avLst/>
+          </a:prstGeom>
+          <a:solidFill>
+            <a:schemeClr val="tx2">
+              <a:lumMod val="10000"/>
+              <a:lumOff val="90000"/>
+            </a:schemeClr>
+          </a:solidFill>
+          <a:ln>
+            <a:solidFill>
+              <a:schemeClr val="tx1"/>
+            </a:solidFill>
+          </a:ln>
+        </p:spPr>
+        <p:style>
+          <a:lnRef idx="2">
+            <a:schemeClr val="accent1">
+              <a:shade val="15000"/>
+            </a:schemeClr>
+          </a:lnRef>
+          <a:fillRef idx="1">
+            <a:schemeClr val="accent1"/>
+          </a:fillRef>
+          <a:effectRef idx="0">
+            <a:schemeClr val="accent1"/>
+          </a:effectRef>
+          <a:fontRef idx="minor">
+            <a:schemeClr val="lt1"/>
+          </a:fontRef>
+        </p:style>
+        <p:txBody>
+          <a:bodyPr rtlCol="0" anchor="ctr"/>
+          <a:lstStyle/>
+          <a:p>
+            <a:pPr algn="ctr"/>
+            <a:endParaRPr lang="en-US"/>
+          </a:p>
+        </p:txBody>
+      </p:sp>
+      <p:sp>
+        <p:nvSpPr>
+          <p:cNvPr id="37" name="TextBox 36">
+            <a:extLst>
+              <a:ext uri="{FF2B5EF4-FFF2-40B4-BE49-F238E27FC236}">
+                <a16:creationId xmlns:a16="http://schemas.microsoft.com/office/drawing/2014/main" id="{6840915B-3139-1793-2B1B-1E24AE378A22}"/>
+              </a:ext>
+            </a:extLst>
+          </p:cNvPr>
+          <p:cNvSpPr txBox="1"/>
+          <p:nvPr/>
+        </p:nvSpPr>
+        <p:spPr>
+          <a:xfrm>
+            <a:off x="22517858" y="32175600"/>
+            <a:ext cx="7006312" cy="769441"/>
+          </a:xfrm>
+          <a:prstGeom prst="rect">
+            <a:avLst/>
+          </a:prstGeom>
+          <a:noFill/>
+        </p:spPr>
+        <p:txBody>
+          <a:bodyPr wrap="square" rtlCol="0">
+            <a:spAutoFit/>
+          </a:bodyPr>
+          <a:lstStyle/>
+          <a:p>
+            <a:r>
+              <a:rPr lang="en-US" sz="4400" dirty="0">
+                <a:latin typeface="Cambria" panose="02040503050406030204" pitchFamily="18" charset="0"/>
+                <a:ea typeface="Cambria" panose="02040503050406030204" pitchFamily="18" charset="0"/>
+              </a:rPr>
+              <a:t>Genomic data is BIG</a:t>
+            </a:r>
+          </a:p>
+        </p:txBody>
+      </p:sp>
+      <p:sp>
+        <p:nvSpPr>
+          <p:cNvPr id="38" name="Arrow: Bent-Up 37">
+            <a:extLst>
+              <a:ext uri="{FF2B5EF4-FFF2-40B4-BE49-F238E27FC236}">
+                <a16:creationId xmlns:a16="http://schemas.microsoft.com/office/drawing/2014/main" id="{F43FBE78-9E07-0426-0532-2D7BF3337837}"/>
+              </a:ext>
+            </a:extLst>
+          </p:cNvPr>
+          <p:cNvSpPr/>
+          <p:nvPr/>
+        </p:nvSpPr>
+        <p:spPr>
+          <a:xfrm rot="5400000">
+            <a:off x="21656609" y="33225189"/>
+            <a:ext cx="547798" cy="711471"/>
+          </a:xfrm>
+          <a:prstGeom prst="bentUpArrow">
+            <a:avLst/>
+          </a:prstGeom>
+          <a:solidFill>
+            <a:schemeClr val="tx2">
+              <a:lumMod val="10000"/>
+              <a:lumOff val="90000"/>
+            </a:schemeClr>
+          </a:solidFill>
+          <a:ln>
+            <a:solidFill>
+              <a:schemeClr val="tx1"/>
+            </a:solidFill>
+          </a:ln>
+        </p:spPr>
+        <p:style>
+          <a:lnRef idx="2">
+            <a:schemeClr val="accent1">
+              <a:shade val="15000"/>
+            </a:schemeClr>
+          </a:lnRef>
+          <a:fillRef idx="1">
+            <a:schemeClr val="accent1"/>
+          </a:fillRef>
+          <a:effectRef idx="0">
+            <a:schemeClr val="accent1"/>
+          </a:effectRef>
+          <a:fontRef idx="minor">
+            <a:schemeClr val="lt1"/>
+          </a:fontRef>
+        </p:style>
+        <p:txBody>
+          <a:bodyPr rtlCol="0" anchor="ctr"/>
+          <a:lstStyle/>
+          <a:p>
+            <a:pPr algn="ctr"/>
+            <a:endParaRPr lang="en-US"/>
+          </a:p>
+        </p:txBody>
+      </p:sp>
+      <p:sp>
+        <p:nvSpPr>
+          <p:cNvPr id="41" name="TextBox 40">
+            <a:extLst>
+              <a:ext uri="{FF2B5EF4-FFF2-40B4-BE49-F238E27FC236}">
+                <a16:creationId xmlns:a16="http://schemas.microsoft.com/office/drawing/2014/main" id="{A490A03B-89A0-5096-EEA4-72CFE47836EA}"/>
+              </a:ext>
+            </a:extLst>
+          </p:cNvPr>
+          <p:cNvSpPr txBox="1"/>
+          <p:nvPr/>
+        </p:nvSpPr>
+        <p:spPr>
+          <a:xfrm>
+            <a:off x="22517858" y="33307025"/>
+            <a:ext cx="7006312" cy="769441"/>
+          </a:xfrm>
+          <a:prstGeom prst="rect">
+            <a:avLst/>
+          </a:prstGeom>
+          <a:noFill/>
+        </p:spPr>
+        <p:txBody>
+          <a:bodyPr wrap="square" rtlCol="0">
+            <a:spAutoFit/>
+          </a:bodyPr>
+          <a:lstStyle/>
+          <a:p>
+            <a:r>
+              <a:rPr lang="en-US" sz="4400" dirty="0">
+                <a:latin typeface="Cambria" panose="02040503050406030204" pitchFamily="18" charset="0"/>
+                <a:ea typeface="Cambria" panose="02040503050406030204" pitchFamily="18" charset="0"/>
+              </a:rPr>
+              <a:t>Requires novel approach?</a:t>
+            </a:r>
+          </a:p>
+        </p:txBody>
+      </p:sp>
+      <p:sp>
+        <p:nvSpPr>
+          <p:cNvPr id="43" name="TextBox 42">
+            <a:extLst>
+              <a:ext uri="{FF2B5EF4-FFF2-40B4-BE49-F238E27FC236}">
+                <a16:creationId xmlns:a16="http://schemas.microsoft.com/office/drawing/2014/main" id="{DA72571B-1754-072D-9916-B05F50E46C6E}"/>
+              </a:ext>
+            </a:extLst>
+          </p:cNvPr>
+          <p:cNvSpPr txBox="1"/>
+          <p:nvPr/>
+        </p:nvSpPr>
+        <p:spPr>
+          <a:xfrm>
+            <a:off x="3895944" y="9629204"/>
+            <a:ext cx="7832173" cy="769441"/>
+          </a:xfrm>
+          <a:prstGeom prst="rect">
+            <a:avLst/>
+          </a:prstGeom>
+          <a:noFill/>
+        </p:spPr>
+        <p:txBody>
+          <a:bodyPr wrap="square" rtlCol="0">
+            <a:spAutoFit/>
+          </a:bodyPr>
+          <a:lstStyle/>
+          <a:p>
+            <a:r>
+              <a:rPr lang="en-US" sz="4400" dirty="0">
+                <a:latin typeface="Cambria" panose="02040503050406030204" pitchFamily="18" charset="0"/>
+                <a:ea typeface="Cambria" panose="02040503050406030204" pitchFamily="18" charset="0"/>
+              </a:rPr>
+              <a:t>Data privacy is crucial</a:t>
+            </a:r>
+          </a:p>
+        </p:txBody>
+      </p:sp>
+      <p:pic>
+        <p:nvPicPr>
+          <p:cNvPr id="44" name="Graphic 43" descr="Lock with solid fill">
+            <a:extLst>
+              <a:ext uri="{FF2B5EF4-FFF2-40B4-BE49-F238E27FC236}">
+                <a16:creationId xmlns:a16="http://schemas.microsoft.com/office/drawing/2014/main" id="{1DB764FE-38C1-823C-102B-B9E413305839}"/>
+              </a:ext>
+            </a:extLst>
+          </p:cNvPr>
+          <p:cNvPicPr>
+            <a:picLocks noChangeAspect="1"/>
+          </p:cNvPicPr>
+          <p:nvPr/>
+        </p:nvPicPr>
+        <p:blipFill>
+          <a:blip r:embed="rId14">
+            <a:extLst>
+              <a:ext uri="{28A0092B-C50C-407E-A947-70E740481C1C}">
+                <a14:useLocalDpi xmlns:a14="http://schemas.microsoft.com/office/drawing/2010/main" val="0"/>
+              </a:ext>
+              <a:ext uri="{96DAC541-7B7A-43D3-8B79-37D633B846F1}">
+                <asvg:svgBlip xmlns:asvg="http://schemas.microsoft.com/office/drawing/2016/SVG/main" r:embed="rId15"/>
+              </a:ext>
+            </a:extLst>
+          </a:blip>
+          <a:stretch>
+            <a:fillRect/>
+          </a:stretch>
+        </p:blipFill>
+        <p:spPr>
+          <a:xfrm>
+            <a:off x="3093513" y="9588121"/>
+            <a:ext cx="771517" cy="771517"/>
+          </a:xfrm>
+          <a:prstGeom prst="rect">
+            <a:avLst/>
+          </a:prstGeom>
+        </p:spPr>
+      </p:pic>
+      <p:pic>
+        <p:nvPicPr>
+          <p:cNvPr id="45" name="Graphic 44" descr="Database outline">
+            <a:extLst>
+              <a:ext uri="{FF2B5EF4-FFF2-40B4-BE49-F238E27FC236}">
+                <a16:creationId xmlns:a16="http://schemas.microsoft.com/office/drawing/2014/main" id="{D931E402-CBAF-9FA2-CC61-3E4016E8C5EC}"/>
+              </a:ext>
+            </a:extLst>
+          </p:cNvPr>
+          <p:cNvPicPr>
+            <a:picLocks noChangeAspect="1"/>
+          </p:cNvPicPr>
+          <p:nvPr/>
+        </p:nvPicPr>
+        <p:blipFill>
+          <a:blip r:embed="rId9">
+            <a:extLst>
+              <a:ext uri="{28A0092B-C50C-407E-A947-70E740481C1C}">
+                <a14:useLocalDpi xmlns:a14="http://schemas.microsoft.com/office/drawing/2010/main" val="0"/>
+              </a:ext>
+              <a:ext uri="{96DAC541-7B7A-43D3-8B79-37D633B846F1}">
+                <asvg:svgBlip xmlns:asvg="http://schemas.microsoft.com/office/drawing/2016/SVG/main" r:embed="rId10"/>
+              </a:ext>
+            </a:extLst>
+          </a:blip>
+          <a:stretch>
+            <a:fillRect/>
+          </a:stretch>
+        </p:blipFill>
+        <p:spPr>
+          <a:xfrm>
+            <a:off x="3103196" y="10507924"/>
+            <a:ext cx="752150" cy="752150"/>
+          </a:xfrm>
+          <a:prstGeom prst="rect">
+            <a:avLst/>
+          </a:prstGeom>
+        </p:spPr>
+      </p:pic>
+      <p:sp>
+        <p:nvSpPr>
+          <p:cNvPr id="47" name="TextBox 46">
+            <a:extLst>
+              <a:ext uri="{FF2B5EF4-FFF2-40B4-BE49-F238E27FC236}">
+                <a16:creationId xmlns:a16="http://schemas.microsoft.com/office/drawing/2014/main" id="{9082074E-7BF9-D409-22AB-CAB4ACDE010D}"/>
+              </a:ext>
+            </a:extLst>
+          </p:cNvPr>
+          <p:cNvSpPr txBox="1"/>
+          <p:nvPr/>
+        </p:nvSpPr>
+        <p:spPr>
+          <a:xfrm>
+            <a:off x="3895944" y="10520061"/>
+            <a:ext cx="8584787" cy="769441"/>
+          </a:xfrm>
+          <a:prstGeom prst="rect">
+            <a:avLst/>
+          </a:prstGeom>
+          <a:noFill/>
+        </p:spPr>
+        <p:txBody>
+          <a:bodyPr wrap="square" rtlCol="0">
+            <a:spAutoFit/>
+          </a:bodyPr>
+          <a:lstStyle/>
+          <a:p>
+            <a:r>
+              <a:rPr lang="en-US" sz="4400" dirty="0">
+                <a:latin typeface="Cambria" panose="02040503050406030204" pitchFamily="18" charset="0"/>
+                <a:ea typeface="Cambria" panose="02040503050406030204" pitchFamily="18" charset="0"/>
+              </a:rPr>
+              <a:t>Genomic data storage is expensive</a:t>
+            </a:r>
+          </a:p>
+        </p:txBody>
+      </p:sp>
+      <p:sp>
+        <p:nvSpPr>
+          <p:cNvPr id="48" name="TextBox 47">
+            <a:extLst>
+              <a:ext uri="{FF2B5EF4-FFF2-40B4-BE49-F238E27FC236}">
+                <a16:creationId xmlns:a16="http://schemas.microsoft.com/office/drawing/2014/main" id="{906B5DF7-CAAF-73FE-56F7-0CA32B137444}"/>
+              </a:ext>
+            </a:extLst>
+          </p:cNvPr>
+          <p:cNvSpPr txBox="1"/>
+          <p:nvPr/>
+        </p:nvSpPr>
+        <p:spPr>
+          <a:xfrm>
+            <a:off x="844941" y="11594996"/>
+            <a:ext cx="2825218" cy="769441"/>
+          </a:xfrm>
+          <a:prstGeom prst="rect">
+            <a:avLst/>
+          </a:prstGeom>
+          <a:noFill/>
+        </p:spPr>
+        <p:txBody>
+          <a:bodyPr wrap="square" rtlCol="0">
+            <a:spAutoFit/>
+          </a:bodyPr>
+          <a:lstStyle/>
+          <a:p>
+            <a:r>
+              <a:rPr lang="en-US" sz="4400" u="sng" dirty="0">
+                <a:latin typeface="Cambria" panose="02040503050406030204" pitchFamily="18" charset="0"/>
+                <a:ea typeface="Cambria" panose="02040503050406030204" pitchFamily="18" charset="0"/>
+              </a:rPr>
+              <a:t>Question</a:t>
+            </a:r>
+            <a:r>
+              <a:rPr lang="en-US" sz="4400" dirty="0">
+                <a:latin typeface="Cambria" panose="02040503050406030204" pitchFamily="18" charset="0"/>
+                <a:ea typeface="Cambria" panose="02040503050406030204" pitchFamily="18" charset="0"/>
+              </a:rPr>
+              <a:t>: </a:t>
+            </a:r>
+          </a:p>
+        </p:txBody>
+      </p:sp>
+      <p:sp>
+        <p:nvSpPr>
+          <p:cNvPr id="49" name="Minus Sign 48">
+            <a:extLst>
+              <a:ext uri="{FF2B5EF4-FFF2-40B4-BE49-F238E27FC236}">
+                <a16:creationId xmlns:a16="http://schemas.microsoft.com/office/drawing/2014/main" id="{C733C151-E1FE-CBF1-65B7-6106988DE6D6}"/>
+              </a:ext>
+            </a:extLst>
+          </p:cNvPr>
+          <p:cNvSpPr/>
+          <p:nvPr/>
+        </p:nvSpPr>
+        <p:spPr>
+          <a:xfrm>
+            <a:off x="14929579" y="16137569"/>
+            <a:ext cx="383953" cy="390156"/>
+          </a:xfrm>
+          <a:prstGeom prst="mathMinus">
+            <a:avLst/>
+          </a:prstGeom>
+          <a:solidFill>
+            <a:schemeClr val="tx1"/>
+          </a:solidFill>
+          <a:ln>
+            <a:noFill/>
+          </a:ln>
+        </p:spPr>
+        <p:style>
+          <a:lnRef idx="2">
+            <a:schemeClr val="accent1">
+              <a:shade val="15000"/>
+            </a:schemeClr>
+          </a:lnRef>
+          <a:fillRef idx="1">
+            <a:schemeClr val="accent1"/>
+          </a:fillRef>
+          <a:effectRef idx="0">
+            <a:schemeClr val="accent1"/>
+          </a:effectRef>
+          <a:fontRef idx="minor">
+            <a:schemeClr val="lt1"/>
+          </a:fontRef>
+        </p:style>
+        <p:txBody>
+          <a:bodyPr rtlCol="0" anchor="ctr"/>
+          <a:lstStyle/>
+          <a:p>
+            <a:pPr algn="ctr"/>
+            <a:endParaRPr lang="en-US"/>
+          </a:p>
+        </p:txBody>
+      </p:sp>
+      <p:sp>
+        <p:nvSpPr>
+          <p:cNvPr id="50" name="Minus Sign 49">
+            <a:extLst>
+              <a:ext uri="{FF2B5EF4-FFF2-40B4-BE49-F238E27FC236}">
+                <a16:creationId xmlns:a16="http://schemas.microsoft.com/office/drawing/2014/main" id="{077271A5-3BAA-EE5F-F839-D20D9336ECB2}"/>
+              </a:ext>
+            </a:extLst>
+          </p:cNvPr>
+          <p:cNvSpPr/>
+          <p:nvPr/>
+        </p:nvSpPr>
+        <p:spPr>
+          <a:xfrm>
+            <a:off x="14929579" y="16940116"/>
+            <a:ext cx="383953" cy="390156"/>
+          </a:xfrm>
+          <a:prstGeom prst="mathMinus">
+            <a:avLst/>
+          </a:prstGeom>
+          <a:solidFill>
+            <a:schemeClr val="tx1"/>
+          </a:solidFill>
+          <a:ln>
+            <a:noFill/>
+          </a:ln>
+        </p:spPr>
+        <p:style>
+          <a:lnRef idx="2">
+            <a:schemeClr val="accent1">
+              <a:shade val="15000"/>
+            </a:schemeClr>
+          </a:lnRef>
+          <a:fillRef idx="1">
+            <a:schemeClr val="accent1"/>
+          </a:fillRef>
+          <a:effectRef idx="0">
+            <a:schemeClr val="accent1"/>
+          </a:effectRef>
+          <a:fontRef idx="minor">
+            <a:schemeClr val="lt1"/>
+          </a:fontRef>
+        </p:style>
+        <p:txBody>
+          <a:bodyPr rtlCol="0" anchor="ctr"/>
+          <a:lstStyle/>
+          <a:p>
+            <a:pPr algn="ctr"/>
+            <a:endParaRPr lang="en-US"/>
+          </a:p>
+        </p:txBody>
+      </p:sp>
+      <p:sp>
+        <p:nvSpPr>
+          <p:cNvPr id="51" name="Minus Sign 50">
+            <a:extLst>
+              <a:ext uri="{FF2B5EF4-FFF2-40B4-BE49-F238E27FC236}">
+                <a16:creationId xmlns:a16="http://schemas.microsoft.com/office/drawing/2014/main" id="{0913140C-F261-7186-3F8D-F46F43D84B53}"/>
+              </a:ext>
+            </a:extLst>
+          </p:cNvPr>
+          <p:cNvSpPr/>
+          <p:nvPr/>
+        </p:nvSpPr>
+        <p:spPr>
+          <a:xfrm>
+            <a:off x="14929579" y="18545209"/>
+            <a:ext cx="383953" cy="390156"/>
+          </a:xfrm>
+          <a:prstGeom prst="mathMinus">
+            <a:avLst/>
+          </a:prstGeom>
+          <a:solidFill>
+            <a:schemeClr val="tx1"/>
+          </a:solidFill>
+          <a:ln>
+            <a:noFill/>
+          </a:ln>
+        </p:spPr>
+        <p:style>
+          <a:lnRef idx="2">
+            <a:schemeClr val="accent1">
+              <a:shade val="15000"/>
+            </a:schemeClr>
+          </a:lnRef>
+          <a:fillRef idx="1">
+            <a:schemeClr val="accent1"/>
+          </a:fillRef>
+          <a:effectRef idx="0">
+            <a:schemeClr val="accent1"/>
+          </a:effectRef>
+          <a:fontRef idx="minor">
+            <a:schemeClr val="lt1"/>
+          </a:fontRef>
+        </p:style>
+        <p:txBody>
+          <a:bodyPr rtlCol="0" anchor="ctr"/>
+          <a:lstStyle/>
+          <a:p>
+            <a:pPr algn="ctr"/>
+            <a:endParaRPr lang="en-US"/>
+          </a:p>
+        </p:txBody>
+      </p:sp>
+      <p:sp>
+        <p:nvSpPr>
+          <p:cNvPr id="52" name="Minus Sign 51">
+            <a:extLst>
+              <a:ext uri="{FF2B5EF4-FFF2-40B4-BE49-F238E27FC236}">
+                <a16:creationId xmlns:a16="http://schemas.microsoft.com/office/drawing/2014/main" id="{3D89397A-B0F5-8AF4-DB03-32E92841D384}"/>
+              </a:ext>
+            </a:extLst>
+          </p:cNvPr>
+          <p:cNvSpPr/>
+          <p:nvPr/>
+        </p:nvSpPr>
+        <p:spPr>
+          <a:xfrm>
+            <a:off x="14929579" y="17742663"/>
+            <a:ext cx="383953" cy="390156"/>
+          </a:xfrm>
+          <a:prstGeom prst="mathMinus">
+            <a:avLst/>
+          </a:prstGeom>
+          <a:solidFill>
+            <a:schemeClr val="tx1"/>
+          </a:solidFill>
+          <a:ln>
+            <a:noFill/>
+          </a:ln>
+        </p:spPr>
+        <p:style>
+          <a:lnRef idx="2">
+            <a:schemeClr val="accent1">
+              <a:shade val="15000"/>
+            </a:schemeClr>
+          </a:lnRef>
+          <a:fillRef idx="1">
+            <a:schemeClr val="accent1"/>
+          </a:fillRef>
+          <a:effectRef idx="0">
+            <a:schemeClr val="accent1"/>
+          </a:effectRef>
+          <a:fontRef idx="minor">
+            <a:schemeClr val="lt1"/>
+          </a:fontRef>
+        </p:style>
+        <p:txBody>
+          <a:bodyPr rtlCol="0" anchor="ctr"/>
+          <a:lstStyle/>
+          <a:p>
+            <a:pPr algn="ctr"/>
+            <a:endParaRPr lang="en-US"/>
+          </a:p>
+        </p:txBody>
+      </p:sp>
+      <p:pic>
+        <p:nvPicPr>
+          <p:cNvPr id="63" name="Graphic 62">
+            <a:extLst>
+              <a:ext uri="{FF2B5EF4-FFF2-40B4-BE49-F238E27FC236}">
+                <a16:creationId xmlns:a16="http://schemas.microsoft.com/office/drawing/2014/main" id="{53EBFA5F-630C-C4F4-1CA2-74F0482B9868}"/>
+              </a:ext>
+            </a:extLst>
+          </p:cNvPr>
+          <p:cNvPicPr>
+            <a:picLocks noChangeAspect="1"/>
+          </p:cNvPicPr>
+          <p:nvPr/>
+        </p:nvPicPr>
+        <p:blipFill>
+          <a:blip r:embed="rId46">
+            <a:extLst>
+              <a:ext uri="{28A0092B-C50C-407E-A947-70E740481C1C}">
+                <a14:useLocalDpi xmlns:a14="http://schemas.microsoft.com/office/drawing/2010/main" val="0"/>
+              </a:ext>
+              <a:ext uri="{96DAC541-7B7A-43D3-8B79-37D633B846F1}">
+                <asvg:svgBlip xmlns:asvg="http://schemas.microsoft.com/office/drawing/2016/SVG/main" r:embed="rId47"/>
+              </a:ext>
+            </a:extLst>
+          </a:blip>
+          <a:stretch>
+            <a:fillRect/>
+          </a:stretch>
+        </p:blipFill>
+        <p:spPr>
+          <a:xfrm>
+            <a:off x="24093636" y="36021894"/>
+            <a:ext cx="6683898" cy="6683898"/>
+          </a:xfrm>
+          <a:prstGeom prst="rect">
+            <a:avLst/>
+          </a:prstGeom>
+        </p:spPr>
+      </p:pic>
+      <p:pic>
+        <p:nvPicPr>
+          <p:cNvPr id="451" name="Graphic 450">
+            <a:extLst>
+              <a:ext uri="{FF2B5EF4-FFF2-40B4-BE49-F238E27FC236}">
+                <a16:creationId xmlns:a16="http://schemas.microsoft.com/office/drawing/2014/main" id="{B00EEE0C-7A45-8724-40D7-9584DDA18BEC}"/>
+              </a:ext>
+            </a:extLst>
+          </p:cNvPr>
+          <p:cNvPicPr>
+            <a:picLocks noChangeAspect="1"/>
+          </p:cNvPicPr>
+          <p:nvPr/>
+        </p:nvPicPr>
+        <p:blipFill>
+          <a:blip r:embed="rId48">
+            <a:extLst>
+              <a:ext uri="{28A0092B-C50C-407E-A947-70E740481C1C}">
+                <a14:useLocalDpi xmlns:a14="http://schemas.microsoft.com/office/drawing/2010/main" val="0"/>
+              </a:ext>
+              <a:ext uri="{96DAC541-7B7A-43D3-8B79-37D633B846F1}">
+                <asvg:svgBlip xmlns:asvg="http://schemas.microsoft.com/office/drawing/2016/SVG/main" r:embed="rId49"/>
+              </a:ext>
+            </a:extLst>
+          </a:blip>
+          <a:stretch>
+            <a:fillRect/>
+          </a:stretch>
+        </p:blipFill>
+        <p:spPr>
+          <a:xfrm>
+            <a:off x="101018" y="35830850"/>
+            <a:ext cx="5650369" cy="5650369"/>
+          </a:xfrm>
+          <a:prstGeom prst="rect">
+            <a:avLst/>
+          </a:prstGeom>
+        </p:spPr>
+      </p:pic>
     </p:spTree>
     <p:extLst>
       <p:ext uri="{BB962C8B-B14F-4D97-AF65-F5344CB8AC3E}">

--- a/SWAT4HCLS_24_EDC.pptx
+++ b/SWAT4HCLS_24_EDC.pptx
@@ -3999,7 +3999,7 @@
         </p:blipFill>
         <p:spPr>
           <a:xfrm>
-            <a:off x="24326546" y="2624286"/>
+            <a:off x="21323491" y="2474332"/>
             <a:ext cx="5829590" cy="3045962"/>
           </a:xfrm>
           <a:prstGeom prst="rect">
@@ -4029,7 +4029,7 @@
         </p:blipFill>
         <p:spPr>
           <a:xfrm>
-            <a:off x="22456539" y="621470"/>
+            <a:off x="22254913" y="66571"/>
             <a:ext cx="4027925" cy="3223023"/>
           </a:xfrm>
           <a:prstGeom prst="rect">
@@ -9878,6 +9878,36 @@
           <a:xfrm>
             <a:off x="101018" y="35830850"/>
             <a:ext cx="5650369" cy="5650369"/>
+          </a:xfrm>
+          <a:prstGeom prst="rect">
+            <a:avLst/>
+          </a:prstGeom>
+        </p:spPr>
+      </p:pic>
+      <p:pic>
+        <p:nvPicPr>
+          <p:cNvPr id="2" name="Picture 1">
+            <a:extLst>
+              <a:ext uri="{FF2B5EF4-FFF2-40B4-BE49-F238E27FC236}">
+                <a16:creationId xmlns:a16="http://schemas.microsoft.com/office/drawing/2014/main" id="{73E8EC7E-0E91-51FD-BBB5-9CC091C0D2B5}"/>
+              </a:ext>
+            </a:extLst>
+          </p:cNvPr>
+          <p:cNvPicPr>
+            <a:picLocks noChangeAspect="1"/>
+          </p:cNvPicPr>
+          <p:nvPr/>
+        </p:nvPicPr>
+        <p:blipFill>
+          <a:blip r:embed="rId50"/>
+          <a:stretch>
+            <a:fillRect/>
+          </a:stretch>
+        </p:blipFill>
+        <p:spPr>
+          <a:xfrm>
+            <a:off x="25929713" y="2791551"/>
+            <a:ext cx="4213448" cy="2106724"/>
           </a:xfrm>
           <a:prstGeom prst="rect">
             <a:avLst/>
